--- a/Fanta-basket.pptx
+++ b/Fanta-basket.pptx
@@ -5,10 +5,10 @@
     <p:sldMasterId id="2147483648" r:id="rId4"/>
   </p:sldMasterIdLst>
   <p:notesMasterIdLst>
-    <p:notesMasterId r:id="rId25"/>
+    <p:notesMasterId r:id="rId39"/>
   </p:notesMasterIdLst>
   <p:handoutMasterIdLst>
-    <p:handoutMasterId r:id="rId26"/>
+    <p:handoutMasterId r:id="rId40"/>
   </p:handoutMasterIdLst>
   <p:sldIdLst>
     <p:sldId id="257" r:id="rId5"/>
@@ -23,14 +23,28 @@
     <p:sldId id="279" r:id="rId14"/>
     <p:sldId id="284" r:id="rId15"/>
     <p:sldId id="280" r:id="rId16"/>
-    <p:sldId id="281" r:id="rId17"/>
-    <p:sldId id="290" r:id="rId18"/>
-    <p:sldId id="291" r:id="rId19"/>
-    <p:sldId id="282" r:id="rId20"/>
-    <p:sldId id="283" r:id="rId21"/>
-    <p:sldId id="285" r:id="rId22"/>
-    <p:sldId id="286" r:id="rId23"/>
-    <p:sldId id="287" r:id="rId24"/>
+    <p:sldId id="294" r:id="rId17"/>
+    <p:sldId id="281" r:id="rId18"/>
+    <p:sldId id="293" r:id="rId19"/>
+    <p:sldId id="295" r:id="rId20"/>
+    <p:sldId id="292" r:id="rId21"/>
+    <p:sldId id="290" r:id="rId22"/>
+    <p:sldId id="296" r:id="rId23"/>
+    <p:sldId id="297" r:id="rId24"/>
+    <p:sldId id="291" r:id="rId25"/>
+    <p:sldId id="298" r:id="rId26"/>
+    <p:sldId id="301" r:id="rId27"/>
+    <p:sldId id="302" r:id="rId28"/>
+    <p:sldId id="299" r:id="rId29"/>
+    <p:sldId id="303" r:id="rId30"/>
+    <p:sldId id="300" r:id="rId31"/>
+    <p:sldId id="304" r:id="rId32"/>
+    <p:sldId id="305" r:id="rId33"/>
+    <p:sldId id="282" r:id="rId34"/>
+    <p:sldId id="283" r:id="rId35"/>
+    <p:sldId id="285" r:id="rId36"/>
+    <p:sldId id="286" r:id="rId37"/>
+    <p:sldId id="287" r:id="rId38"/>
   </p:sldIdLst>
   <p:sldSz cx="12192000" cy="6858000"/>
   <p:notesSz cx="6858000" cy="9144000"/>
@@ -224,7 +238,7 @@
             <a:pPr rtl="0"/>
             <a:fld id="{DD868E61-EE5E-476A-BE2F-3AFD6A2681D1}" type="datetime1">
               <a:rPr lang="it-IT" smtClean="0"/>
-              <a:t>10/02/2022</a:t>
+              <a:t>12/02/2022</a:t>
             </a:fld>
             <a:endParaRPr lang="it-IT" dirty="0"/>
           </a:p>
@@ -394,7 +408,7 @@
             <a:pPr rtl="0"/>
             <a:fld id="{6F5AD4C0-0A8F-40BE-AF6D-4F99EDBC56B2}" type="datetime1">
               <a:rPr lang="it-IT" smtClean="0"/>
-              <a:t>10/02/2022</a:t>
+              <a:t>12/02/2022</a:t>
             </a:fld>
             <a:endParaRPr lang="it-IT" dirty="0"/>
           </a:p>
@@ -986,7 +1000,7 @@
             <a:pPr rtl="0"/>
             <a:fld id="{05C1D8F7-2BDD-4C56-98AF-2E212EF349F3}" type="slidenum">
               <a:rPr lang="it-IT" smtClean="0"/>
-              <a:t>13</a:t>
+              <a:t>14</a:t>
             </a:fld>
             <a:endParaRPr lang="it-IT" dirty="0"/>
           </a:p>
@@ -1071,7 +1085,7 @@
             <a:pPr rtl="0"/>
             <a:fld id="{05C1D8F7-2BDD-4C56-98AF-2E212EF349F3}" type="slidenum">
               <a:rPr lang="it-IT" smtClean="0"/>
-              <a:t>14</a:t>
+              <a:t>15</a:t>
             </a:fld>
             <a:endParaRPr lang="it-IT" dirty="0"/>
           </a:p>
@@ -1080,7 +1094,7 @@
     </p:spTree>
     <p:extLst>
       <p:ext uri="{BB962C8B-B14F-4D97-AF65-F5344CB8AC3E}">
-        <p14:creationId xmlns:p14="http://schemas.microsoft.com/office/powerpoint/2010/main" val="370471241"/>
+        <p14:creationId xmlns:p14="http://schemas.microsoft.com/office/powerpoint/2010/main" val="1395394343"/>
       </p:ext>
     </p:extLst>
   </p:cSld>
@@ -1156,7 +1170,7 @@
             <a:pPr rtl="0"/>
             <a:fld id="{05C1D8F7-2BDD-4C56-98AF-2E212EF349F3}" type="slidenum">
               <a:rPr lang="it-IT" smtClean="0"/>
-              <a:t>15</a:t>
+              <a:t>17</a:t>
             </a:fld>
             <a:endParaRPr lang="it-IT" dirty="0"/>
           </a:p>
@@ -1165,7 +1179,7 @@
     </p:spTree>
     <p:extLst>
       <p:ext uri="{BB962C8B-B14F-4D97-AF65-F5344CB8AC3E}">
-        <p14:creationId xmlns:p14="http://schemas.microsoft.com/office/powerpoint/2010/main" val="2871961445"/>
+        <p14:creationId xmlns:p14="http://schemas.microsoft.com/office/powerpoint/2010/main" val="4092966316"/>
       </p:ext>
     </p:extLst>
   </p:cSld>
@@ -1241,7 +1255,7 @@
             <a:pPr rtl="0"/>
             <a:fld id="{05C1D8F7-2BDD-4C56-98AF-2E212EF349F3}" type="slidenum">
               <a:rPr lang="it-IT" smtClean="0"/>
-              <a:t>16</a:t>
+              <a:t>18</a:t>
             </a:fld>
             <a:endParaRPr lang="it-IT" dirty="0"/>
           </a:p>
@@ -1250,7 +1264,7 @@
     </p:spTree>
     <p:extLst>
       <p:ext uri="{BB962C8B-B14F-4D97-AF65-F5344CB8AC3E}">
-        <p14:creationId xmlns:p14="http://schemas.microsoft.com/office/powerpoint/2010/main" val="3124056192"/>
+        <p14:creationId xmlns:p14="http://schemas.microsoft.com/office/powerpoint/2010/main" val="370471241"/>
       </p:ext>
     </p:extLst>
   </p:cSld>
@@ -1326,7 +1340,7 @@
             <a:pPr rtl="0"/>
             <a:fld id="{05C1D8F7-2BDD-4C56-98AF-2E212EF349F3}" type="slidenum">
               <a:rPr lang="it-IT" smtClean="0"/>
-              <a:t>17</a:t>
+              <a:t>19</a:t>
             </a:fld>
             <a:endParaRPr lang="it-IT" dirty="0"/>
           </a:p>
@@ -1335,7 +1349,7 @@
     </p:spTree>
     <p:extLst>
       <p:ext uri="{BB962C8B-B14F-4D97-AF65-F5344CB8AC3E}">
-        <p14:creationId xmlns:p14="http://schemas.microsoft.com/office/powerpoint/2010/main" val="1044513445"/>
+        <p14:creationId xmlns:p14="http://schemas.microsoft.com/office/powerpoint/2010/main" val="3224647561"/>
       </p:ext>
     </p:extLst>
   </p:cSld>
@@ -1411,7 +1425,7 @@
             <a:pPr rtl="0"/>
             <a:fld id="{05C1D8F7-2BDD-4C56-98AF-2E212EF349F3}" type="slidenum">
               <a:rPr lang="it-IT" smtClean="0"/>
-              <a:t>18</a:t>
+              <a:t>20</a:t>
             </a:fld>
             <a:endParaRPr lang="it-IT" dirty="0"/>
           </a:p>
@@ -1420,7 +1434,7 @@
     </p:spTree>
     <p:extLst>
       <p:ext uri="{BB962C8B-B14F-4D97-AF65-F5344CB8AC3E}">
-        <p14:creationId xmlns:p14="http://schemas.microsoft.com/office/powerpoint/2010/main" val="3479669090"/>
+        <p14:creationId xmlns:p14="http://schemas.microsoft.com/office/powerpoint/2010/main" val="3855562071"/>
       </p:ext>
     </p:extLst>
   </p:cSld>
@@ -1496,7 +1510,7 @@
             <a:pPr rtl="0"/>
             <a:fld id="{05C1D8F7-2BDD-4C56-98AF-2E212EF349F3}" type="slidenum">
               <a:rPr lang="it-IT" smtClean="0"/>
-              <a:t>19</a:t>
+              <a:t>21</a:t>
             </a:fld>
             <a:endParaRPr lang="it-IT" dirty="0"/>
           </a:p>
@@ -1505,7 +1519,7 @@
     </p:spTree>
     <p:extLst>
       <p:ext uri="{BB962C8B-B14F-4D97-AF65-F5344CB8AC3E}">
-        <p14:creationId xmlns:p14="http://schemas.microsoft.com/office/powerpoint/2010/main" val="4225548469"/>
+        <p14:creationId xmlns:p14="http://schemas.microsoft.com/office/powerpoint/2010/main" val="2871961445"/>
       </p:ext>
     </p:extLst>
   </p:cSld>
@@ -1581,7 +1595,7 @@
             <a:pPr rtl="0"/>
             <a:fld id="{05C1D8F7-2BDD-4C56-98AF-2E212EF349F3}" type="slidenum">
               <a:rPr lang="it-IT" smtClean="0"/>
-              <a:t>20</a:t>
+              <a:t>23</a:t>
             </a:fld>
             <a:endParaRPr lang="it-IT" dirty="0"/>
           </a:p>
@@ -1590,7 +1604,7 @@
     </p:spTree>
     <p:extLst>
       <p:ext uri="{BB962C8B-B14F-4D97-AF65-F5344CB8AC3E}">
-        <p14:creationId xmlns:p14="http://schemas.microsoft.com/office/powerpoint/2010/main" val="3209740494"/>
+        <p14:creationId xmlns:p14="http://schemas.microsoft.com/office/powerpoint/2010/main" val="3436724073"/>
       </p:ext>
     </p:extLst>
   </p:cSld>
@@ -1676,6 +1690,686 @@
     <p:extLst>
       <p:ext uri="{BB962C8B-B14F-4D97-AF65-F5344CB8AC3E}">
         <p14:creationId xmlns:p14="http://schemas.microsoft.com/office/powerpoint/2010/main" val="584688194"/>
+      </p:ext>
+    </p:extLst>
+  </p:cSld>
+  <p:clrMapOvr>
+    <a:masterClrMapping/>
+  </p:clrMapOvr>
+</p:notes>
+</file>
+
+<file path=ppt/notesSlides/notesSlide20.xml><?xml version="1.0" encoding="utf-8"?>
+<p:notes xmlns:a="http://schemas.openxmlformats.org/drawingml/2006/main" xmlns:r="http://schemas.openxmlformats.org/officeDocument/2006/relationships" xmlns:p="http://schemas.openxmlformats.org/presentationml/2006/main">
+  <p:cSld>
+    <p:spTree>
+      <p:nvGrpSpPr>
+        <p:cNvPr id="1" name=""/>
+        <p:cNvGrpSpPr/>
+        <p:nvPr/>
+      </p:nvGrpSpPr>
+      <p:grpSpPr>
+        <a:xfrm>
+          <a:off x="0" y="0"/>
+          <a:ext cx="0" cy="0"/>
+          <a:chOff x="0" y="0"/>
+          <a:chExt cx="0" cy="0"/>
+        </a:xfrm>
+      </p:grpSpPr>
+      <p:sp>
+        <p:nvSpPr>
+          <p:cNvPr id="2" name="Segnaposto immagine diapositiva 1"/>
+          <p:cNvSpPr>
+            <a:spLocks noGrp="1" noRot="1" noChangeAspect="1"/>
+          </p:cNvSpPr>
+          <p:nvPr>
+            <p:ph type="sldImg"/>
+          </p:nvPr>
+        </p:nvSpPr>
+        <p:spPr/>
+      </p:sp>
+      <p:sp>
+        <p:nvSpPr>
+          <p:cNvPr id="3" name="Segnaposto note 2"/>
+          <p:cNvSpPr>
+            <a:spLocks noGrp="1"/>
+          </p:cNvSpPr>
+          <p:nvPr>
+            <p:ph type="body" idx="1"/>
+          </p:nvPr>
+        </p:nvSpPr>
+        <p:spPr/>
+        <p:txBody>
+          <a:bodyPr/>
+          <a:lstStyle/>
+          <a:p>
+            <a:endParaRPr lang="it-IT" dirty="0"/>
+          </a:p>
+        </p:txBody>
+      </p:sp>
+      <p:sp>
+        <p:nvSpPr>
+          <p:cNvPr id="4" name="Segnaposto numero diapositiva 3"/>
+          <p:cNvSpPr>
+            <a:spLocks noGrp="1"/>
+          </p:cNvSpPr>
+          <p:nvPr>
+            <p:ph type="sldNum" sz="quarter" idx="10"/>
+          </p:nvPr>
+        </p:nvSpPr>
+        <p:spPr/>
+        <p:txBody>
+          <a:bodyPr/>
+          <a:lstStyle/>
+          <a:p>
+            <a:pPr rtl="0"/>
+            <a:fld id="{05C1D8F7-2BDD-4C56-98AF-2E212EF349F3}" type="slidenum">
+              <a:rPr lang="it-IT" smtClean="0"/>
+              <a:t>24</a:t>
+            </a:fld>
+            <a:endParaRPr lang="it-IT" dirty="0"/>
+          </a:p>
+        </p:txBody>
+      </p:sp>
+    </p:spTree>
+    <p:extLst>
+      <p:ext uri="{BB962C8B-B14F-4D97-AF65-F5344CB8AC3E}">
+        <p14:creationId xmlns:p14="http://schemas.microsoft.com/office/powerpoint/2010/main" val="605879091"/>
+      </p:ext>
+    </p:extLst>
+  </p:cSld>
+  <p:clrMapOvr>
+    <a:masterClrMapping/>
+  </p:clrMapOvr>
+</p:notes>
+</file>
+
+<file path=ppt/notesSlides/notesSlide21.xml><?xml version="1.0" encoding="utf-8"?>
+<p:notes xmlns:a="http://schemas.openxmlformats.org/drawingml/2006/main" xmlns:r="http://schemas.openxmlformats.org/officeDocument/2006/relationships" xmlns:p="http://schemas.openxmlformats.org/presentationml/2006/main">
+  <p:cSld>
+    <p:spTree>
+      <p:nvGrpSpPr>
+        <p:cNvPr id="1" name=""/>
+        <p:cNvGrpSpPr/>
+        <p:nvPr/>
+      </p:nvGrpSpPr>
+      <p:grpSpPr>
+        <a:xfrm>
+          <a:off x="0" y="0"/>
+          <a:ext cx="0" cy="0"/>
+          <a:chOff x="0" y="0"/>
+          <a:chExt cx="0" cy="0"/>
+        </a:xfrm>
+      </p:grpSpPr>
+      <p:sp>
+        <p:nvSpPr>
+          <p:cNvPr id="2" name="Segnaposto immagine diapositiva 1"/>
+          <p:cNvSpPr>
+            <a:spLocks noGrp="1" noRot="1" noChangeAspect="1"/>
+          </p:cNvSpPr>
+          <p:nvPr>
+            <p:ph type="sldImg"/>
+          </p:nvPr>
+        </p:nvSpPr>
+        <p:spPr/>
+      </p:sp>
+      <p:sp>
+        <p:nvSpPr>
+          <p:cNvPr id="3" name="Segnaposto note 2"/>
+          <p:cNvSpPr>
+            <a:spLocks noGrp="1"/>
+          </p:cNvSpPr>
+          <p:nvPr>
+            <p:ph type="body" idx="1"/>
+          </p:nvPr>
+        </p:nvSpPr>
+        <p:spPr/>
+        <p:txBody>
+          <a:bodyPr/>
+          <a:lstStyle/>
+          <a:p>
+            <a:endParaRPr lang="it-IT" dirty="0"/>
+          </a:p>
+        </p:txBody>
+      </p:sp>
+      <p:sp>
+        <p:nvSpPr>
+          <p:cNvPr id="4" name="Segnaposto numero diapositiva 3"/>
+          <p:cNvSpPr>
+            <a:spLocks noGrp="1"/>
+          </p:cNvSpPr>
+          <p:nvPr>
+            <p:ph type="sldNum" sz="quarter" idx="10"/>
+          </p:nvPr>
+        </p:nvSpPr>
+        <p:spPr/>
+        <p:txBody>
+          <a:bodyPr/>
+          <a:lstStyle/>
+          <a:p>
+            <a:pPr rtl="0"/>
+            <a:fld id="{05C1D8F7-2BDD-4C56-98AF-2E212EF349F3}" type="slidenum">
+              <a:rPr lang="it-IT" smtClean="0"/>
+              <a:t>26</a:t>
+            </a:fld>
+            <a:endParaRPr lang="it-IT" dirty="0"/>
+          </a:p>
+        </p:txBody>
+      </p:sp>
+    </p:spTree>
+    <p:extLst>
+      <p:ext uri="{BB962C8B-B14F-4D97-AF65-F5344CB8AC3E}">
+        <p14:creationId xmlns:p14="http://schemas.microsoft.com/office/powerpoint/2010/main" val="3131508722"/>
+      </p:ext>
+    </p:extLst>
+  </p:cSld>
+  <p:clrMapOvr>
+    <a:masterClrMapping/>
+  </p:clrMapOvr>
+</p:notes>
+</file>
+
+<file path=ppt/notesSlides/notesSlide22.xml><?xml version="1.0" encoding="utf-8"?>
+<p:notes xmlns:a="http://schemas.openxmlformats.org/drawingml/2006/main" xmlns:r="http://schemas.openxmlformats.org/officeDocument/2006/relationships" xmlns:p="http://schemas.openxmlformats.org/presentationml/2006/main">
+  <p:cSld>
+    <p:spTree>
+      <p:nvGrpSpPr>
+        <p:cNvPr id="1" name=""/>
+        <p:cNvGrpSpPr/>
+        <p:nvPr/>
+      </p:nvGrpSpPr>
+      <p:grpSpPr>
+        <a:xfrm>
+          <a:off x="0" y="0"/>
+          <a:ext cx="0" cy="0"/>
+          <a:chOff x="0" y="0"/>
+          <a:chExt cx="0" cy="0"/>
+        </a:xfrm>
+      </p:grpSpPr>
+      <p:sp>
+        <p:nvSpPr>
+          <p:cNvPr id="2" name="Segnaposto immagine diapositiva 1"/>
+          <p:cNvSpPr>
+            <a:spLocks noGrp="1" noRot="1" noChangeAspect="1"/>
+          </p:cNvSpPr>
+          <p:nvPr>
+            <p:ph type="sldImg"/>
+          </p:nvPr>
+        </p:nvSpPr>
+        <p:spPr/>
+      </p:sp>
+      <p:sp>
+        <p:nvSpPr>
+          <p:cNvPr id="3" name="Segnaposto note 2"/>
+          <p:cNvSpPr>
+            <a:spLocks noGrp="1"/>
+          </p:cNvSpPr>
+          <p:nvPr>
+            <p:ph type="body" idx="1"/>
+          </p:nvPr>
+        </p:nvSpPr>
+        <p:spPr/>
+        <p:txBody>
+          <a:bodyPr/>
+          <a:lstStyle/>
+          <a:p>
+            <a:endParaRPr lang="it-IT" dirty="0"/>
+          </a:p>
+        </p:txBody>
+      </p:sp>
+      <p:sp>
+        <p:nvSpPr>
+          <p:cNvPr id="4" name="Segnaposto numero diapositiva 3"/>
+          <p:cNvSpPr>
+            <a:spLocks noGrp="1"/>
+          </p:cNvSpPr>
+          <p:nvPr>
+            <p:ph type="sldNum" sz="quarter" idx="10"/>
+          </p:nvPr>
+        </p:nvSpPr>
+        <p:spPr/>
+        <p:txBody>
+          <a:bodyPr/>
+          <a:lstStyle/>
+          <a:p>
+            <a:pPr rtl="0"/>
+            <a:fld id="{05C1D8F7-2BDD-4C56-98AF-2E212EF349F3}" type="slidenum">
+              <a:rPr lang="it-IT" smtClean="0"/>
+              <a:t>28</a:t>
+            </a:fld>
+            <a:endParaRPr lang="it-IT" dirty="0"/>
+          </a:p>
+        </p:txBody>
+      </p:sp>
+    </p:spTree>
+    <p:extLst>
+      <p:ext uri="{BB962C8B-B14F-4D97-AF65-F5344CB8AC3E}">
+        <p14:creationId xmlns:p14="http://schemas.microsoft.com/office/powerpoint/2010/main" val="150353874"/>
+      </p:ext>
+    </p:extLst>
+  </p:cSld>
+  <p:clrMapOvr>
+    <a:masterClrMapping/>
+  </p:clrMapOvr>
+</p:notes>
+</file>
+
+<file path=ppt/notesSlides/notesSlide23.xml><?xml version="1.0" encoding="utf-8"?>
+<p:notes xmlns:a="http://schemas.openxmlformats.org/drawingml/2006/main" xmlns:r="http://schemas.openxmlformats.org/officeDocument/2006/relationships" xmlns:p="http://schemas.openxmlformats.org/presentationml/2006/main">
+  <p:cSld>
+    <p:spTree>
+      <p:nvGrpSpPr>
+        <p:cNvPr id="1" name=""/>
+        <p:cNvGrpSpPr/>
+        <p:nvPr/>
+      </p:nvGrpSpPr>
+      <p:grpSpPr>
+        <a:xfrm>
+          <a:off x="0" y="0"/>
+          <a:ext cx="0" cy="0"/>
+          <a:chOff x="0" y="0"/>
+          <a:chExt cx="0" cy="0"/>
+        </a:xfrm>
+      </p:grpSpPr>
+      <p:sp>
+        <p:nvSpPr>
+          <p:cNvPr id="2" name="Segnaposto immagine diapositiva 1"/>
+          <p:cNvSpPr>
+            <a:spLocks noGrp="1" noRot="1" noChangeAspect="1"/>
+          </p:cNvSpPr>
+          <p:nvPr>
+            <p:ph type="sldImg"/>
+          </p:nvPr>
+        </p:nvSpPr>
+        <p:spPr/>
+      </p:sp>
+      <p:sp>
+        <p:nvSpPr>
+          <p:cNvPr id="3" name="Segnaposto note 2"/>
+          <p:cNvSpPr>
+            <a:spLocks noGrp="1"/>
+          </p:cNvSpPr>
+          <p:nvPr>
+            <p:ph type="body" idx="1"/>
+          </p:nvPr>
+        </p:nvSpPr>
+        <p:spPr/>
+        <p:txBody>
+          <a:bodyPr/>
+          <a:lstStyle/>
+          <a:p>
+            <a:endParaRPr lang="it-IT" dirty="0"/>
+          </a:p>
+        </p:txBody>
+      </p:sp>
+      <p:sp>
+        <p:nvSpPr>
+          <p:cNvPr id="4" name="Segnaposto numero diapositiva 3"/>
+          <p:cNvSpPr>
+            <a:spLocks noGrp="1"/>
+          </p:cNvSpPr>
+          <p:nvPr>
+            <p:ph type="sldNum" sz="quarter" idx="10"/>
+          </p:nvPr>
+        </p:nvSpPr>
+        <p:spPr/>
+        <p:txBody>
+          <a:bodyPr/>
+          <a:lstStyle/>
+          <a:p>
+            <a:pPr rtl="0"/>
+            <a:fld id="{05C1D8F7-2BDD-4C56-98AF-2E212EF349F3}" type="slidenum">
+              <a:rPr lang="it-IT" smtClean="0"/>
+              <a:t>30</a:t>
+            </a:fld>
+            <a:endParaRPr lang="it-IT" dirty="0"/>
+          </a:p>
+        </p:txBody>
+      </p:sp>
+    </p:spTree>
+    <p:extLst>
+      <p:ext uri="{BB962C8B-B14F-4D97-AF65-F5344CB8AC3E}">
+        <p14:creationId xmlns:p14="http://schemas.microsoft.com/office/powerpoint/2010/main" val="3124056192"/>
+      </p:ext>
+    </p:extLst>
+  </p:cSld>
+  <p:clrMapOvr>
+    <a:masterClrMapping/>
+  </p:clrMapOvr>
+</p:notes>
+</file>
+
+<file path=ppt/notesSlides/notesSlide24.xml><?xml version="1.0" encoding="utf-8"?>
+<p:notes xmlns:a="http://schemas.openxmlformats.org/drawingml/2006/main" xmlns:r="http://schemas.openxmlformats.org/officeDocument/2006/relationships" xmlns:p="http://schemas.openxmlformats.org/presentationml/2006/main">
+  <p:cSld>
+    <p:spTree>
+      <p:nvGrpSpPr>
+        <p:cNvPr id="1" name=""/>
+        <p:cNvGrpSpPr/>
+        <p:nvPr/>
+      </p:nvGrpSpPr>
+      <p:grpSpPr>
+        <a:xfrm>
+          <a:off x="0" y="0"/>
+          <a:ext cx="0" cy="0"/>
+          <a:chOff x="0" y="0"/>
+          <a:chExt cx="0" cy="0"/>
+        </a:xfrm>
+      </p:grpSpPr>
+      <p:sp>
+        <p:nvSpPr>
+          <p:cNvPr id="2" name="Segnaposto immagine diapositiva 1"/>
+          <p:cNvSpPr>
+            <a:spLocks noGrp="1" noRot="1" noChangeAspect="1"/>
+          </p:cNvSpPr>
+          <p:nvPr>
+            <p:ph type="sldImg"/>
+          </p:nvPr>
+        </p:nvSpPr>
+        <p:spPr/>
+      </p:sp>
+      <p:sp>
+        <p:nvSpPr>
+          <p:cNvPr id="3" name="Segnaposto note 2"/>
+          <p:cNvSpPr>
+            <a:spLocks noGrp="1"/>
+          </p:cNvSpPr>
+          <p:nvPr>
+            <p:ph type="body" idx="1"/>
+          </p:nvPr>
+        </p:nvSpPr>
+        <p:spPr/>
+        <p:txBody>
+          <a:bodyPr/>
+          <a:lstStyle/>
+          <a:p>
+            <a:endParaRPr lang="it-IT" dirty="0"/>
+          </a:p>
+        </p:txBody>
+      </p:sp>
+      <p:sp>
+        <p:nvSpPr>
+          <p:cNvPr id="4" name="Segnaposto numero diapositiva 3"/>
+          <p:cNvSpPr>
+            <a:spLocks noGrp="1"/>
+          </p:cNvSpPr>
+          <p:nvPr>
+            <p:ph type="sldNum" sz="quarter" idx="10"/>
+          </p:nvPr>
+        </p:nvSpPr>
+        <p:spPr/>
+        <p:txBody>
+          <a:bodyPr/>
+          <a:lstStyle/>
+          <a:p>
+            <a:pPr rtl="0"/>
+            <a:fld id="{05C1D8F7-2BDD-4C56-98AF-2E212EF349F3}" type="slidenum">
+              <a:rPr lang="it-IT" smtClean="0"/>
+              <a:t>31</a:t>
+            </a:fld>
+            <a:endParaRPr lang="it-IT" dirty="0"/>
+          </a:p>
+        </p:txBody>
+      </p:sp>
+    </p:spTree>
+    <p:extLst>
+      <p:ext uri="{BB962C8B-B14F-4D97-AF65-F5344CB8AC3E}">
+        <p14:creationId xmlns:p14="http://schemas.microsoft.com/office/powerpoint/2010/main" val="1044513445"/>
+      </p:ext>
+    </p:extLst>
+  </p:cSld>
+  <p:clrMapOvr>
+    <a:masterClrMapping/>
+  </p:clrMapOvr>
+</p:notes>
+</file>
+
+<file path=ppt/notesSlides/notesSlide25.xml><?xml version="1.0" encoding="utf-8"?>
+<p:notes xmlns:a="http://schemas.openxmlformats.org/drawingml/2006/main" xmlns:r="http://schemas.openxmlformats.org/officeDocument/2006/relationships" xmlns:p="http://schemas.openxmlformats.org/presentationml/2006/main">
+  <p:cSld>
+    <p:spTree>
+      <p:nvGrpSpPr>
+        <p:cNvPr id="1" name=""/>
+        <p:cNvGrpSpPr/>
+        <p:nvPr/>
+      </p:nvGrpSpPr>
+      <p:grpSpPr>
+        <a:xfrm>
+          <a:off x="0" y="0"/>
+          <a:ext cx="0" cy="0"/>
+          <a:chOff x="0" y="0"/>
+          <a:chExt cx="0" cy="0"/>
+        </a:xfrm>
+      </p:grpSpPr>
+      <p:sp>
+        <p:nvSpPr>
+          <p:cNvPr id="2" name="Segnaposto immagine diapositiva 1"/>
+          <p:cNvSpPr>
+            <a:spLocks noGrp="1" noRot="1" noChangeAspect="1"/>
+          </p:cNvSpPr>
+          <p:nvPr>
+            <p:ph type="sldImg"/>
+          </p:nvPr>
+        </p:nvSpPr>
+        <p:spPr/>
+      </p:sp>
+      <p:sp>
+        <p:nvSpPr>
+          <p:cNvPr id="3" name="Segnaposto note 2"/>
+          <p:cNvSpPr>
+            <a:spLocks noGrp="1"/>
+          </p:cNvSpPr>
+          <p:nvPr>
+            <p:ph type="body" idx="1"/>
+          </p:nvPr>
+        </p:nvSpPr>
+        <p:spPr/>
+        <p:txBody>
+          <a:bodyPr/>
+          <a:lstStyle/>
+          <a:p>
+            <a:endParaRPr lang="it-IT" dirty="0"/>
+          </a:p>
+        </p:txBody>
+      </p:sp>
+      <p:sp>
+        <p:nvSpPr>
+          <p:cNvPr id="4" name="Segnaposto numero diapositiva 3"/>
+          <p:cNvSpPr>
+            <a:spLocks noGrp="1"/>
+          </p:cNvSpPr>
+          <p:nvPr>
+            <p:ph type="sldNum" sz="quarter" idx="10"/>
+          </p:nvPr>
+        </p:nvSpPr>
+        <p:spPr/>
+        <p:txBody>
+          <a:bodyPr/>
+          <a:lstStyle/>
+          <a:p>
+            <a:pPr rtl="0"/>
+            <a:fld id="{05C1D8F7-2BDD-4C56-98AF-2E212EF349F3}" type="slidenum">
+              <a:rPr lang="it-IT" smtClean="0"/>
+              <a:t>32</a:t>
+            </a:fld>
+            <a:endParaRPr lang="it-IT" dirty="0"/>
+          </a:p>
+        </p:txBody>
+      </p:sp>
+    </p:spTree>
+    <p:extLst>
+      <p:ext uri="{BB962C8B-B14F-4D97-AF65-F5344CB8AC3E}">
+        <p14:creationId xmlns:p14="http://schemas.microsoft.com/office/powerpoint/2010/main" val="3479669090"/>
+      </p:ext>
+    </p:extLst>
+  </p:cSld>
+  <p:clrMapOvr>
+    <a:masterClrMapping/>
+  </p:clrMapOvr>
+</p:notes>
+</file>
+
+<file path=ppt/notesSlides/notesSlide26.xml><?xml version="1.0" encoding="utf-8"?>
+<p:notes xmlns:a="http://schemas.openxmlformats.org/drawingml/2006/main" xmlns:r="http://schemas.openxmlformats.org/officeDocument/2006/relationships" xmlns:p="http://schemas.openxmlformats.org/presentationml/2006/main">
+  <p:cSld>
+    <p:spTree>
+      <p:nvGrpSpPr>
+        <p:cNvPr id="1" name=""/>
+        <p:cNvGrpSpPr/>
+        <p:nvPr/>
+      </p:nvGrpSpPr>
+      <p:grpSpPr>
+        <a:xfrm>
+          <a:off x="0" y="0"/>
+          <a:ext cx="0" cy="0"/>
+          <a:chOff x="0" y="0"/>
+          <a:chExt cx="0" cy="0"/>
+        </a:xfrm>
+      </p:grpSpPr>
+      <p:sp>
+        <p:nvSpPr>
+          <p:cNvPr id="2" name="Segnaposto immagine diapositiva 1"/>
+          <p:cNvSpPr>
+            <a:spLocks noGrp="1" noRot="1" noChangeAspect="1"/>
+          </p:cNvSpPr>
+          <p:nvPr>
+            <p:ph type="sldImg"/>
+          </p:nvPr>
+        </p:nvSpPr>
+        <p:spPr/>
+      </p:sp>
+      <p:sp>
+        <p:nvSpPr>
+          <p:cNvPr id="3" name="Segnaposto note 2"/>
+          <p:cNvSpPr>
+            <a:spLocks noGrp="1"/>
+          </p:cNvSpPr>
+          <p:nvPr>
+            <p:ph type="body" idx="1"/>
+          </p:nvPr>
+        </p:nvSpPr>
+        <p:spPr/>
+        <p:txBody>
+          <a:bodyPr/>
+          <a:lstStyle/>
+          <a:p>
+            <a:endParaRPr lang="it-IT" dirty="0"/>
+          </a:p>
+        </p:txBody>
+      </p:sp>
+      <p:sp>
+        <p:nvSpPr>
+          <p:cNvPr id="4" name="Segnaposto numero diapositiva 3"/>
+          <p:cNvSpPr>
+            <a:spLocks noGrp="1"/>
+          </p:cNvSpPr>
+          <p:nvPr>
+            <p:ph type="sldNum" sz="quarter" idx="10"/>
+          </p:nvPr>
+        </p:nvSpPr>
+        <p:spPr/>
+        <p:txBody>
+          <a:bodyPr/>
+          <a:lstStyle/>
+          <a:p>
+            <a:pPr rtl="0"/>
+            <a:fld id="{05C1D8F7-2BDD-4C56-98AF-2E212EF349F3}" type="slidenum">
+              <a:rPr lang="it-IT" smtClean="0"/>
+              <a:t>33</a:t>
+            </a:fld>
+            <a:endParaRPr lang="it-IT" dirty="0"/>
+          </a:p>
+        </p:txBody>
+      </p:sp>
+    </p:spTree>
+    <p:extLst>
+      <p:ext uri="{BB962C8B-B14F-4D97-AF65-F5344CB8AC3E}">
+        <p14:creationId xmlns:p14="http://schemas.microsoft.com/office/powerpoint/2010/main" val="4225548469"/>
+      </p:ext>
+    </p:extLst>
+  </p:cSld>
+  <p:clrMapOvr>
+    <a:masterClrMapping/>
+  </p:clrMapOvr>
+</p:notes>
+</file>
+
+<file path=ppt/notesSlides/notesSlide27.xml><?xml version="1.0" encoding="utf-8"?>
+<p:notes xmlns:a="http://schemas.openxmlformats.org/drawingml/2006/main" xmlns:r="http://schemas.openxmlformats.org/officeDocument/2006/relationships" xmlns:p="http://schemas.openxmlformats.org/presentationml/2006/main">
+  <p:cSld>
+    <p:spTree>
+      <p:nvGrpSpPr>
+        <p:cNvPr id="1" name=""/>
+        <p:cNvGrpSpPr/>
+        <p:nvPr/>
+      </p:nvGrpSpPr>
+      <p:grpSpPr>
+        <a:xfrm>
+          <a:off x="0" y="0"/>
+          <a:ext cx="0" cy="0"/>
+          <a:chOff x="0" y="0"/>
+          <a:chExt cx="0" cy="0"/>
+        </a:xfrm>
+      </p:grpSpPr>
+      <p:sp>
+        <p:nvSpPr>
+          <p:cNvPr id="2" name="Segnaposto immagine diapositiva 1"/>
+          <p:cNvSpPr>
+            <a:spLocks noGrp="1" noRot="1" noChangeAspect="1"/>
+          </p:cNvSpPr>
+          <p:nvPr>
+            <p:ph type="sldImg"/>
+          </p:nvPr>
+        </p:nvSpPr>
+        <p:spPr/>
+      </p:sp>
+      <p:sp>
+        <p:nvSpPr>
+          <p:cNvPr id="3" name="Segnaposto note 2"/>
+          <p:cNvSpPr>
+            <a:spLocks noGrp="1"/>
+          </p:cNvSpPr>
+          <p:nvPr>
+            <p:ph type="body" idx="1"/>
+          </p:nvPr>
+        </p:nvSpPr>
+        <p:spPr/>
+        <p:txBody>
+          <a:bodyPr/>
+          <a:lstStyle/>
+          <a:p>
+            <a:endParaRPr lang="it-IT" dirty="0"/>
+          </a:p>
+        </p:txBody>
+      </p:sp>
+      <p:sp>
+        <p:nvSpPr>
+          <p:cNvPr id="4" name="Segnaposto numero diapositiva 3"/>
+          <p:cNvSpPr>
+            <a:spLocks noGrp="1"/>
+          </p:cNvSpPr>
+          <p:nvPr>
+            <p:ph type="sldNum" sz="quarter" idx="10"/>
+          </p:nvPr>
+        </p:nvSpPr>
+        <p:spPr/>
+        <p:txBody>
+          <a:bodyPr/>
+          <a:lstStyle/>
+          <a:p>
+            <a:pPr rtl="0"/>
+            <a:fld id="{05C1D8F7-2BDD-4C56-98AF-2E212EF349F3}" type="slidenum">
+              <a:rPr lang="it-IT" smtClean="0"/>
+              <a:t>34</a:t>
+            </a:fld>
+            <a:endParaRPr lang="it-IT" dirty="0"/>
+          </a:p>
+        </p:txBody>
+      </p:sp>
+    </p:spTree>
+    <p:extLst>
+      <p:ext uri="{BB962C8B-B14F-4D97-AF65-F5344CB8AC3E}">
+        <p14:creationId xmlns:p14="http://schemas.microsoft.com/office/powerpoint/2010/main" val="3209740494"/>
       </p:ext>
     </p:extLst>
   </p:cSld>
@@ -2581,7 +3275,7 @@
             <a:pPr rtl="0"/>
             <a:fld id="{CFD471AA-5048-410D-8811-ACB31A959F39}" type="datetime1">
               <a:rPr lang="it-IT" smtClean="0"/>
-              <a:t>10/02/2022</a:t>
+              <a:t>12/02/2022</a:t>
             </a:fld>
             <a:endParaRPr lang="it-IT" dirty="0"/>
           </a:p>
@@ -2780,7 +3474,7 @@
             <a:pPr rtl="0"/>
             <a:fld id="{53F2DFF7-058B-4AA7-8846-DD3BE8AECC4B}" type="datetime1">
               <a:rPr lang="it-IT" smtClean="0"/>
-              <a:t>10/02/2022</a:t>
+              <a:t>12/02/2022</a:t>
             </a:fld>
             <a:endParaRPr lang="it-IT" dirty="0"/>
           </a:p>
@@ -2969,7 +3663,7 @@
             <a:pPr rtl="0"/>
             <a:fld id="{D6E71988-9B97-45D6-8453-BF2C9312CBB0}" type="datetime1">
               <a:rPr lang="it-IT" smtClean="0"/>
-              <a:t>10/02/2022</a:t>
+              <a:t>12/02/2022</a:t>
             </a:fld>
             <a:endParaRPr lang="it-IT" dirty="0"/>
           </a:p>
@@ -3239,7 +3933,7 @@
             <a:pPr rtl="0"/>
             <a:fld id="{F377D026-DBAB-4AFB-97AB-31460DB0700E}" type="datetime1">
               <a:rPr lang="it-IT" smtClean="0"/>
-              <a:t>10/02/2022</a:t>
+              <a:t>12/02/2022</a:t>
             </a:fld>
             <a:endParaRPr lang="it-IT" dirty="0"/>
           </a:p>
@@ -3490,7 +4184,7 @@
             <a:pPr rtl="0"/>
             <a:fld id="{40A65D99-D204-4B78-B0BB-4D03C8F30E49}" type="datetime1">
               <a:rPr lang="it-IT" smtClean="0"/>
-              <a:t>10/02/2022</a:t>
+              <a:t>12/02/2022</a:t>
             </a:fld>
             <a:endParaRPr lang="it-IT" dirty="0"/>
           </a:p>
@@ -3885,7 +4579,7 @@
             <a:pPr rtl="0"/>
             <a:fld id="{40235003-E717-495E-8282-BD18B87C17BB}" type="datetime1">
               <a:rPr lang="it-IT" smtClean="0"/>
-              <a:t>10/02/2022</a:t>
+              <a:t>12/02/2022</a:t>
             </a:fld>
             <a:endParaRPr lang="it-IT" dirty="0"/>
           </a:p>
@@ -4022,7 +4716,7 @@
             <a:pPr rtl="0"/>
             <a:fld id="{92F16B0B-7AD7-482A-BE6F-79F690C64C7F}" type="datetime1">
               <a:rPr lang="it-IT" smtClean="0"/>
-              <a:t>10/02/2022</a:t>
+              <a:t>12/02/2022</a:t>
             </a:fld>
             <a:endParaRPr lang="it-IT" dirty="0"/>
           </a:p>
@@ -4135,7 +4829,7 @@
             <a:pPr rtl="0"/>
             <a:fld id="{EE0D4A85-61F4-4BA6-A9E1-88FCC65E2935}" type="datetime1">
               <a:rPr lang="it-IT" smtClean="0"/>
-              <a:t>10/02/2022</a:t>
+              <a:t>12/02/2022</a:t>
             </a:fld>
             <a:endParaRPr lang="it-IT" dirty="0"/>
           </a:p>
@@ -4940,7 +5634,7 @@
             <a:pPr rtl="0"/>
             <a:fld id="{046B8FF3-4FE9-4429-AE0C-B3B399461DF0}" type="datetime1">
               <a:rPr lang="it-IT" smtClean="0"/>
-              <a:t>10/02/2022</a:t>
+              <a:t>12/02/2022</a:t>
             </a:fld>
             <a:endParaRPr lang="it-IT" dirty="0"/>
           </a:p>
@@ -5462,7 +6156,12 @@
             <p:ph idx="1"/>
           </p:nvPr>
         </p:nvSpPr>
-        <p:spPr/>
+        <p:spPr>
+          <a:xfrm>
+            <a:off x="1066800" y="1676400"/>
+            <a:ext cx="7405464" cy="4343400"/>
+          </a:xfrm>
+        </p:spPr>
         <p:txBody>
           <a:bodyPr rtlCol="0"/>
           <a:lstStyle/>
@@ -5492,6 +6191,42 @@
           </a:p>
         </p:txBody>
       </p:sp>
+      <p:pic>
+        <p:nvPicPr>
+          <p:cNvPr id="5" name="Immagine 4">
+            <a:extLst>
+              <a:ext uri="{FF2B5EF4-FFF2-40B4-BE49-F238E27FC236}">
+                <a16:creationId xmlns:a16="http://schemas.microsoft.com/office/drawing/2014/main" id="{DFA12FB0-7649-47AA-AD02-0B541E09D3DB}"/>
+              </a:ext>
+            </a:extLst>
+          </p:cNvPr>
+          <p:cNvPicPr>
+            <a:picLocks noChangeAspect="1"/>
+          </p:cNvPicPr>
+          <p:nvPr/>
+        </p:nvPicPr>
+        <p:blipFill>
+          <a:blip r:embed="rId3" cstate="print">
+            <a:extLst>
+              <a:ext uri="{28A0092B-C50C-407E-A947-70E740481C1C}">
+                <a14:useLocalDpi xmlns:a14="http://schemas.microsoft.com/office/drawing/2010/main" val="0"/>
+              </a:ext>
+            </a:extLst>
+          </a:blip>
+          <a:stretch>
+            <a:fillRect/>
+          </a:stretch>
+        </p:blipFill>
+        <p:spPr>
+          <a:xfrm>
+            <a:off x="9089930" y="1124744"/>
+            <a:ext cx="2055465" cy="4341577"/>
+          </a:xfrm>
+          <a:prstGeom prst="rect">
+            <a:avLst/>
+          </a:prstGeom>
+        </p:spPr>
+      </p:pic>
     </p:spTree>
     <p:extLst>
       <p:ext uri="{BB962C8B-B14F-4D97-AF65-F5344CB8AC3E}">
@@ -5743,124 +6478,61 @@
       </p:grpSpPr>
       <p:sp>
         <p:nvSpPr>
-          <p:cNvPr id="2" name="Titolo 1"/>
-          <p:cNvSpPr>
-            <a:spLocks noGrp="1"/>
-          </p:cNvSpPr>
-          <p:nvPr>
-            <p:ph type="title"/>
-          </p:nvPr>
-        </p:nvSpPr>
-        <p:spPr>
-          <a:xfrm>
-            <a:off x="7924800" y="838200"/>
-            <a:ext cx="3657600" cy="2133600"/>
-          </a:xfrm>
-        </p:spPr>
-        <p:txBody>
-          <a:bodyPr rtlCol="0" anchor="b">
-            <a:normAutofit/>
-          </a:bodyPr>
-          <a:lstStyle/>
-          <a:p>
-            <a:pPr rtl="0"/>
-            <a:r>
-              <a:rPr lang="it-IT" dirty="0"/>
-              <a:t>Home</a:t>
-            </a:r>
-          </a:p>
-        </p:txBody>
-      </p:sp>
-      <p:pic>
-        <p:nvPicPr>
-          <p:cNvPr id="6" name="Immagine 5">
+          <p:cNvPr id="4" name="Titolo 3">
             <a:extLst>
               <a:ext uri="{FF2B5EF4-FFF2-40B4-BE49-F238E27FC236}">
-                <a16:creationId xmlns:a16="http://schemas.microsoft.com/office/drawing/2014/main" id="{E29D925D-45BF-4BB3-886F-00B2B4AD0789}"/>
+                <a16:creationId xmlns:a16="http://schemas.microsoft.com/office/drawing/2014/main" id="{A0F17DE4-46E5-4962-89DE-433E8B99C63F}"/>
               </a:ext>
             </a:extLst>
           </p:cNvPr>
-          <p:cNvPicPr>
-            <a:picLocks noChangeAspect="1"/>
-          </p:cNvPicPr>
-          <p:nvPr/>
-        </p:nvPicPr>
-        <p:blipFill>
-          <a:blip r:embed="rId3">
+          <p:cNvSpPr>
+            <a:spLocks noGrp="1"/>
+          </p:cNvSpPr>
+          <p:nvPr>
+            <p:ph type="title"/>
+          </p:nvPr>
+        </p:nvSpPr>
+        <p:spPr/>
+        <p:txBody>
+          <a:bodyPr/>
+          <a:lstStyle/>
+          <a:p>
+            <a:r>
+              <a:rPr lang="it-IT" dirty="0"/>
+              <a:t>Attività di accesso</a:t>
+            </a:r>
+          </a:p>
+        </p:txBody>
+      </p:sp>
+      <p:sp>
+        <p:nvSpPr>
+          <p:cNvPr id="5" name="Segnaposto testo 4">
             <a:extLst>
-              <a:ext uri="{28A0092B-C50C-407E-A947-70E740481C1C}">
-                <a14:useLocalDpi xmlns:a14="http://schemas.microsoft.com/office/drawing/2010/main" val="0"/>
+              <a:ext uri="{FF2B5EF4-FFF2-40B4-BE49-F238E27FC236}">
+                <a16:creationId xmlns:a16="http://schemas.microsoft.com/office/drawing/2014/main" id="{69A271C2-806B-4B85-B009-29C59284EF48}"/>
               </a:ext>
             </a:extLst>
-          </a:blip>
-          <a:stretch>
-            <a:fillRect/>
-          </a:stretch>
-        </p:blipFill>
-        <p:spPr>
-          <a:xfrm>
-            <a:off x="2445639" y="838200"/>
-            <a:ext cx="2500122" cy="5181601"/>
-          </a:xfrm>
-          <a:prstGeom prst="rect">
-            <a:avLst/>
-          </a:prstGeom>
-          <a:noFill/>
-        </p:spPr>
-      </p:pic>
-      <p:sp>
-        <p:nvSpPr>
-          <p:cNvPr id="3" name="Segnaposto contenuto 2"/>
-          <p:cNvSpPr>
-            <a:spLocks noGrp="1"/>
-          </p:cNvSpPr>
-          <p:nvPr>
-            <p:ph type="body" sz="half" idx="2"/>
-          </p:nvPr>
-        </p:nvSpPr>
-        <p:spPr>
-          <a:xfrm>
-            <a:off x="7924802" y="3124200"/>
-            <a:ext cx="3657600" cy="2895600"/>
-          </a:xfrm>
-        </p:spPr>
-        <p:txBody>
-          <a:bodyPr rtlCol="0">
-            <a:normAutofit/>
-          </a:bodyPr>
-          <a:lstStyle/>
-          <a:p>
-            <a:r>
-              <a:rPr lang="it-IT" sz="2000" dirty="0"/>
-              <a:t>Visualizzati le informazioni riguardanti la propria squadra</a:t>
-            </a:r>
-          </a:p>
-          <a:p>
-            <a:r>
-              <a:rPr lang="it-IT" sz="2000" dirty="0"/>
-              <a:t>Se la lega è a calendario:</a:t>
-            </a:r>
-          </a:p>
-          <a:p>
-            <a:pPr lvl="1"/>
-            <a:r>
-              <a:rPr lang="it-IT" sz="2000" dirty="0"/>
-              <a:t>Prossima partita (se presente)</a:t>
-            </a:r>
-          </a:p>
-          <a:p>
-            <a:pPr lvl="1"/>
-            <a:r>
-              <a:rPr lang="it-IT" sz="2000" dirty="0"/>
-              <a:t>L’ultima partita (se presente)</a:t>
-            </a:r>
+          </p:cNvPr>
+          <p:cNvSpPr>
+            <a:spLocks noGrp="1"/>
+          </p:cNvSpPr>
+          <p:nvPr>
+            <p:ph type="body" idx="1"/>
+          </p:nvPr>
+        </p:nvSpPr>
+        <p:spPr/>
+        <p:txBody>
+          <a:bodyPr/>
+          <a:lstStyle/>
+          <a:p>
+            <a:endParaRPr lang="it-IT"/>
           </a:p>
         </p:txBody>
       </p:sp>
     </p:spTree>
     <p:extLst>
       <p:ext uri="{BB962C8B-B14F-4D97-AF65-F5344CB8AC3E}">
-        <p14:creationId xmlns:p14="http://schemas.microsoft.com/office/powerpoint/2010/main" val="714455901"/>
+        <p14:creationId xmlns:p14="http://schemas.microsoft.com/office/powerpoint/2010/main" val="2350184505"/>
       </p:ext>
     </p:extLst>
   </p:cSld>
@@ -5924,7 +6596,583 @@
             <a:pPr rtl="0"/>
             <a:r>
               <a:rPr lang="it-IT" dirty="0"/>
-              <a:t>Classifica e calendario</a:t>
+              <a:t>Login</a:t>
+            </a:r>
+          </a:p>
+        </p:txBody>
+      </p:sp>
+      <p:sp>
+        <p:nvSpPr>
+          <p:cNvPr id="3" name="Segnaposto contenuto 2"/>
+          <p:cNvSpPr>
+            <a:spLocks noGrp="1"/>
+          </p:cNvSpPr>
+          <p:nvPr>
+            <p:ph type="body" sz="half" idx="2"/>
+          </p:nvPr>
+        </p:nvSpPr>
+        <p:spPr>
+          <a:xfrm>
+            <a:off x="7924802" y="3124200"/>
+            <a:ext cx="3657600" cy="2895600"/>
+          </a:xfrm>
+        </p:spPr>
+        <p:txBody>
+          <a:bodyPr rtlCol="0">
+            <a:normAutofit/>
+          </a:bodyPr>
+          <a:lstStyle/>
+          <a:p>
+            <a:r>
+              <a:rPr lang="it-IT" sz="2000" dirty="0"/>
+              <a:t>Email</a:t>
+            </a:r>
+          </a:p>
+          <a:p>
+            <a:r>
+              <a:rPr lang="it-IT" sz="2000" dirty="0"/>
+              <a:t>Password</a:t>
+            </a:r>
+          </a:p>
+          <a:p>
+            <a:r>
+              <a:rPr lang="it-IT" sz="2000" dirty="0"/>
+              <a:t>Richiesta di resettare la password (mail all’indirizzo immesso)</a:t>
+            </a:r>
+          </a:p>
+        </p:txBody>
+      </p:sp>
+      <p:pic>
+        <p:nvPicPr>
+          <p:cNvPr id="7" name="Immagine 6">
+            <a:extLst>
+              <a:ext uri="{FF2B5EF4-FFF2-40B4-BE49-F238E27FC236}">
+                <a16:creationId xmlns:a16="http://schemas.microsoft.com/office/drawing/2014/main" id="{4E3318BB-6D15-4998-9079-B58B91731DCD}"/>
+              </a:ext>
+            </a:extLst>
+          </p:cNvPr>
+          <p:cNvPicPr>
+            <a:picLocks noChangeAspect="1"/>
+          </p:cNvPicPr>
+          <p:nvPr/>
+        </p:nvPicPr>
+        <p:blipFill>
+          <a:blip r:embed="rId3">
+            <a:extLst>
+              <a:ext uri="{28A0092B-C50C-407E-A947-70E740481C1C}">
+                <a14:useLocalDpi xmlns:a14="http://schemas.microsoft.com/office/drawing/2010/main" val="0"/>
+              </a:ext>
+            </a:extLst>
+          </a:blip>
+          <a:stretch>
+            <a:fillRect/>
+          </a:stretch>
+        </p:blipFill>
+        <p:spPr>
+          <a:xfrm>
+            <a:off x="2445639" y="838199"/>
+            <a:ext cx="2500122" cy="5182291"/>
+          </a:xfrm>
+          <a:prstGeom prst="rect">
+            <a:avLst/>
+          </a:prstGeom>
+        </p:spPr>
+      </p:pic>
+    </p:spTree>
+    <p:extLst>
+      <p:ext uri="{BB962C8B-B14F-4D97-AF65-F5344CB8AC3E}">
+        <p14:creationId xmlns:p14="http://schemas.microsoft.com/office/powerpoint/2010/main" val="714455901"/>
+      </p:ext>
+    </p:extLst>
+  </p:cSld>
+  <p:clrMapOvr>
+    <a:masterClrMapping/>
+  </p:clrMapOvr>
+  <mc:AlternateContent xmlns:mc="http://schemas.openxmlformats.org/markup-compatibility/2006" xmlns:p14="http://schemas.microsoft.com/office/powerpoint/2010/main">
+    <mc:Choice Requires="p14">
+      <p:transition spd="med" p14:dur="700">
+        <p:fade/>
+      </p:transition>
+    </mc:Choice>
+    <mc:Fallback xmlns="">
+      <p:transition spd="med">
+        <p:fade/>
+      </p:transition>
+    </mc:Fallback>
+  </mc:AlternateContent>
+</p:sld>
+</file>
+
+<file path=ppt/slides/slide15.xml><?xml version="1.0" encoding="utf-8"?>
+<p:sld xmlns:a="http://schemas.openxmlformats.org/drawingml/2006/main" xmlns:r="http://schemas.openxmlformats.org/officeDocument/2006/relationships" xmlns:p="http://schemas.openxmlformats.org/presentationml/2006/main">
+  <p:cSld>
+    <p:spTree>
+      <p:nvGrpSpPr>
+        <p:cNvPr id="1" name=""/>
+        <p:cNvGrpSpPr/>
+        <p:nvPr/>
+      </p:nvGrpSpPr>
+      <p:grpSpPr>
+        <a:xfrm>
+          <a:off x="0" y="0"/>
+          <a:ext cx="0" cy="0"/>
+          <a:chOff x="0" y="0"/>
+          <a:chExt cx="0" cy="0"/>
+        </a:xfrm>
+      </p:grpSpPr>
+      <p:sp>
+        <p:nvSpPr>
+          <p:cNvPr id="2" name="Titolo 1"/>
+          <p:cNvSpPr>
+            <a:spLocks noGrp="1"/>
+          </p:cNvSpPr>
+          <p:nvPr>
+            <p:ph type="title"/>
+          </p:nvPr>
+        </p:nvSpPr>
+        <p:spPr>
+          <a:xfrm>
+            <a:off x="7924800" y="838200"/>
+            <a:ext cx="3657600" cy="2133600"/>
+          </a:xfrm>
+        </p:spPr>
+        <p:txBody>
+          <a:bodyPr rtlCol="0" anchor="b">
+            <a:normAutofit/>
+          </a:bodyPr>
+          <a:lstStyle/>
+          <a:p>
+            <a:pPr rtl="0"/>
+            <a:r>
+              <a:rPr lang="it-IT" dirty="0"/>
+              <a:t>Registrazione</a:t>
+            </a:r>
+          </a:p>
+        </p:txBody>
+      </p:sp>
+      <p:sp>
+        <p:nvSpPr>
+          <p:cNvPr id="3" name="Segnaposto contenuto 2"/>
+          <p:cNvSpPr>
+            <a:spLocks noGrp="1"/>
+          </p:cNvSpPr>
+          <p:nvPr>
+            <p:ph type="body" sz="half" idx="2"/>
+          </p:nvPr>
+        </p:nvSpPr>
+        <p:spPr>
+          <a:xfrm>
+            <a:off x="7924802" y="3124200"/>
+            <a:ext cx="3657600" cy="2895600"/>
+          </a:xfrm>
+        </p:spPr>
+        <p:txBody>
+          <a:bodyPr rtlCol="0">
+            <a:normAutofit/>
+          </a:bodyPr>
+          <a:lstStyle/>
+          <a:p>
+            <a:pPr rtl="0"/>
+            <a:r>
+              <a:rPr lang="it-IT" dirty="0"/>
+              <a:t>Email e password</a:t>
+            </a:r>
+          </a:p>
+          <a:p>
+            <a:pPr rtl="0"/>
+            <a:r>
+              <a:rPr lang="it-IT" dirty="0"/>
+              <a:t>Squadra</a:t>
+            </a:r>
+          </a:p>
+          <a:p>
+            <a:pPr lvl="1"/>
+            <a:r>
+              <a:rPr lang="it-IT" dirty="0"/>
+              <a:t>Nickname del </a:t>
+            </a:r>
+            <a:r>
+              <a:rPr lang="it-IT" dirty="0" err="1"/>
+              <a:t>fanta</a:t>
+            </a:r>
+            <a:r>
+              <a:rPr lang="it-IT" dirty="0"/>
+              <a:t>-allenatore</a:t>
+            </a:r>
+          </a:p>
+          <a:p>
+            <a:pPr lvl="1"/>
+            <a:r>
+              <a:rPr lang="it-IT" dirty="0"/>
+              <a:t>Nome della squadra</a:t>
+            </a:r>
+          </a:p>
+          <a:p>
+            <a:pPr lvl="1"/>
+            <a:r>
+              <a:rPr lang="it-IT" dirty="0"/>
+              <a:t>Logo della squadra</a:t>
+            </a:r>
+          </a:p>
+        </p:txBody>
+      </p:sp>
+      <p:pic>
+        <p:nvPicPr>
+          <p:cNvPr id="6" name="Immagine 5">
+            <a:extLst>
+              <a:ext uri="{FF2B5EF4-FFF2-40B4-BE49-F238E27FC236}">
+                <a16:creationId xmlns:a16="http://schemas.microsoft.com/office/drawing/2014/main" id="{28135E64-CDC1-4239-BABB-ED9FBED56AA9}"/>
+              </a:ext>
+            </a:extLst>
+          </p:cNvPr>
+          <p:cNvPicPr>
+            <a:picLocks noChangeAspect="1"/>
+          </p:cNvPicPr>
+          <p:nvPr/>
+        </p:nvPicPr>
+        <p:blipFill>
+          <a:blip r:embed="rId3">
+            <a:extLst>
+              <a:ext uri="{28A0092B-C50C-407E-A947-70E740481C1C}">
+                <a14:useLocalDpi xmlns:a14="http://schemas.microsoft.com/office/drawing/2010/main" val="0"/>
+              </a:ext>
+            </a:extLst>
+          </a:blip>
+          <a:stretch>
+            <a:fillRect/>
+          </a:stretch>
+        </p:blipFill>
+        <p:spPr>
+          <a:xfrm>
+            <a:off x="2445639" y="837510"/>
+            <a:ext cx="2500122" cy="5201474"/>
+          </a:xfrm>
+          <a:prstGeom prst="rect">
+            <a:avLst/>
+          </a:prstGeom>
+        </p:spPr>
+      </p:pic>
+    </p:spTree>
+    <p:extLst>
+      <p:ext uri="{BB962C8B-B14F-4D97-AF65-F5344CB8AC3E}">
+        <p14:creationId xmlns:p14="http://schemas.microsoft.com/office/powerpoint/2010/main" val="3547158226"/>
+      </p:ext>
+    </p:extLst>
+  </p:cSld>
+  <p:clrMapOvr>
+    <a:masterClrMapping/>
+  </p:clrMapOvr>
+  <mc:AlternateContent xmlns:mc="http://schemas.openxmlformats.org/markup-compatibility/2006">
+    <mc:Choice xmlns:p14="http://schemas.microsoft.com/office/powerpoint/2010/main" Requires="p14">
+      <p:transition spd="med" p14:dur="700">
+        <p:fade/>
+      </p:transition>
+    </mc:Choice>
+    <mc:Fallback>
+      <p:transition spd="med">
+        <p:fade/>
+      </p:transition>
+    </mc:Fallback>
+  </mc:AlternateContent>
+</p:sld>
+</file>
+
+<file path=ppt/slides/slide16.xml><?xml version="1.0" encoding="utf-8"?>
+<p:sld xmlns:a="http://schemas.openxmlformats.org/drawingml/2006/main" xmlns:r="http://schemas.openxmlformats.org/officeDocument/2006/relationships" xmlns:p="http://schemas.openxmlformats.org/presentationml/2006/main">
+  <p:cSld>
+    <p:spTree>
+      <p:nvGrpSpPr>
+        <p:cNvPr id="1" name=""/>
+        <p:cNvGrpSpPr/>
+        <p:nvPr/>
+      </p:nvGrpSpPr>
+      <p:grpSpPr>
+        <a:xfrm>
+          <a:off x="0" y="0"/>
+          <a:ext cx="0" cy="0"/>
+          <a:chOff x="0" y="0"/>
+          <a:chExt cx="0" cy="0"/>
+        </a:xfrm>
+      </p:grpSpPr>
+      <p:sp>
+        <p:nvSpPr>
+          <p:cNvPr id="4" name="Titolo 3">
+            <a:extLst>
+              <a:ext uri="{FF2B5EF4-FFF2-40B4-BE49-F238E27FC236}">
+                <a16:creationId xmlns:a16="http://schemas.microsoft.com/office/drawing/2014/main" id="{A0F17DE4-46E5-4962-89DE-433E8B99C63F}"/>
+              </a:ext>
+            </a:extLst>
+          </p:cNvPr>
+          <p:cNvSpPr>
+            <a:spLocks noGrp="1"/>
+          </p:cNvSpPr>
+          <p:nvPr>
+            <p:ph type="title"/>
+          </p:nvPr>
+        </p:nvSpPr>
+        <p:spPr/>
+        <p:txBody>
+          <a:bodyPr/>
+          <a:lstStyle/>
+          <a:p>
+            <a:r>
+              <a:rPr lang="it-IT" dirty="0"/>
+              <a:t>Attività principale</a:t>
+            </a:r>
+          </a:p>
+        </p:txBody>
+      </p:sp>
+      <p:sp>
+        <p:nvSpPr>
+          <p:cNvPr id="5" name="Segnaposto testo 4">
+            <a:extLst>
+              <a:ext uri="{FF2B5EF4-FFF2-40B4-BE49-F238E27FC236}">
+                <a16:creationId xmlns:a16="http://schemas.microsoft.com/office/drawing/2014/main" id="{69A271C2-806B-4B85-B009-29C59284EF48}"/>
+              </a:ext>
+            </a:extLst>
+          </p:cNvPr>
+          <p:cNvSpPr>
+            <a:spLocks noGrp="1"/>
+          </p:cNvSpPr>
+          <p:nvPr>
+            <p:ph type="body" idx="1"/>
+          </p:nvPr>
+        </p:nvSpPr>
+        <p:spPr/>
+        <p:txBody>
+          <a:bodyPr/>
+          <a:lstStyle/>
+          <a:p>
+            <a:endParaRPr lang="it-IT"/>
+          </a:p>
+        </p:txBody>
+      </p:sp>
+    </p:spTree>
+    <p:extLst>
+      <p:ext uri="{BB962C8B-B14F-4D97-AF65-F5344CB8AC3E}">
+        <p14:creationId xmlns:p14="http://schemas.microsoft.com/office/powerpoint/2010/main" val="550177912"/>
+      </p:ext>
+    </p:extLst>
+  </p:cSld>
+  <p:clrMapOvr>
+    <a:masterClrMapping/>
+  </p:clrMapOvr>
+  <mc:AlternateContent xmlns:mc="http://schemas.openxmlformats.org/markup-compatibility/2006" xmlns:p14="http://schemas.microsoft.com/office/powerpoint/2010/main">
+    <mc:Choice Requires="p14">
+      <p:transition spd="med" p14:dur="700">
+        <p:fade/>
+      </p:transition>
+    </mc:Choice>
+    <mc:Fallback xmlns="">
+      <p:transition spd="med">
+        <p:fade/>
+      </p:transition>
+    </mc:Fallback>
+  </mc:AlternateContent>
+</p:sld>
+</file>
+
+<file path=ppt/slides/slide17.xml><?xml version="1.0" encoding="utf-8"?>
+<p:sld xmlns:a="http://schemas.openxmlformats.org/drawingml/2006/main" xmlns:r="http://schemas.openxmlformats.org/officeDocument/2006/relationships" xmlns:p="http://schemas.openxmlformats.org/presentationml/2006/main">
+  <p:cSld>
+    <p:spTree>
+      <p:nvGrpSpPr>
+        <p:cNvPr id="1" name=""/>
+        <p:cNvGrpSpPr/>
+        <p:nvPr/>
+      </p:nvGrpSpPr>
+      <p:grpSpPr>
+        <a:xfrm>
+          <a:off x="0" y="0"/>
+          <a:ext cx="0" cy="0"/>
+          <a:chOff x="0" y="0"/>
+          <a:chExt cx="0" cy="0"/>
+        </a:xfrm>
+      </p:grpSpPr>
+      <p:sp>
+        <p:nvSpPr>
+          <p:cNvPr id="2" name="Titolo 1"/>
+          <p:cNvSpPr>
+            <a:spLocks noGrp="1"/>
+          </p:cNvSpPr>
+          <p:nvPr>
+            <p:ph type="title"/>
+          </p:nvPr>
+        </p:nvSpPr>
+        <p:spPr>
+          <a:xfrm>
+            <a:off x="7924800" y="838200"/>
+            <a:ext cx="3657600" cy="2133600"/>
+          </a:xfrm>
+        </p:spPr>
+        <p:txBody>
+          <a:bodyPr rtlCol="0" anchor="b">
+            <a:normAutofit/>
+          </a:bodyPr>
+          <a:lstStyle/>
+          <a:p>
+            <a:pPr rtl="0"/>
+            <a:r>
+              <a:rPr lang="it-IT" dirty="0"/>
+              <a:t>Home</a:t>
+            </a:r>
+          </a:p>
+        </p:txBody>
+      </p:sp>
+      <p:pic>
+        <p:nvPicPr>
+          <p:cNvPr id="6" name="Immagine 5">
+            <a:extLst>
+              <a:ext uri="{FF2B5EF4-FFF2-40B4-BE49-F238E27FC236}">
+                <a16:creationId xmlns:a16="http://schemas.microsoft.com/office/drawing/2014/main" id="{E29D925D-45BF-4BB3-886F-00B2B4AD0789}"/>
+              </a:ext>
+            </a:extLst>
+          </p:cNvPr>
+          <p:cNvPicPr>
+            <a:picLocks noChangeAspect="1"/>
+          </p:cNvPicPr>
+          <p:nvPr/>
+        </p:nvPicPr>
+        <p:blipFill>
+          <a:blip r:embed="rId3">
+            <a:extLst>
+              <a:ext uri="{28A0092B-C50C-407E-A947-70E740481C1C}">
+                <a14:useLocalDpi xmlns:a14="http://schemas.microsoft.com/office/drawing/2010/main" val="0"/>
+              </a:ext>
+            </a:extLst>
+          </a:blip>
+          <a:stretch>
+            <a:fillRect/>
+          </a:stretch>
+        </p:blipFill>
+        <p:spPr>
+          <a:xfrm>
+            <a:off x="2445639" y="838200"/>
+            <a:ext cx="2500122" cy="5181601"/>
+          </a:xfrm>
+          <a:prstGeom prst="rect">
+            <a:avLst/>
+          </a:prstGeom>
+          <a:noFill/>
+        </p:spPr>
+      </p:pic>
+      <p:sp>
+        <p:nvSpPr>
+          <p:cNvPr id="3" name="Segnaposto contenuto 2"/>
+          <p:cNvSpPr>
+            <a:spLocks noGrp="1"/>
+          </p:cNvSpPr>
+          <p:nvPr>
+            <p:ph type="body" sz="half" idx="2"/>
+          </p:nvPr>
+        </p:nvSpPr>
+        <p:spPr>
+          <a:xfrm>
+            <a:off x="7924802" y="3124200"/>
+            <a:ext cx="3657600" cy="2895600"/>
+          </a:xfrm>
+        </p:spPr>
+        <p:txBody>
+          <a:bodyPr rtlCol="0">
+            <a:normAutofit/>
+          </a:bodyPr>
+          <a:lstStyle/>
+          <a:p>
+            <a:r>
+              <a:rPr lang="it-IT" sz="2000" dirty="0"/>
+              <a:t>Visualizzati le informazioni riguardanti la propria squadra (nella lega di riferimento)</a:t>
+            </a:r>
+          </a:p>
+          <a:p>
+            <a:r>
+              <a:rPr lang="it-IT" sz="2000" dirty="0"/>
+              <a:t>Se la lega è a calendario:</a:t>
+            </a:r>
+          </a:p>
+          <a:p>
+            <a:pPr lvl="1"/>
+            <a:r>
+              <a:rPr lang="it-IT" sz="2000" dirty="0"/>
+              <a:t>Prossima partita (se presente)</a:t>
+            </a:r>
+          </a:p>
+          <a:p>
+            <a:pPr lvl="1"/>
+            <a:r>
+              <a:rPr lang="it-IT" sz="2000" dirty="0"/>
+              <a:t>L’ultima partita (se presente)</a:t>
+            </a:r>
+          </a:p>
+        </p:txBody>
+      </p:sp>
+    </p:spTree>
+    <p:extLst>
+      <p:ext uri="{BB962C8B-B14F-4D97-AF65-F5344CB8AC3E}">
+        <p14:creationId xmlns:p14="http://schemas.microsoft.com/office/powerpoint/2010/main" val="592163513"/>
+      </p:ext>
+    </p:extLst>
+  </p:cSld>
+  <p:clrMapOvr>
+    <a:masterClrMapping/>
+  </p:clrMapOvr>
+  <mc:AlternateContent xmlns:mc="http://schemas.openxmlformats.org/markup-compatibility/2006">
+    <mc:Choice xmlns:p14="http://schemas.microsoft.com/office/powerpoint/2010/main" Requires="p14">
+      <p:transition spd="med" p14:dur="700">
+        <p:fade/>
+      </p:transition>
+    </mc:Choice>
+    <mc:Fallback>
+      <p:transition spd="med">
+        <p:fade/>
+      </p:transition>
+    </mc:Fallback>
+  </mc:AlternateContent>
+</p:sld>
+</file>
+
+<file path=ppt/slides/slide18.xml><?xml version="1.0" encoding="utf-8"?>
+<p:sld xmlns:a="http://schemas.openxmlformats.org/drawingml/2006/main" xmlns:r="http://schemas.openxmlformats.org/officeDocument/2006/relationships" xmlns:p="http://schemas.openxmlformats.org/presentationml/2006/main">
+  <p:cSld>
+    <p:spTree>
+      <p:nvGrpSpPr>
+        <p:cNvPr id="1" name=""/>
+        <p:cNvGrpSpPr/>
+        <p:nvPr/>
+      </p:nvGrpSpPr>
+      <p:grpSpPr>
+        <a:xfrm>
+          <a:off x="0" y="0"/>
+          <a:ext cx="0" cy="0"/>
+          <a:chOff x="0" y="0"/>
+          <a:chExt cx="0" cy="0"/>
+        </a:xfrm>
+      </p:grpSpPr>
+      <p:sp>
+        <p:nvSpPr>
+          <p:cNvPr id="2" name="Titolo 1"/>
+          <p:cNvSpPr>
+            <a:spLocks noGrp="1"/>
+          </p:cNvSpPr>
+          <p:nvPr>
+            <p:ph type="title"/>
+          </p:nvPr>
+        </p:nvSpPr>
+        <p:spPr>
+          <a:xfrm>
+            <a:off x="7924800" y="838200"/>
+            <a:ext cx="3657600" cy="2133600"/>
+          </a:xfrm>
+        </p:spPr>
+        <p:txBody>
+          <a:bodyPr rtlCol="0" anchor="b">
+            <a:normAutofit/>
+          </a:bodyPr>
+          <a:lstStyle/>
+          <a:p>
+            <a:pPr rtl="0"/>
+            <a:r>
+              <a:rPr lang="it-IT" dirty="0"/>
+              <a:t>Formazione</a:t>
             </a:r>
           </a:p>
         </p:txBody>
@@ -5952,29 +7200,25 @@
           <a:p>
             <a:r>
               <a:rPr lang="it-IT" sz="2000" dirty="0"/>
-              <a:t>Se il torneo è iniziato</a:t>
-            </a:r>
-          </a:p>
-          <a:p>
-            <a:pPr lvl="1"/>
+              <a:t>Schierare i giocatori che fanno parte del proprio roster</a:t>
+            </a:r>
+          </a:p>
+          <a:p>
             <a:r>
               <a:rPr lang="it-IT" sz="2000" dirty="0"/>
-              <a:t>Vedere la classifica</a:t>
-            </a:r>
-          </a:p>
-          <a:p>
-            <a:pPr lvl="1"/>
+              <a:t>Salvare la formazione per la prossima giornata (se c’è ancora tempo)</a:t>
+            </a:r>
+          </a:p>
+          <a:p>
             <a:r>
               <a:rPr lang="it-IT" sz="2000" dirty="0"/>
-              <a:t>Vedere il calendario (se lega è calendario)</a:t>
-            </a:r>
-          </a:p>
-          <a:p>
-            <a:pPr lvl="1"/>
-            <a:r>
-              <a:rPr lang="it-IT" sz="2000" dirty="0"/>
-              <a:t>Aggiornare la classifica (se l’utente è l’admin ed è passata almeno una giornata)</a:t>
-            </a:r>
+              <a:t>Andare alla schermata </a:t>
+            </a:r>
+            <a:r>
+              <a:rPr lang="it-IT" sz="2000" dirty="0" err="1"/>
+              <a:t>RosterManager</a:t>
+            </a:r>
+            <a:endParaRPr lang="it-IT" sz="2000" dirty="0"/>
           </a:p>
           <a:p>
             <a:endParaRPr lang="it-IT" dirty="0"/>
@@ -6179,6 +7423,861 @@
       </p:sp>
       <p:pic>
         <p:nvPicPr>
+          <p:cNvPr id="8" name="Immagine 7">
+            <a:extLst>
+              <a:ext uri="{FF2B5EF4-FFF2-40B4-BE49-F238E27FC236}">
+                <a16:creationId xmlns:a16="http://schemas.microsoft.com/office/drawing/2014/main" id="{8018D172-0764-44E1-9F31-3BA42DC067AE}"/>
+              </a:ext>
+            </a:extLst>
+          </p:cNvPr>
+          <p:cNvPicPr>
+            <a:picLocks noChangeAspect="1"/>
+          </p:cNvPicPr>
+          <p:nvPr/>
+        </p:nvPicPr>
+        <p:blipFill>
+          <a:blip r:embed="rId3">
+            <a:extLst>
+              <a:ext uri="{28A0092B-C50C-407E-A947-70E740481C1C}">
+                <a14:useLocalDpi xmlns:a14="http://schemas.microsoft.com/office/drawing/2010/main" val="0"/>
+              </a:ext>
+            </a:extLst>
+          </a:blip>
+          <a:stretch>
+            <a:fillRect/>
+          </a:stretch>
+        </p:blipFill>
+        <p:spPr>
+          <a:xfrm>
+            <a:off x="3815125" y="836761"/>
+            <a:ext cx="2502719" cy="5181601"/>
+          </a:xfrm>
+          <a:prstGeom prst="rect">
+            <a:avLst/>
+          </a:prstGeom>
+        </p:spPr>
+      </p:pic>
+      <p:pic>
+        <p:nvPicPr>
+          <p:cNvPr id="10" name="Immagine 9">
+            <a:extLst>
+              <a:ext uri="{FF2B5EF4-FFF2-40B4-BE49-F238E27FC236}">
+                <a16:creationId xmlns:a16="http://schemas.microsoft.com/office/drawing/2014/main" id="{6A8F5031-DCBF-4315-8551-3A8E313D9336}"/>
+              </a:ext>
+            </a:extLst>
+          </p:cNvPr>
+          <p:cNvPicPr>
+            <a:picLocks noChangeAspect="1"/>
+          </p:cNvPicPr>
+          <p:nvPr/>
+        </p:nvPicPr>
+        <p:blipFill>
+          <a:blip r:embed="rId4">
+            <a:extLst>
+              <a:ext uri="{28A0092B-C50C-407E-A947-70E740481C1C}">
+                <a14:useLocalDpi xmlns:a14="http://schemas.microsoft.com/office/drawing/2010/main" val="0"/>
+              </a:ext>
+            </a:extLst>
+          </a:blip>
+          <a:stretch>
+            <a:fillRect/>
+          </a:stretch>
+        </p:blipFill>
+        <p:spPr>
+          <a:xfrm>
+            <a:off x="1316918" y="836761"/>
+            <a:ext cx="2488611" cy="5181601"/>
+          </a:xfrm>
+          <a:prstGeom prst="rect">
+            <a:avLst/>
+          </a:prstGeom>
+        </p:spPr>
+      </p:pic>
+    </p:spTree>
+    <p:extLst>
+      <p:ext uri="{BB962C8B-B14F-4D97-AF65-F5344CB8AC3E}">
+        <p14:creationId xmlns:p14="http://schemas.microsoft.com/office/powerpoint/2010/main" val="3693311309"/>
+      </p:ext>
+    </p:extLst>
+  </p:cSld>
+  <p:clrMapOvr>
+    <a:masterClrMapping/>
+  </p:clrMapOvr>
+  <mc:AlternateContent xmlns:mc="http://schemas.openxmlformats.org/markup-compatibility/2006" xmlns:p14="http://schemas.microsoft.com/office/powerpoint/2010/main">
+    <mc:Choice Requires="p14">
+      <p:transition spd="med" p14:dur="700">
+        <p:fade/>
+      </p:transition>
+    </mc:Choice>
+    <mc:Fallback xmlns="">
+      <p:transition spd="med">
+        <p:fade/>
+      </p:transition>
+    </mc:Fallback>
+  </mc:AlternateContent>
+</p:sld>
+</file>
+
+<file path=ppt/slides/slide19.xml><?xml version="1.0" encoding="utf-8"?>
+<p:sld xmlns:a="http://schemas.openxmlformats.org/drawingml/2006/main" xmlns:r="http://schemas.openxmlformats.org/officeDocument/2006/relationships" xmlns:p="http://schemas.openxmlformats.org/presentationml/2006/main">
+  <p:cSld>
+    <p:spTree>
+      <p:nvGrpSpPr>
+        <p:cNvPr id="1" name=""/>
+        <p:cNvGrpSpPr/>
+        <p:nvPr/>
+      </p:nvGrpSpPr>
+      <p:grpSpPr>
+        <a:xfrm>
+          <a:off x="0" y="0"/>
+          <a:ext cx="0" cy="0"/>
+          <a:chOff x="0" y="0"/>
+          <a:chExt cx="0" cy="0"/>
+        </a:xfrm>
+      </p:grpSpPr>
+      <p:sp>
+        <p:nvSpPr>
+          <p:cNvPr id="2" name="Titolo 1"/>
+          <p:cNvSpPr>
+            <a:spLocks noGrp="1"/>
+          </p:cNvSpPr>
+          <p:nvPr>
+            <p:ph type="title"/>
+          </p:nvPr>
+        </p:nvSpPr>
+        <p:spPr>
+          <a:xfrm>
+            <a:off x="7924800" y="838200"/>
+            <a:ext cx="3657600" cy="2133600"/>
+          </a:xfrm>
+        </p:spPr>
+        <p:txBody>
+          <a:bodyPr rtlCol="0" anchor="b">
+            <a:normAutofit/>
+          </a:bodyPr>
+          <a:lstStyle/>
+          <a:p>
+            <a:pPr rtl="0"/>
+            <a:r>
+              <a:rPr lang="it-IT" dirty="0"/>
+              <a:t>Roster manager</a:t>
+            </a:r>
+          </a:p>
+        </p:txBody>
+      </p:sp>
+      <p:sp>
+        <p:nvSpPr>
+          <p:cNvPr id="5" name="Segnaposto testo 4">
+            <a:extLst>
+              <a:ext uri="{FF2B5EF4-FFF2-40B4-BE49-F238E27FC236}">
+                <a16:creationId xmlns:a16="http://schemas.microsoft.com/office/drawing/2014/main" id="{A5663156-DFFA-43DB-9B24-AB308709A276}"/>
+              </a:ext>
+            </a:extLst>
+          </p:cNvPr>
+          <p:cNvSpPr>
+            <a:spLocks noGrp="1"/>
+          </p:cNvSpPr>
+          <p:nvPr>
+            <p:ph type="body" sz="half" idx="2"/>
+          </p:nvPr>
+        </p:nvSpPr>
+        <p:spPr/>
+        <p:txBody>
+          <a:bodyPr/>
+          <a:lstStyle/>
+          <a:p>
+            <a:r>
+              <a:rPr lang="it-IT" sz="2000" dirty="0"/>
+              <a:t>Scegliere i giocatori del proprio roster</a:t>
+            </a:r>
+          </a:p>
+          <a:p>
+            <a:r>
+              <a:rPr lang="it-IT" sz="2000" dirty="0"/>
+              <a:t>Vedere le informazioni di un giocatore</a:t>
+            </a:r>
+          </a:p>
+          <a:p>
+            <a:r>
+              <a:rPr lang="it-IT" sz="2000" dirty="0"/>
+              <a:t>Cercarli per cognome</a:t>
+            </a:r>
+          </a:p>
+          <a:p>
+            <a:r>
+              <a:rPr lang="it-IT" sz="2000" dirty="0"/>
+              <a:t>Ordinarli per squadra o per costo</a:t>
+            </a:r>
+          </a:p>
+          <a:p>
+            <a:endParaRPr lang="it-IT" dirty="0"/>
+          </a:p>
+        </p:txBody>
+      </p:sp>
+      <p:sp>
+        <p:nvSpPr>
+          <p:cNvPr id="7" name="Segnaposto contenuto 2">
+            <a:extLst>
+              <a:ext uri="{FF2B5EF4-FFF2-40B4-BE49-F238E27FC236}">
+                <a16:creationId xmlns:a16="http://schemas.microsoft.com/office/drawing/2014/main" id="{46B552F3-FE44-4A18-83B1-16A46AE2E4EA}"/>
+              </a:ext>
+            </a:extLst>
+          </p:cNvPr>
+          <p:cNvSpPr txBox="1">
+            <a:spLocks/>
+          </p:cNvSpPr>
+          <p:nvPr/>
+        </p:nvSpPr>
+        <p:spPr>
+          <a:xfrm>
+            <a:off x="8077202" y="3276600"/>
+            <a:ext cx="3657600" cy="2895600"/>
+          </a:xfrm>
+          <a:prstGeom prst="rect">
+            <a:avLst/>
+          </a:prstGeom>
+        </p:spPr>
+        <p:txBody>
+          <a:bodyPr vert="horz" lIns="91440" tIns="45720" rIns="91440" bIns="45720" rtlCol="0">
+            <a:normAutofit/>
+          </a:bodyPr>
+          <a:lstStyle>
+            <a:lvl1pPr marL="0" indent="0" algn="l" defTabSz="914400" rtl="0" eaLnBrk="1" latinLnBrk="0" hangingPunct="1">
+              <a:lnSpc>
+                <a:spcPct val="90000"/>
+              </a:lnSpc>
+              <a:spcBef>
+                <a:spcPts val="1200"/>
+              </a:spcBef>
+              <a:buFont typeface="Arial" panose="020B0604020202020204" pitchFamily="34" charset="0"/>
+              <a:buNone/>
+              <a:defRPr sz="2400" kern="1200">
+                <a:solidFill>
+                  <a:schemeClr val="tx1"/>
+                </a:solidFill>
+                <a:latin typeface="+mn-lt"/>
+                <a:ea typeface="+mn-ea"/>
+                <a:cs typeface="+mn-cs"/>
+              </a:defRPr>
+            </a:lvl1pPr>
+            <a:lvl2pPr marL="457200" indent="0" algn="l" defTabSz="914400" rtl="0" eaLnBrk="1" latinLnBrk="0" hangingPunct="1">
+              <a:lnSpc>
+                <a:spcPct val="90000"/>
+              </a:lnSpc>
+              <a:spcBef>
+                <a:spcPts val="1200"/>
+              </a:spcBef>
+              <a:buFont typeface="Arial" panose="020B0604020202020204" pitchFamily="34" charset="0"/>
+              <a:buNone/>
+              <a:defRPr sz="1400" kern="1200">
+                <a:solidFill>
+                  <a:schemeClr val="tx1"/>
+                </a:solidFill>
+                <a:latin typeface="+mn-lt"/>
+                <a:ea typeface="+mn-ea"/>
+                <a:cs typeface="+mn-cs"/>
+              </a:defRPr>
+            </a:lvl2pPr>
+            <a:lvl3pPr marL="914400" indent="0" algn="l" defTabSz="914400" rtl="0" eaLnBrk="1" latinLnBrk="0" hangingPunct="1">
+              <a:lnSpc>
+                <a:spcPct val="90000"/>
+              </a:lnSpc>
+              <a:spcBef>
+                <a:spcPts val="600"/>
+              </a:spcBef>
+              <a:buFont typeface="Arial" panose="020B0604020202020204" pitchFamily="34" charset="0"/>
+              <a:buNone/>
+              <a:defRPr sz="1200" kern="1200">
+                <a:solidFill>
+                  <a:schemeClr val="tx1"/>
+                </a:solidFill>
+                <a:latin typeface="+mn-lt"/>
+                <a:ea typeface="+mn-ea"/>
+                <a:cs typeface="+mn-cs"/>
+              </a:defRPr>
+            </a:lvl3pPr>
+            <a:lvl4pPr marL="1371600" indent="0" algn="l" defTabSz="914400" rtl="0" eaLnBrk="1" latinLnBrk="0" hangingPunct="1">
+              <a:lnSpc>
+                <a:spcPct val="90000"/>
+              </a:lnSpc>
+              <a:spcBef>
+                <a:spcPts val="600"/>
+              </a:spcBef>
+              <a:buFont typeface="Arial" panose="020B0604020202020204" pitchFamily="34" charset="0"/>
+              <a:buNone/>
+              <a:defRPr sz="1000" kern="1200">
+                <a:solidFill>
+                  <a:schemeClr val="tx1"/>
+                </a:solidFill>
+                <a:latin typeface="+mn-lt"/>
+                <a:ea typeface="+mn-ea"/>
+                <a:cs typeface="+mn-cs"/>
+              </a:defRPr>
+            </a:lvl4pPr>
+            <a:lvl5pPr marL="1828800" indent="0" algn="l" defTabSz="914400" rtl="0" eaLnBrk="1" latinLnBrk="0" hangingPunct="1">
+              <a:lnSpc>
+                <a:spcPct val="90000"/>
+              </a:lnSpc>
+              <a:spcBef>
+                <a:spcPts val="600"/>
+              </a:spcBef>
+              <a:buFont typeface="Arial" panose="020B0604020202020204" pitchFamily="34" charset="0"/>
+              <a:buNone/>
+              <a:defRPr sz="1000" kern="1200">
+                <a:solidFill>
+                  <a:schemeClr val="tx1"/>
+                </a:solidFill>
+                <a:latin typeface="+mn-lt"/>
+                <a:ea typeface="+mn-ea"/>
+                <a:cs typeface="+mn-cs"/>
+              </a:defRPr>
+            </a:lvl5pPr>
+            <a:lvl6pPr marL="2286000" indent="0" algn="l" defTabSz="914400" rtl="0" eaLnBrk="1" latinLnBrk="0" hangingPunct="1">
+              <a:lnSpc>
+                <a:spcPct val="90000"/>
+              </a:lnSpc>
+              <a:spcBef>
+                <a:spcPts val="600"/>
+              </a:spcBef>
+              <a:buFont typeface="Arial" panose="020B0604020202020204" pitchFamily="34" charset="0"/>
+              <a:buNone/>
+              <a:defRPr sz="1000" kern="1200">
+                <a:solidFill>
+                  <a:schemeClr val="tx1"/>
+                </a:solidFill>
+                <a:latin typeface="+mn-lt"/>
+                <a:ea typeface="+mn-ea"/>
+                <a:cs typeface="+mn-cs"/>
+              </a:defRPr>
+            </a:lvl6pPr>
+            <a:lvl7pPr marL="2743200" indent="0" algn="l" defTabSz="914400" rtl="0" eaLnBrk="1" latinLnBrk="0" hangingPunct="1">
+              <a:lnSpc>
+                <a:spcPct val="90000"/>
+              </a:lnSpc>
+              <a:spcBef>
+                <a:spcPts val="600"/>
+              </a:spcBef>
+              <a:buFont typeface="Arial" panose="020B0604020202020204" pitchFamily="34" charset="0"/>
+              <a:buNone/>
+              <a:defRPr sz="1000" kern="1200">
+                <a:solidFill>
+                  <a:schemeClr val="tx1"/>
+                </a:solidFill>
+                <a:latin typeface="+mn-lt"/>
+                <a:ea typeface="+mn-ea"/>
+                <a:cs typeface="+mn-cs"/>
+              </a:defRPr>
+            </a:lvl7pPr>
+            <a:lvl8pPr marL="3200400" indent="0" algn="l" defTabSz="914400" rtl="0" eaLnBrk="1" latinLnBrk="0" hangingPunct="1">
+              <a:lnSpc>
+                <a:spcPct val="90000"/>
+              </a:lnSpc>
+              <a:spcBef>
+                <a:spcPts val="600"/>
+              </a:spcBef>
+              <a:buFont typeface="Arial" panose="020B0604020202020204" pitchFamily="34" charset="0"/>
+              <a:buNone/>
+              <a:defRPr sz="1000" kern="1200">
+                <a:solidFill>
+                  <a:schemeClr val="tx1"/>
+                </a:solidFill>
+                <a:latin typeface="+mn-lt"/>
+                <a:ea typeface="+mn-ea"/>
+                <a:cs typeface="+mn-cs"/>
+              </a:defRPr>
+            </a:lvl8pPr>
+            <a:lvl9pPr marL="3657600" indent="0" algn="l" defTabSz="914400" rtl="0" eaLnBrk="1" latinLnBrk="0" hangingPunct="1">
+              <a:lnSpc>
+                <a:spcPct val="90000"/>
+              </a:lnSpc>
+              <a:spcBef>
+                <a:spcPts val="600"/>
+              </a:spcBef>
+              <a:buFont typeface="Arial" panose="020B0604020202020204" pitchFamily="34" charset="0"/>
+              <a:buNone/>
+              <a:defRPr sz="1000" kern="1200">
+                <a:solidFill>
+                  <a:schemeClr val="tx1"/>
+                </a:solidFill>
+                <a:latin typeface="+mn-lt"/>
+                <a:ea typeface="+mn-ea"/>
+                <a:cs typeface="+mn-cs"/>
+              </a:defRPr>
+            </a:lvl9pPr>
+          </a:lstStyle>
+          <a:p>
+            <a:endParaRPr lang="it-IT" sz="2000" dirty="0"/>
+          </a:p>
+        </p:txBody>
+      </p:sp>
+      <p:pic>
+        <p:nvPicPr>
+          <p:cNvPr id="4" name="Immagine 3">
+            <a:extLst>
+              <a:ext uri="{FF2B5EF4-FFF2-40B4-BE49-F238E27FC236}">
+                <a16:creationId xmlns:a16="http://schemas.microsoft.com/office/drawing/2014/main" id="{59D24A4C-6B9D-4F33-B04A-26E770C693F9}"/>
+              </a:ext>
+            </a:extLst>
+          </p:cNvPr>
+          <p:cNvPicPr>
+            <a:picLocks noChangeAspect="1"/>
+          </p:cNvPicPr>
+          <p:nvPr/>
+        </p:nvPicPr>
+        <p:blipFill>
+          <a:blip r:embed="rId3" cstate="print">
+            <a:extLst>
+              <a:ext uri="{28A0092B-C50C-407E-A947-70E740481C1C}">
+                <a14:useLocalDpi xmlns:a14="http://schemas.microsoft.com/office/drawing/2010/main" val="0"/>
+              </a:ext>
+            </a:extLst>
+          </a:blip>
+          <a:stretch>
+            <a:fillRect/>
+          </a:stretch>
+        </p:blipFill>
+        <p:spPr>
+          <a:xfrm>
+            <a:off x="2495600" y="778396"/>
+            <a:ext cx="2509790" cy="5301208"/>
+          </a:xfrm>
+          <a:prstGeom prst="rect">
+            <a:avLst/>
+          </a:prstGeom>
+        </p:spPr>
+      </p:pic>
+    </p:spTree>
+    <p:extLst>
+      <p:ext uri="{BB962C8B-B14F-4D97-AF65-F5344CB8AC3E}">
+        <p14:creationId xmlns:p14="http://schemas.microsoft.com/office/powerpoint/2010/main" val="1381276177"/>
+      </p:ext>
+    </p:extLst>
+  </p:cSld>
+  <p:clrMapOvr>
+    <a:masterClrMapping/>
+  </p:clrMapOvr>
+  <mc:AlternateContent xmlns:mc="http://schemas.openxmlformats.org/markup-compatibility/2006">
+    <mc:Choice xmlns:p14="http://schemas.microsoft.com/office/powerpoint/2010/main" Requires="p14">
+      <p:transition spd="med" p14:dur="700">
+        <p:fade/>
+      </p:transition>
+    </mc:Choice>
+    <mc:Fallback>
+      <p:transition spd="med">
+        <p:fade/>
+      </p:transition>
+    </mc:Fallback>
+  </mc:AlternateContent>
+</p:sld>
+</file>
+
+<file path=ppt/slides/slide2.xml><?xml version="1.0" encoding="utf-8"?>
+<p:sld xmlns:a="http://schemas.openxmlformats.org/drawingml/2006/main" xmlns:r="http://schemas.openxmlformats.org/officeDocument/2006/relationships" xmlns:p="http://schemas.openxmlformats.org/presentationml/2006/main">
+  <p:cSld>
+    <p:spTree>
+      <p:nvGrpSpPr>
+        <p:cNvPr id="1" name=""/>
+        <p:cNvGrpSpPr/>
+        <p:nvPr/>
+      </p:nvGrpSpPr>
+      <p:grpSpPr>
+        <a:xfrm>
+          <a:off x="0" y="0"/>
+          <a:ext cx="0" cy="0"/>
+          <a:chOff x="0" y="0"/>
+          <a:chExt cx="0" cy="0"/>
+        </a:xfrm>
+      </p:grpSpPr>
+      <p:sp>
+        <p:nvSpPr>
+          <p:cNvPr id="2" name="Titolo 1"/>
+          <p:cNvSpPr>
+            <a:spLocks noGrp="1"/>
+          </p:cNvSpPr>
+          <p:nvPr>
+            <p:ph type="title"/>
+          </p:nvPr>
+        </p:nvSpPr>
+        <p:spPr/>
+        <p:txBody>
+          <a:bodyPr rtlCol="0"/>
+          <a:lstStyle/>
+          <a:p>
+            <a:pPr rtl="0"/>
+            <a:r>
+              <a:rPr lang="it-IT" dirty="0"/>
+              <a:t>Il </a:t>
+            </a:r>
+            <a:r>
+              <a:rPr lang="it-IT" dirty="0" err="1"/>
+              <a:t>fanta</a:t>
+            </a:r>
+            <a:r>
+              <a:rPr lang="it-IT" dirty="0"/>
+              <a:t>-basket</a:t>
+            </a:r>
+          </a:p>
+        </p:txBody>
+      </p:sp>
+      <p:sp>
+        <p:nvSpPr>
+          <p:cNvPr id="3" name="Segnaposto contenuto 2"/>
+          <p:cNvSpPr>
+            <a:spLocks noGrp="1"/>
+          </p:cNvSpPr>
+          <p:nvPr>
+            <p:ph idx="1"/>
+          </p:nvPr>
+        </p:nvSpPr>
+        <p:spPr/>
+        <p:txBody>
+          <a:bodyPr rtlCol="0"/>
+          <a:lstStyle/>
+          <a:p>
+            <a:pPr rtl="0"/>
+            <a:r>
+              <a:rPr lang="it-IT" dirty="0"/>
+              <a:t>Gioco di gruppo a tornei</a:t>
+            </a:r>
+          </a:p>
+          <a:p>
+            <a:pPr rtl="0"/>
+            <a:r>
+              <a:rPr lang="it-IT" dirty="0"/>
+              <a:t>Ogni giocatore è l’allenatore di una squadra</a:t>
+            </a:r>
+          </a:p>
+          <a:p>
+            <a:pPr rtl="0"/>
+            <a:r>
+              <a:rPr lang="it-IT" dirty="0"/>
+              <a:t>I punteggi si basano sulle statistiche reali dei giocatori</a:t>
+            </a:r>
+          </a:p>
+        </p:txBody>
+      </p:sp>
+    </p:spTree>
+    <p:extLst>
+      <p:ext uri="{BB962C8B-B14F-4D97-AF65-F5344CB8AC3E}">
+        <p14:creationId xmlns:p14="http://schemas.microsoft.com/office/powerpoint/2010/main" val="2905083717"/>
+      </p:ext>
+    </p:extLst>
+  </p:cSld>
+  <p:clrMapOvr>
+    <a:masterClrMapping/>
+  </p:clrMapOvr>
+  <mc:AlternateContent xmlns:mc="http://schemas.openxmlformats.org/markup-compatibility/2006" xmlns:p14="http://schemas.microsoft.com/office/powerpoint/2010/main">
+    <mc:Choice Requires="p14">
+      <p:transition spd="med" p14:dur="700">
+        <p:fade/>
+      </p:transition>
+    </mc:Choice>
+    <mc:Fallback xmlns="">
+      <p:transition spd="med">
+        <p:fade/>
+      </p:transition>
+    </mc:Fallback>
+  </mc:AlternateContent>
+</p:sld>
+</file>
+
+<file path=ppt/slides/slide20.xml><?xml version="1.0" encoding="utf-8"?>
+<p:sld xmlns:a="http://schemas.openxmlformats.org/drawingml/2006/main" xmlns:r="http://schemas.openxmlformats.org/officeDocument/2006/relationships" xmlns:p="http://schemas.openxmlformats.org/presentationml/2006/main">
+  <p:cSld>
+    <p:spTree>
+      <p:nvGrpSpPr>
+        <p:cNvPr id="1" name=""/>
+        <p:cNvGrpSpPr/>
+        <p:nvPr/>
+      </p:nvGrpSpPr>
+      <p:grpSpPr>
+        <a:xfrm>
+          <a:off x="0" y="0"/>
+          <a:ext cx="0" cy="0"/>
+          <a:chOff x="0" y="0"/>
+          <a:chExt cx="0" cy="0"/>
+        </a:xfrm>
+      </p:grpSpPr>
+      <p:sp>
+        <p:nvSpPr>
+          <p:cNvPr id="2" name="Titolo 1"/>
+          <p:cNvSpPr>
+            <a:spLocks noGrp="1"/>
+          </p:cNvSpPr>
+          <p:nvPr>
+            <p:ph type="title"/>
+          </p:nvPr>
+        </p:nvSpPr>
+        <p:spPr>
+          <a:xfrm>
+            <a:off x="7924800" y="838200"/>
+            <a:ext cx="3657600" cy="2133600"/>
+          </a:xfrm>
+        </p:spPr>
+        <p:txBody>
+          <a:bodyPr rtlCol="0" anchor="b">
+            <a:normAutofit/>
+          </a:bodyPr>
+          <a:lstStyle/>
+          <a:p>
+            <a:pPr rtl="0"/>
+            <a:r>
+              <a:rPr lang="it-IT" dirty="0"/>
+              <a:t>Classifica e calendario</a:t>
+            </a:r>
+          </a:p>
+        </p:txBody>
+      </p:sp>
+      <p:sp>
+        <p:nvSpPr>
+          <p:cNvPr id="5" name="Segnaposto testo 4">
+            <a:extLst>
+              <a:ext uri="{FF2B5EF4-FFF2-40B4-BE49-F238E27FC236}">
+                <a16:creationId xmlns:a16="http://schemas.microsoft.com/office/drawing/2014/main" id="{A5663156-DFFA-43DB-9B24-AB308709A276}"/>
+              </a:ext>
+            </a:extLst>
+          </p:cNvPr>
+          <p:cNvSpPr>
+            <a:spLocks noGrp="1"/>
+          </p:cNvSpPr>
+          <p:nvPr>
+            <p:ph type="body" sz="half" idx="2"/>
+          </p:nvPr>
+        </p:nvSpPr>
+        <p:spPr/>
+        <p:txBody>
+          <a:bodyPr/>
+          <a:lstStyle/>
+          <a:p>
+            <a:r>
+              <a:rPr lang="it-IT" sz="2000" dirty="0"/>
+              <a:t>Se il torneo è iniziato</a:t>
+            </a:r>
+          </a:p>
+          <a:p>
+            <a:pPr lvl="1"/>
+            <a:r>
+              <a:rPr lang="it-IT" sz="2000" dirty="0"/>
+              <a:t>Vedere la classifica</a:t>
+            </a:r>
+          </a:p>
+          <a:p>
+            <a:pPr lvl="1"/>
+            <a:r>
+              <a:rPr lang="it-IT" sz="2000" dirty="0"/>
+              <a:t>Vedere il calendario (se lega è calendario)</a:t>
+            </a:r>
+          </a:p>
+          <a:p>
+            <a:pPr lvl="1"/>
+            <a:r>
+              <a:rPr lang="it-IT" sz="2000" dirty="0"/>
+              <a:t>Aggiornare la classifica (se l’utente è l’admin ed è passata almeno una giornata)</a:t>
+            </a:r>
+          </a:p>
+          <a:p>
+            <a:endParaRPr lang="it-IT" dirty="0"/>
+          </a:p>
+        </p:txBody>
+      </p:sp>
+      <p:sp>
+        <p:nvSpPr>
+          <p:cNvPr id="7" name="Segnaposto contenuto 2">
+            <a:extLst>
+              <a:ext uri="{FF2B5EF4-FFF2-40B4-BE49-F238E27FC236}">
+                <a16:creationId xmlns:a16="http://schemas.microsoft.com/office/drawing/2014/main" id="{46B552F3-FE44-4A18-83B1-16A46AE2E4EA}"/>
+              </a:ext>
+            </a:extLst>
+          </p:cNvPr>
+          <p:cNvSpPr txBox="1">
+            <a:spLocks/>
+          </p:cNvSpPr>
+          <p:nvPr/>
+        </p:nvSpPr>
+        <p:spPr>
+          <a:xfrm>
+            <a:off x="8077202" y="3276600"/>
+            <a:ext cx="3657600" cy="2895600"/>
+          </a:xfrm>
+          <a:prstGeom prst="rect">
+            <a:avLst/>
+          </a:prstGeom>
+        </p:spPr>
+        <p:txBody>
+          <a:bodyPr vert="horz" lIns="91440" tIns="45720" rIns="91440" bIns="45720" rtlCol="0">
+            <a:normAutofit/>
+          </a:bodyPr>
+          <a:lstStyle>
+            <a:lvl1pPr marL="0" indent="0" algn="l" defTabSz="914400" rtl="0" eaLnBrk="1" latinLnBrk="0" hangingPunct="1">
+              <a:lnSpc>
+                <a:spcPct val="90000"/>
+              </a:lnSpc>
+              <a:spcBef>
+                <a:spcPts val="1200"/>
+              </a:spcBef>
+              <a:buFont typeface="Arial" panose="020B0604020202020204" pitchFamily="34" charset="0"/>
+              <a:buNone/>
+              <a:defRPr sz="2400" kern="1200">
+                <a:solidFill>
+                  <a:schemeClr val="tx1"/>
+                </a:solidFill>
+                <a:latin typeface="+mn-lt"/>
+                <a:ea typeface="+mn-ea"/>
+                <a:cs typeface="+mn-cs"/>
+              </a:defRPr>
+            </a:lvl1pPr>
+            <a:lvl2pPr marL="457200" indent="0" algn="l" defTabSz="914400" rtl="0" eaLnBrk="1" latinLnBrk="0" hangingPunct="1">
+              <a:lnSpc>
+                <a:spcPct val="90000"/>
+              </a:lnSpc>
+              <a:spcBef>
+                <a:spcPts val="1200"/>
+              </a:spcBef>
+              <a:buFont typeface="Arial" panose="020B0604020202020204" pitchFamily="34" charset="0"/>
+              <a:buNone/>
+              <a:defRPr sz="1400" kern="1200">
+                <a:solidFill>
+                  <a:schemeClr val="tx1"/>
+                </a:solidFill>
+                <a:latin typeface="+mn-lt"/>
+                <a:ea typeface="+mn-ea"/>
+                <a:cs typeface="+mn-cs"/>
+              </a:defRPr>
+            </a:lvl2pPr>
+            <a:lvl3pPr marL="914400" indent="0" algn="l" defTabSz="914400" rtl="0" eaLnBrk="1" latinLnBrk="0" hangingPunct="1">
+              <a:lnSpc>
+                <a:spcPct val="90000"/>
+              </a:lnSpc>
+              <a:spcBef>
+                <a:spcPts val="600"/>
+              </a:spcBef>
+              <a:buFont typeface="Arial" panose="020B0604020202020204" pitchFamily="34" charset="0"/>
+              <a:buNone/>
+              <a:defRPr sz="1200" kern="1200">
+                <a:solidFill>
+                  <a:schemeClr val="tx1"/>
+                </a:solidFill>
+                <a:latin typeface="+mn-lt"/>
+                <a:ea typeface="+mn-ea"/>
+                <a:cs typeface="+mn-cs"/>
+              </a:defRPr>
+            </a:lvl3pPr>
+            <a:lvl4pPr marL="1371600" indent="0" algn="l" defTabSz="914400" rtl="0" eaLnBrk="1" latinLnBrk="0" hangingPunct="1">
+              <a:lnSpc>
+                <a:spcPct val="90000"/>
+              </a:lnSpc>
+              <a:spcBef>
+                <a:spcPts val="600"/>
+              </a:spcBef>
+              <a:buFont typeface="Arial" panose="020B0604020202020204" pitchFamily="34" charset="0"/>
+              <a:buNone/>
+              <a:defRPr sz="1000" kern="1200">
+                <a:solidFill>
+                  <a:schemeClr val="tx1"/>
+                </a:solidFill>
+                <a:latin typeface="+mn-lt"/>
+                <a:ea typeface="+mn-ea"/>
+                <a:cs typeface="+mn-cs"/>
+              </a:defRPr>
+            </a:lvl4pPr>
+            <a:lvl5pPr marL="1828800" indent="0" algn="l" defTabSz="914400" rtl="0" eaLnBrk="1" latinLnBrk="0" hangingPunct="1">
+              <a:lnSpc>
+                <a:spcPct val="90000"/>
+              </a:lnSpc>
+              <a:spcBef>
+                <a:spcPts val="600"/>
+              </a:spcBef>
+              <a:buFont typeface="Arial" panose="020B0604020202020204" pitchFamily="34" charset="0"/>
+              <a:buNone/>
+              <a:defRPr sz="1000" kern="1200">
+                <a:solidFill>
+                  <a:schemeClr val="tx1"/>
+                </a:solidFill>
+                <a:latin typeface="+mn-lt"/>
+                <a:ea typeface="+mn-ea"/>
+                <a:cs typeface="+mn-cs"/>
+              </a:defRPr>
+            </a:lvl5pPr>
+            <a:lvl6pPr marL="2286000" indent="0" algn="l" defTabSz="914400" rtl="0" eaLnBrk="1" latinLnBrk="0" hangingPunct="1">
+              <a:lnSpc>
+                <a:spcPct val="90000"/>
+              </a:lnSpc>
+              <a:spcBef>
+                <a:spcPts val="600"/>
+              </a:spcBef>
+              <a:buFont typeface="Arial" panose="020B0604020202020204" pitchFamily="34" charset="0"/>
+              <a:buNone/>
+              <a:defRPr sz="1000" kern="1200">
+                <a:solidFill>
+                  <a:schemeClr val="tx1"/>
+                </a:solidFill>
+                <a:latin typeface="+mn-lt"/>
+                <a:ea typeface="+mn-ea"/>
+                <a:cs typeface="+mn-cs"/>
+              </a:defRPr>
+            </a:lvl6pPr>
+            <a:lvl7pPr marL="2743200" indent="0" algn="l" defTabSz="914400" rtl="0" eaLnBrk="1" latinLnBrk="0" hangingPunct="1">
+              <a:lnSpc>
+                <a:spcPct val="90000"/>
+              </a:lnSpc>
+              <a:spcBef>
+                <a:spcPts val="600"/>
+              </a:spcBef>
+              <a:buFont typeface="Arial" panose="020B0604020202020204" pitchFamily="34" charset="0"/>
+              <a:buNone/>
+              <a:defRPr sz="1000" kern="1200">
+                <a:solidFill>
+                  <a:schemeClr val="tx1"/>
+                </a:solidFill>
+                <a:latin typeface="+mn-lt"/>
+                <a:ea typeface="+mn-ea"/>
+                <a:cs typeface="+mn-cs"/>
+              </a:defRPr>
+            </a:lvl7pPr>
+            <a:lvl8pPr marL="3200400" indent="0" algn="l" defTabSz="914400" rtl="0" eaLnBrk="1" latinLnBrk="0" hangingPunct="1">
+              <a:lnSpc>
+                <a:spcPct val="90000"/>
+              </a:lnSpc>
+              <a:spcBef>
+                <a:spcPts val="600"/>
+              </a:spcBef>
+              <a:buFont typeface="Arial" panose="020B0604020202020204" pitchFamily="34" charset="0"/>
+              <a:buNone/>
+              <a:defRPr sz="1000" kern="1200">
+                <a:solidFill>
+                  <a:schemeClr val="tx1"/>
+                </a:solidFill>
+                <a:latin typeface="+mn-lt"/>
+                <a:ea typeface="+mn-ea"/>
+                <a:cs typeface="+mn-cs"/>
+              </a:defRPr>
+            </a:lvl8pPr>
+            <a:lvl9pPr marL="3657600" indent="0" algn="l" defTabSz="914400" rtl="0" eaLnBrk="1" latinLnBrk="0" hangingPunct="1">
+              <a:lnSpc>
+                <a:spcPct val="90000"/>
+              </a:lnSpc>
+              <a:spcBef>
+                <a:spcPts val="600"/>
+              </a:spcBef>
+              <a:buFont typeface="Arial" panose="020B0604020202020204" pitchFamily="34" charset="0"/>
+              <a:buNone/>
+              <a:defRPr sz="1000" kern="1200">
+                <a:solidFill>
+                  <a:schemeClr val="tx1"/>
+                </a:solidFill>
+                <a:latin typeface="+mn-lt"/>
+                <a:ea typeface="+mn-ea"/>
+                <a:cs typeface="+mn-cs"/>
+              </a:defRPr>
+            </a:lvl9pPr>
+          </a:lstStyle>
+          <a:p>
+            <a:endParaRPr lang="it-IT" sz="2000" dirty="0"/>
+          </a:p>
+        </p:txBody>
+      </p:sp>
+      <p:pic>
+        <p:nvPicPr>
           <p:cNvPr id="9" name="Immagine 8" descr="Immagine che contiene testo&#10;&#10;Descrizione generata automaticamente">
             <a:extLst>
               <a:ext uri="{FF2B5EF4-FFF2-40B4-BE49-F238E27FC236}">
@@ -6216,20 +8315,20 @@
     </p:spTree>
     <p:extLst>
       <p:ext uri="{BB962C8B-B14F-4D97-AF65-F5344CB8AC3E}">
-        <p14:creationId xmlns:p14="http://schemas.microsoft.com/office/powerpoint/2010/main" val="3693311309"/>
+        <p14:creationId xmlns:p14="http://schemas.microsoft.com/office/powerpoint/2010/main" val="1863469272"/>
       </p:ext>
     </p:extLst>
   </p:cSld>
   <p:clrMapOvr>
     <a:masterClrMapping/>
   </p:clrMapOvr>
-  <mc:AlternateContent xmlns:mc="http://schemas.openxmlformats.org/markup-compatibility/2006" xmlns:p14="http://schemas.microsoft.com/office/powerpoint/2010/main">
-    <mc:Choice Requires="p14">
+  <mc:AlternateContent xmlns:mc="http://schemas.openxmlformats.org/markup-compatibility/2006">
+    <mc:Choice xmlns:p14="http://schemas.microsoft.com/office/powerpoint/2010/main" Requires="p14">
       <p:transition spd="med" p14:dur="700">
         <p:fade/>
       </p:transition>
     </mc:Choice>
-    <mc:Fallback xmlns="">
+    <mc:Fallback>
       <p:transition spd="med">
         <p:fade/>
       </p:transition>
@@ -6238,7 +8337,7 @@
 </p:sld>
 </file>
 
-<file path=ppt/slides/slide15.xml><?xml version="1.0" encoding="utf-8"?>
+<file path=ppt/slides/slide21.xml><?xml version="1.0" encoding="utf-8"?>
 <p:sld xmlns:a="http://schemas.openxmlformats.org/drawingml/2006/main" xmlns:r="http://schemas.openxmlformats.org/officeDocument/2006/relationships" xmlns:p="http://schemas.openxmlformats.org/presentationml/2006/main">
   <p:cSld>
     <p:spTree>
@@ -6430,7 +8529,1961 @@
 </p:sld>
 </file>
 
-<file path=ppt/slides/slide16.xml><?xml version="1.0" encoding="utf-8"?>
+<file path=ppt/slides/slide22.xml><?xml version="1.0" encoding="utf-8"?>
+<p:sld xmlns:a="http://schemas.openxmlformats.org/drawingml/2006/main" xmlns:r="http://schemas.openxmlformats.org/officeDocument/2006/relationships" xmlns:p="http://schemas.openxmlformats.org/presentationml/2006/main">
+  <p:cSld>
+    <p:spTree>
+      <p:nvGrpSpPr>
+        <p:cNvPr id="1" name=""/>
+        <p:cNvGrpSpPr/>
+        <p:nvPr/>
+      </p:nvGrpSpPr>
+      <p:grpSpPr>
+        <a:xfrm>
+          <a:off x="0" y="0"/>
+          <a:ext cx="0" cy="0"/>
+          <a:chOff x="0" y="0"/>
+          <a:chExt cx="0" cy="0"/>
+        </a:xfrm>
+      </p:grpSpPr>
+      <p:sp>
+        <p:nvSpPr>
+          <p:cNvPr id="4" name="Titolo 3">
+            <a:extLst>
+              <a:ext uri="{FF2B5EF4-FFF2-40B4-BE49-F238E27FC236}">
+                <a16:creationId xmlns:a16="http://schemas.microsoft.com/office/drawing/2014/main" id="{A0F17DE4-46E5-4962-89DE-433E8B99C63F}"/>
+              </a:ext>
+            </a:extLst>
+          </p:cNvPr>
+          <p:cNvSpPr>
+            <a:spLocks noGrp="1"/>
+          </p:cNvSpPr>
+          <p:nvPr>
+            <p:ph type="title"/>
+          </p:nvPr>
+        </p:nvSpPr>
+        <p:spPr/>
+        <p:txBody>
+          <a:bodyPr/>
+          <a:lstStyle/>
+          <a:p>
+            <a:r>
+              <a:rPr lang="it-IT" dirty="0"/>
+              <a:t>Attività scelta lega</a:t>
+            </a:r>
+          </a:p>
+        </p:txBody>
+      </p:sp>
+      <p:sp>
+        <p:nvSpPr>
+          <p:cNvPr id="5" name="Segnaposto testo 4">
+            <a:extLst>
+              <a:ext uri="{FF2B5EF4-FFF2-40B4-BE49-F238E27FC236}">
+                <a16:creationId xmlns:a16="http://schemas.microsoft.com/office/drawing/2014/main" id="{69A271C2-806B-4B85-B009-29C59284EF48}"/>
+              </a:ext>
+            </a:extLst>
+          </p:cNvPr>
+          <p:cNvSpPr>
+            <a:spLocks noGrp="1"/>
+          </p:cNvSpPr>
+          <p:nvPr>
+            <p:ph type="body" idx="1"/>
+          </p:nvPr>
+        </p:nvSpPr>
+        <p:spPr/>
+        <p:txBody>
+          <a:bodyPr/>
+          <a:lstStyle/>
+          <a:p>
+            <a:endParaRPr lang="it-IT"/>
+          </a:p>
+        </p:txBody>
+      </p:sp>
+    </p:spTree>
+    <p:extLst>
+      <p:ext uri="{BB962C8B-B14F-4D97-AF65-F5344CB8AC3E}">
+        <p14:creationId xmlns:p14="http://schemas.microsoft.com/office/powerpoint/2010/main" val="159700719"/>
+      </p:ext>
+    </p:extLst>
+  </p:cSld>
+  <p:clrMapOvr>
+    <a:masterClrMapping/>
+  </p:clrMapOvr>
+  <mc:AlternateContent xmlns:mc="http://schemas.openxmlformats.org/markup-compatibility/2006" xmlns:p14="http://schemas.microsoft.com/office/powerpoint/2010/main">
+    <mc:Choice Requires="p14">
+      <p:transition spd="med" p14:dur="700">
+        <p:fade/>
+      </p:transition>
+    </mc:Choice>
+    <mc:Fallback xmlns="">
+      <p:transition spd="med">
+        <p:fade/>
+      </p:transition>
+    </mc:Fallback>
+  </mc:AlternateContent>
+</p:sld>
+</file>
+
+<file path=ppt/slides/slide23.xml><?xml version="1.0" encoding="utf-8"?>
+<p:sld xmlns:a="http://schemas.openxmlformats.org/drawingml/2006/main" xmlns:r="http://schemas.openxmlformats.org/officeDocument/2006/relationships" xmlns:p="http://schemas.openxmlformats.org/presentationml/2006/main">
+  <p:cSld>
+    <p:spTree>
+      <p:nvGrpSpPr>
+        <p:cNvPr id="1" name=""/>
+        <p:cNvGrpSpPr/>
+        <p:nvPr/>
+      </p:nvGrpSpPr>
+      <p:grpSpPr>
+        <a:xfrm>
+          <a:off x="0" y="0"/>
+          <a:ext cx="0" cy="0"/>
+          <a:chOff x="0" y="0"/>
+          <a:chExt cx="0" cy="0"/>
+        </a:xfrm>
+      </p:grpSpPr>
+      <p:sp>
+        <p:nvSpPr>
+          <p:cNvPr id="2" name="Titolo 1"/>
+          <p:cNvSpPr>
+            <a:spLocks noGrp="1"/>
+          </p:cNvSpPr>
+          <p:nvPr>
+            <p:ph type="title"/>
+          </p:nvPr>
+        </p:nvSpPr>
+        <p:spPr>
+          <a:xfrm>
+            <a:off x="7924800" y="838200"/>
+            <a:ext cx="3657600" cy="2133600"/>
+          </a:xfrm>
+        </p:spPr>
+        <p:txBody>
+          <a:bodyPr rtlCol="0" anchor="b">
+            <a:normAutofit/>
+          </a:bodyPr>
+          <a:lstStyle/>
+          <a:p>
+            <a:pPr rtl="0"/>
+            <a:r>
+              <a:rPr lang="it-IT" dirty="0"/>
+              <a:t>Scelta lega</a:t>
+            </a:r>
+          </a:p>
+        </p:txBody>
+      </p:sp>
+      <p:sp>
+        <p:nvSpPr>
+          <p:cNvPr id="5" name="Segnaposto testo 4">
+            <a:extLst>
+              <a:ext uri="{FF2B5EF4-FFF2-40B4-BE49-F238E27FC236}">
+                <a16:creationId xmlns:a16="http://schemas.microsoft.com/office/drawing/2014/main" id="{A5663156-DFFA-43DB-9B24-AB308709A276}"/>
+              </a:ext>
+            </a:extLst>
+          </p:cNvPr>
+          <p:cNvSpPr>
+            <a:spLocks noGrp="1"/>
+          </p:cNvSpPr>
+          <p:nvPr>
+            <p:ph type="body" sz="half" idx="2"/>
+          </p:nvPr>
+        </p:nvSpPr>
+        <p:spPr/>
+        <p:txBody>
+          <a:bodyPr/>
+          <a:lstStyle/>
+          <a:p>
+            <a:r>
+              <a:rPr lang="it-IT" sz="2000" dirty="0"/>
+              <a:t>Visualizzare le leghe (se è attivata la posizione le leghe disponibili saranno in ordine di prossimità)</a:t>
+            </a:r>
+          </a:p>
+          <a:p>
+            <a:r>
+              <a:rPr lang="it-IT" sz="2000" dirty="0"/>
+              <a:t>Scegliere o unirsi ad una lega</a:t>
+            </a:r>
+          </a:p>
+          <a:p>
+            <a:r>
+              <a:rPr lang="it-IT" sz="2000" dirty="0"/>
+              <a:t>Andare alla creazione di una lega</a:t>
+            </a:r>
+          </a:p>
+        </p:txBody>
+      </p:sp>
+      <p:sp>
+        <p:nvSpPr>
+          <p:cNvPr id="7" name="Segnaposto contenuto 2">
+            <a:extLst>
+              <a:ext uri="{FF2B5EF4-FFF2-40B4-BE49-F238E27FC236}">
+                <a16:creationId xmlns:a16="http://schemas.microsoft.com/office/drawing/2014/main" id="{46B552F3-FE44-4A18-83B1-16A46AE2E4EA}"/>
+              </a:ext>
+            </a:extLst>
+          </p:cNvPr>
+          <p:cNvSpPr txBox="1">
+            <a:spLocks/>
+          </p:cNvSpPr>
+          <p:nvPr/>
+        </p:nvSpPr>
+        <p:spPr>
+          <a:xfrm>
+            <a:off x="8077202" y="3276600"/>
+            <a:ext cx="3657600" cy="2895600"/>
+          </a:xfrm>
+          <a:prstGeom prst="rect">
+            <a:avLst/>
+          </a:prstGeom>
+        </p:spPr>
+        <p:txBody>
+          <a:bodyPr vert="horz" lIns="91440" tIns="45720" rIns="91440" bIns="45720" rtlCol="0">
+            <a:normAutofit/>
+          </a:bodyPr>
+          <a:lstStyle>
+            <a:lvl1pPr marL="0" indent="0" algn="l" defTabSz="914400" rtl="0" eaLnBrk="1" latinLnBrk="0" hangingPunct="1">
+              <a:lnSpc>
+                <a:spcPct val="90000"/>
+              </a:lnSpc>
+              <a:spcBef>
+                <a:spcPts val="1200"/>
+              </a:spcBef>
+              <a:buFont typeface="Arial" panose="020B0604020202020204" pitchFamily="34" charset="0"/>
+              <a:buNone/>
+              <a:defRPr sz="2400" kern="1200">
+                <a:solidFill>
+                  <a:schemeClr val="tx1"/>
+                </a:solidFill>
+                <a:latin typeface="+mn-lt"/>
+                <a:ea typeface="+mn-ea"/>
+                <a:cs typeface="+mn-cs"/>
+              </a:defRPr>
+            </a:lvl1pPr>
+            <a:lvl2pPr marL="457200" indent="0" algn="l" defTabSz="914400" rtl="0" eaLnBrk="1" latinLnBrk="0" hangingPunct="1">
+              <a:lnSpc>
+                <a:spcPct val="90000"/>
+              </a:lnSpc>
+              <a:spcBef>
+                <a:spcPts val="1200"/>
+              </a:spcBef>
+              <a:buFont typeface="Arial" panose="020B0604020202020204" pitchFamily="34" charset="0"/>
+              <a:buNone/>
+              <a:defRPr sz="1400" kern="1200">
+                <a:solidFill>
+                  <a:schemeClr val="tx1"/>
+                </a:solidFill>
+                <a:latin typeface="+mn-lt"/>
+                <a:ea typeface="+mn-ea"/>
+                <a:cs typeface="+mn-cs"/>
+              </a:defRPr>
+            </a:lvl2pPr>
+            <a:lvl3pPr marL="914400" indent="0" algn="l" defTabSz="914400" rtl="0" eaLnBrk="1" latinLnBrk="0" hangingPunct="1">
+              <a:lnSpc>
+                <a:spcPct val="90000"/>
+              </a:lnSpc>
+              <a:spcBef>
+                <a:spcPts val="600"/>
+              </a:spcBef>
+              <a:buFont typeface="Arial" panose="020B0604020202020204" pitchFamily="34" charset="0"/>
+              <a:buNone/>
+              <a:defRPr sz="1200" kern="1200">
+                <a:solidFill>
+                  <a:schemeClr val="tx1"/>
+                </a:solidFill>
+                <a:latin typeface="+mn-lt"/>
+                <a:ea typeface="+mn-ea"/>
+                <a:cs typeface="+mn-cs"/>
+              </a:defRPr>
+            </a:lvl3pPr>
+            <a:lvl4pPr marL="1371600" indent="0" algn="l" defTabSz="914400" rtl="0" eaLnBrk="1" latinLnBrk="0" hangingPunct="1">
+              <a:lnSpc>
+                <a:spcPct val="90000"/>
+              </a:lnSpc>
+              <a:spcBef>
+                <a:spcPts val="600"/>
+              </a:spcBef>
+              <a:buFont typeface="Arial" panose="020B0604020202020204" pitchFamily="34" charset="0"/>
+              <a:buNone/>
+              <a:defRPr sz="1000" kern="1200">
+                <a:solidFill>
+                  <a:schemeClr val="tx1"/>
+                </a:solidFill>
+                <a:latin typeface="+mn-lt"/>
+                <a:ea typeface="+mn-ea"/>
+                <a:cs typeface="+mn-cs"/>
+              </a:defRPr>
+            </a:lvl4pPr>
+            <a:lvl5pPr marL="1828800" indent="0" algn="l" defTabSz="914400" rtl="0" eaLnBrk="1" latinLnBrk="0" hangingPunct="1">
+              <a:lnSpc>
+                <a:spcPct val="90000"/>
+              </a:lnSpc>
+              <a:spcBef>
+                <a:spcPts val="600"/>
+              </a:spcBef>
+              <a:buFont typeface="Arial" panose="020B0604020202020204" pitchFamily="34" charset="0"/>
+              <a:buNone/>
+              <a:defRPr sz="1000" kern="1200">
+                <a:solidFill>
+                  <a:schemeClr val="tx1"/>
+                </a:solidFill>
+                <a:latin typeface="+mn-lt"/>
+                <a:ea typeface="+mn-ea"/>
+                <a:cs typeface="+mn-cs"/>
+              </a:defRPr>
+            </a:lvl5pPr>
+            <a:lvl6pPr marL="2286000" indent="0" algn="l" defTabSz="914400" rtl="0" eaLnBrk="1" latinLnBrk="0" hangingPunct="1">
+              <a:lnSpc>
+                <a:spcPct val="90000"/>
+              </a:lnSpc>
+              <a:spcBef>
+                <a:spcPts val="600"/>
+              </a:spcBef>
+              <a:buFont typeface="Arial" panose="020B0604020202020204" pitchFamily="34" charset="0"/>
+              <a:buNone/>
+              <a:defRPr sz="1000" kern="1200">
+                <a:solidFill>
+                  <a:schemeClr val="tx1"/>
+                </a:solidFill>
+                <a:latin typeface="+mn-lt"/>
+                <a:ea typeface="+mn-ea"/>
+                <a:cs typeface="+mn-cs"/>
+              </a:defRPr>
+            </a:lvl6pPr>
+            <a:lvl7pPr marL="2743200" indent="0" algn="l" defTabSz="914400" rtl="0" eaLnBrk="1" latinLnBrk="0" hangingPunct="1">
+              <a:lnSpc>
+                <a:spcPct val="90000"/>
+              </a:lnSpc>
+              <a:spcBef>
+                <a:spcPts val="600"/>
+              </a:spcBef>
+              <a:buFont typeface="Arial" panose="020B0604020202020204" pitchFamily="34" charset="0"/>
+              <a:buNone/>
+              <a:defRPr sz="1000" kern="1200">
+                <a:solidFill>
+                  <a:schemeClr val="tx1"/>
+                </a:solidFill>
+                <a:latin typeface="+mn-lt"/>
+                <a:ea typeface="+mn-ea"/>
+                <a:cs typeface="+mn-cs"/>
+              </a:defRPr>
+            </a:lvl7pPr>
+            <a:lvl8pPr marL="3200400" indent="0" algn="l" defTabSz="914400" rtl="0" eaLnBrk="1" latinLnBrk="0" hangingPunct="1">
+              <a:lnSpc>
+                <a:spcPct val="90000"/>
+              </a:lnSpc>
+              <a:spcBef>
+                <a:spcPts val="600"/>
+              </a:spcBef>
+              <a:buFont typeface="Arial" panose="020B0604020202020204" pitchFamily="34" charset="0"/>
+              <a:buNone/>
+              <a:defRPr sz="1000" kern="1200">
+                <a:solidFill>
+                  <a:schemeClr val="tx1"/>
+                </a:solidFill>
+                <a:latin typeface="+mn-lt"/>
+                <a:ea typeface="+mn-ea"/>
+                <a:cs typeface="+mn-cs"/>
+              </a:defRPr>
+            </a:lvl8pPr>
+            <a:lvl9pPr marL="3657600" indent="0" algn="l" defTabSz="914400" rtl="0" eaLnBrk="1" latinLnBrk="0" hangingPunct="1">
+              <a:lnSpc>
+                <a:spcPct val="90000"/>
+              </a:lnSpc>
+              <a:spcBef>
+                <a:spcPts val="600"/>
+              </a:spcBef>
+              <a:buFont typeface="Arial" panose="020B0604020202020204" pitchFamily="34" charset="0"/>
+              <a:buNone/>
+              <a:defRPr sz="1000" kern="1200">
+                <a:solidFill>
+                  <a:schemeClr val="tx1"/>
+                </a:solidFill>
+                <a:latin typeface="+mn-lt"/>
+                <a:ea typeface="+mn-ea"/>
+                <a:cs typeface="+mn-cs"/>
+              </a:defRPr>
+            </a:lvl9pPr>
+          </a:lstStyle>
+          <a:p>
+            <a:endParaRPr lang="it-IT" sz="2000" dirty="0"/>
+          </a:p>
+        </p:txBody>
+      </p:sp>
+      <p:pic>
+        <p:nvPicPr>
+          <p:cNvPr id="8" name="Immagine 7">
+            <a:extLst>
+              <a:ext uri="{FF2B5EF4-FFF2-40B4-BE49-F238E27FC236}">
+                <a16:creationId xmlns:a16="http://schemas.microsoft.com/office/drawing/2014/main" id="{0D69204E-4B41-49C3-B1F4-B3C81E6B690D}"/>
+              </a:ext>
+            </a:extLst>
+          </p:cNvPr>
+          <p:cNvPicPr>
+            <a:picLocks noChangeAspect="1"/>
+          </p:cNvPicPr>
+          <p:nvPr/>
+        </p:nvPicPr>
+        <p:blipFill>
+          <a:blip r:embed="rId3" cstate="print">
+            <a:extLst>
+              <a:ext uri="{28A0092B-C50C-407E-A947-70E740481C1C}">
+                <a14:useLocalDpi xmlns:a14="http://schemas.microsoft.com/office/drawing/2010/main" val="0"/>
+              </a:ext>
+            </a:extLst>
+          </a:blip>
+          <a:stretch>
+            <a:fillRect/>
+          </a:stretch>
+        </p:blipFill>
+        <p:spPr>
+          <a:xfrm>
+            <a:off x="2495600" y="775174"/>
+            <a:ext cx="2509790" cy="5301208"/>
+          </a:xfrm>
+          <a:prstGeom prst="rect">
+            <a:avLst/>
+          </a:prstGeom>
+        </p:spPr>
+      </p:pic>
+    </p:spTree>
+    <p:extLst>
+      <p:ext uri="{BB962C8B-B14F-4D97-AF65-F5344CB8AC3E}">
+        <p14:creationId xmlns:p14="http://schemas.microsoft.com/office/powerpoint/2010/main" val="2923857036"/>
+      </p:ext>
+    </p:extLst>
+  </p:cSld>
+  <p:clrMapOvr>
+    <a:masterClrMapping/>
+  </p:clrMapOvr>
+  <mc:AlternateContent xmlns:mc="http://schemas.openxmlformats.org/markup-compatibility/2006">
+    <mc:Choice xmlns:p14="http://schemas.microsoft.com/office/powerpoint/2010/main" Requires="p14">
+      <p:transition spd="med" p14:dur="700">
+        <p:fade/>
+      </p:transition>
+    </mc:Choice>
+    <mc:Fallback>
+      <p:transition spd="med">
+        <p:fade/>
+      </p:transition>
+    </mc:Fallback>
+  </mc:AlternateContent>
+</p:sld>
+</file>
+
+<file path=ppt/slides/slide24.xml><?xml version="1.0" encoding="utf-8"?>
+<p:sld xmlns:a="http://schemas.openxmlformats.org/drawingml/2006/main" xmlns:r="http://schemas.openxmlformats.org/officeDocument/2006/relationships" xmlns:p="http://schemas.openxmlformats.org/presentationml/2006/main">
+  <p:cSld>
+    <p:spTree>
+      <p:nvGrpSpPr>
+        <p:cNvPr id="1" name=""/>
+        <p:cNvGrpSpPr/>
+        <p:nvPr/>
+      </p:nvGrpSpPr>
+      <p:grpSpPr>
+        <a:xfrm>
+          <a:off x="0" y="0"/>
+          <a:ext cx="0" cy="0"/>
+          <a:chOff x="0" y="0"/>
+          <a:chExt cx="0" cy="0"/>
+        </a:xfrm>
+      </p:grpSpPr>
+      <p:sp>
+        <p:nvSpPr>
+          <p:cNvPr id="2" name="Titolo 1"/>
+          <p:cNvSpPr>
+            <a:spLocks noGrp="1"/>
+          </p:cNvSpPr>
+          <p:nvPr>
+            <p:ph type="title"/>
+          </p:nvPr>
+        </p:nvSpPr>
+        <p:spPr>
+          <a:xfrm>
+            <a:off x="7924800" y="838200"/>
+            <a:ext cx="3657600" cy="2133600"/>
+          </a:xfrm>
+        </p:spPr>
+        <p:txBody>
+          <a:bodyPr rtlCol="0" anchor="b">
+            <a:normAutofit/>
+          </a:bodyPr>
+          <a:lstStyle/>
+          <a:p>
+            <a:pPr rtl="0"/>
+            <a:r>
+              <a:rPr lang="it-IT" dirty="0"/>
+              <a:t>Creazione lega</a:t>
+            </a:r>
+          </a:p>
+        </p:txBody>
+      </p:sp>
+      <p:sp>
+        <p:nvSpPr>
+          <p:cNvPr id="5" name="Segnaposto testo 4">
+            <a:extLst>
+              <a:ext uri="{FF2B5EF4-FFF2-40B4-BE49-F238E27FC236}">
+                <a16:creationId xmlns:a16="http://schemas.microsoft.com/office/drawing/2014/main" id="{A5663156-DFFA-43DB-9B24-AB308709A276}"/>
+              </a:ext>
+            </a:extLst>
+          </p:cNvPr>
+          <p:cNvSpPr>
+            <a:spLocks noGrp="1"/>
+          </p:cNvSpPr>
+          <p:nvPr>
+            <p:ph type="body" sz="half" idx="2"/>
+          </p:nvPr>
+        </p:nvSpPr>
+        <p:spPr/>
+        <p:txBody>
+          <a:bodyPr/>
+          <a:lstStyle/>
+          <a:p>
+            <a:r>
+              <a:rPr lang="it-IT" sz="2000" dirty="0"/>
+              <a:t>Il nome della lega è univoco</a:t>
+            </a:r>
+          </a:p>
+          <a:p>
+            <a:r>
+              <a:rPr lang="it-IT" sz="2000" dirty="0"/>
+              <a:t>Scegliere tra una location proposta oppure farsi localizzare</a:t>
+            </a:r>
+          </a:p>
+          <a:p>
+            <a:r>
+              <a:rPr lang="it-IT" sz="2000" dirty="0"/>
+              <a:t>Se è di tipo calendario il numero di partecipanti è pari</a:t>
+            </a:r>
+          </a:p>
+          <a:p>
+            <a:endParaRPr lang="it-IT" dirty="0"/>
+          </a:p>
+        </p:txBody>
+      </p:sp>
+      <p:sp>
+        <p:nvSpPr>
+          <p:cNvPr id="7" name="Segnaposto contenuto 2">
+            <a:extLst>
+              <a:ext uri="{FF2B5EF4-FFF2-40B4-BE49-F238E27FC236}">
+                <a16:creationId xmlns:a16="http://schemas.microsoft.com/office/drawing/2014/main" id="{46B552F3-FE44-4A18-83B1-16A46AE2E4EA}"/>
+              </a:ext>
+            </a:extLst>
+          </p:cNvPr>
+          <p:cNvSpPr txBox="1">
+            <a:spLocks/>
+          </p:cNvSpPr>
+          <p:nvPr/>
+        </p:nvSpPr>
+        <p:spPr>
+          <a:xfrm>
+            <a:off x="8077202" y="3276600"/>
+            <a:ext cx="3657600" cy="2895600"/>
+          </a:xfrm>
+          <a:prstGeom prst="rect">
+            <a:avLst/>
+          </a:prstGeom>
+        </p:spPr>
+        <p:txBody>
+          <a:bodyPr vert="horz" lIns="91440" tIns="45720" rIns="91440" bIns="45720" rtlCol="0">
+            <a:normAutofit/>
+          </a:bodyPr>
+          <a:lstStyle>
+            <a:lvl1pPr marL="0" indent="0" algn="l" defTabSz="914400" rtl="0" eaLnBrk="1" latinLnBrk="0" hangingPunct="1">
+              <a:lnSpc>
+                <a:spcPct val="90000"/>
+              </a:lnSpc>
+              <a:spcBef>
+                <a:spcPts val="1200"/>
+              </a:spcBef>
+              <a:buFont typeface="Arial" panose="020B0604020202020204" pitchFamily="34" charset="0"/>
+              <a:buNone/>
+              <a:defRPr sz="2400" kern="1200">
+                <a:solidFill>
+                  <a:schemeClr val="tx1"/>
+                </a:solidFill>
+                <a:latin typeface="+mn-lt"/>
+                <a:ea typeface="+mn-ea"/>
+                <a:cs typeface="+mn-cs"/>
+              </a:defRPr>
+            </a:lvl1pPr>
+            <a:lvl2pPr marL="457200" indent="0" algn="l" defTabSz="914400" rtl="0" eaLnBrk="1" latinLnBrk="0" hangingPunct="1">
+              <a:lnSpc>
+                <a:spcPct val="90000"/>
+              </a:lnSpc>
+              <a:spcBef>
+                <a:spcPts val="1200"/>
+              </a:spcBef>
+              <a:buFont typeface="Arial" panose="020B0604020202020204" pitchFamily="34" charset="0"/>
+              <a:buNone/>
+              <a:defRPr sz="1400" kern="1200">
+                <a:solidFill>
+                  <a:schemeClr val="tx1"/>
+                </a:solidFill>
+                <a:latin typeface="+mn-lt"/>
+                <a:ea typeface="+mn-ea"/>
+                <a:cs typeface="+mn-cs"/>
+              </a:defRPr>
+            </a:lvl2pPr>
+            <a:lvl3pPr marL="914400" indent="0" algn="l" defTabSz="914400" rtl="0" eaLnBrk="1" latinLnBrk="0" hangingPunct="1">
+              <a:lnSpc>
+                <a:spcPct val="90000"/>
+              </a:lnSpc>
+              <a:spcBef>
+                <a:spcPts val="600"/>
+              </a:spcBef>
+              <a:buFont typeface="Arial" panose="020B0604020202020204" pitchFamily="34" charset="0"/>
+              <a:buNone/>
+              <a:defRPr sz="1200" kern="1200">
+                <a:solidFill>
+                  <a:schemeClr val="tx1"/>
+                </a:solidFill>
+                <a:latin typeface="+mn-lt"/>
+                <a:ea typeface="+mn-ea"/>
+                <a:cs typeface="+mn-cs"/>
+              </a:defRPr>
+            </a:lvl3pPr>
+            <a:lvl4pPr marL="1371600" indent="0" algn="l" defTabSz="914400" rtl="0" eaLnBrk="1" latinLnBrk="0" hangingPunct="1">
+              <a:lnSpc>
+                <a:spcPct val="90000"/>
+              </a:lnSpc>
+              <a:spcBef>
+                <a:spcPts val="600"/>
+              </a:spcBef>
+              <a:buFont typeface="Arial" panose="020B0604020202020204" pitchFamily="34" charset="0"/>
+              <a:buNone/>
+              <a:defRPr sz="1000" kern="1200">
+                <a:solidFill>
+                  <a:schemeClr val="tx1"/>
+                </a:solidFill>
+                <a:latin typeface="+mn-lt"/>
+                <a:ea typeface="+mn-ea"/>
+                <a:cs typeface="+mn-cs"/>
+              </a:defRPr>
+            </a:lvl4pPr>
+            <a:lvl5pPr marL="1828800" indent="0" algn="l" defTabSz="914400" rtl="0" eaLnBrk="1" latinLnBrk="0" hangingPunct="1">
+              <a:lnSpc>
+                <a:spcPct val="90000"/>
+              </a:lnSpc>
+              <a:spcBef>
+                <a:spcPts val="600"/>
+              </a:spcBef>
+              <a:buFont typeface="Arial" panose="020B0604020202020204" pitchFamily="34" charset="0"/>
+              <a:buNone/>
+              <a:defRPr sz="1000" kern="1200">
+                <a:solidFill>
+                  <a:schemeClr val="tx1"/>
+                </a:solidFill>
+                <a:latin typeface="+mn-lt"/>
+                <a:ea typeface="+mn-ea"/>
+                <a:cs typeface="+mn-cs"/>
+              </a:defRPr>
+            </a:lvl5pPr>
+            <a:lvl6pPr marL="2286000" indent="0" algn="l" defTabSz="914400" rtl="0" eaLnBrk="1" latinLnBrk="0" hangingPunct="1">
+              <a:lnSpc>
+                <a:spcPct val="90000"/>
+              </a:lnSpc>
+              <a:spcBef>
+                <a:spcPts val="600"/>
+              </a:spcBef>
+              <a:buFont typeface="Arial" panose="020B0604020202020204" pitchFamily="34" charset="0"/>
+              <a:buNone/>
+              <a:defRPr sz="1000" kern="1200">
+                <a:solidFill>
+                  <a:schemeClr val="tx1"/>
+                </a:solidFill>
+                <a:latin typeface="+mn-lt"/>
+                <a:ea typeface="+mn-ea"/>
+                <a:cs typeface="+mn-cs"/>
+              </a:defRPr>
+            </a:lvl6pPr>
+            <a:lvl7pPr marL="2743200" indent="0" algn="l" defTabSz="914400" rtl="0" eaLnBrk="1" latinLnBrk="0" hangingPunct="1">
+              <a:lnSpc>
+                <a:spcPct val="90000"/>
+              </a:lnSpc>
+              <a:spcBef>
+                <a:spcPts val="600"/>
+              </a:spcBef>
+              <a:buFont typeface="Arial" panose="020B0604020202020204" pitchFamily="34" charset="0"/>
+              <a:buNone/>
+              <a:defRPr sz="1000" kern="1200">
+                <a:solidFill>
+                  <a:schemeClr val="tx1"/>
+                </a:solidFill>
+                <a:latin typeface="+mn-lt"/>
+                <a:ea typeface="+mn-ea"/>
+                <a:cs typeface="+mn-cs"/>
+              </a:defRPr>
+            </a:lvl7pPr>
+            <a:lvl8pPr marL="3200400" indent="0" algn="l" defTabSz="914400" rtl="0" eaLnBrk="1" latinLnBrk="0" hangingPunct="1">
+              <a:lnSpc>
+                <a:spcPct val="90000"/>
+              </a:lnSpc>
+              <a:spcBef>
+                <a:spcPts val="600"/>
+              </a:spcBef>
+              <a:buFont typeface="Arial" panose="020B0604020202020204" pitchFamily="34" charset="0"/>
+              <a:buNone/>
+              <a:defRPr sz="1000" kern="1200">
+                <a:solidFill>
+                  <a:schemeClr val="tx1"/>
+                </a:solidFill>
+                <a:latin typeface="+mn-lt"/>
+                <a:ea typeface="+mn-ea"/>
+                <a:cs typeface="+mn-cs"/>
+              </a:defRPr>
+            </a:lvl8pPr>
+            <a:lvl9pPr marL="3657600" indent="0" algn="l" defTabSz="914400" rtl="0" eaLnBrk="1" latinLnBrk="0" hangingPunct="1">
+              <a:lnSpc>
+                <a:spcPct val="90000"/>
+              </a:lnSpc>
+              <a:spcBef>
+                <a:spcPts val="600"/>
+              </a:spcBef>
+              <a:buFont typeface="Arial" panose="020B0604020202020204" pitchFamily="34" charset="0"/>
+              <a:buNone/>
+              <a:defRPr sz="1000" kern="1200">
+                <a:solidFill>
+                  <a:schemeClr val="tx1"/>
+                </a:solidFill>
+                <a:latin typeface="+mn-lt"/>
+                <a:ea typeface="+mn-ea"/>
+                <a:cs typeface="+mn-cs"/>
+              </a:defRPr>
+            </a:lvl9pPr>
+          </a:lstStyle>
+          <a:p>
+            <a:endParaRPr lang="it-IT" sz="2000" dirty="0"/>
+          </a:p>
+        </p:txBody>
+      </p:sp>
+      <p:pic>
+        <p:nvPicPr>
+          <p:cNvPr id="8" name="Immagine 7" descr="Immagine che contiene testo&#10;&#10;Descrizione generata automaticamente">
+            <a:extLst>
+              <a:ext uri="{FF2B5EF4-FFF2-40B4-BE49-F238E27FC236}">
+                <a16:creationId xmlns:a16="http://schemas.microsoft.com/office/drawing/2014/main" id="{F2067509-6CA1-42AF-8795-5449560CAACE}"/>
+              </a:ext>
+            </a:extLst>
+          </p:cNvPr>
+          <p:cNvPicPr>
+            <a:picLocks noChangeAspect="1"/>
+          </p:cNvPicPr>
+          <p:nvPr/>
+        </p:nvPicPr>
+        <p:blipFill>
+          <a:blip r:embed="rId3" cstate="print">
+            <a:extLst>
+              <a:ext uri="{28A0092B-C50C-407E-A947-70E740481C1C}">
+                <a14:useLocalDpi xmlns:a14="http://schemas.microsoft.com/office/drawing/2010/main" val="0"/>
+              </a:ext>
+            </a:extLst>
+          </a:blip>
+          <a:stretch>
+            <a:fillRect/>
+          </a:stretch>
+        </p:blipFill>
+        <p:spPr>
+          <a:xfrm>
+            <a:off x="2495600" y="778396"/>
+            <a:ext cx="2509790" cy="5301208"/>
+          </a:xfrm>
+          <a:prstGeom prst="rect">
+            <a:avLst/>
+          </a:prstGeom>
+        </p:spPr>
+      </p:pic>
+    </p:spTree>
+    <p:extLst>
+      <p:ext uri="{BB962C8B-B14F-4D97-AF65-F5344CB8AC3E}">
+        <p14:creationId xmlns:p14="http://schemas.microsoft.com/office/powerpoint/2010/main" val="992578940"/>
+      </p:ext>
+    </p:extLst>
+  </p:cSld>
+  <p:clrMapOvr>
+    <a:masterClrMapping/>
+  </p:clrMapOvr>
+  <mc:AlternateContent xmlns:mc="http://schemas.openxmlformats.org/markup-compatibility/2006">
+    <mc:Choice xmlns:p14="http://schemas.microsoft.com/office/powerpoint/2010/main" Requires="p14">
+      <p:transition spd="med" p14:dur="700">
+        <p:fade/>
+      </p:transition>
+    </mc:Choice>
+    <mc:Fallback>
+      <p:transition spd="med">
+        <p:fade/>
+      </p:transition>
+    </mc:Fallback>
+  </mc:AlternateContent>
+</p:sld>
+</file>
+
+<file path=ppt/slides/slide25.xml><?xml version="1.0" encoding="utf-8"?>
+<p:sld xmlns:a="http://schemas.openxmlformats.org/drawingml/2006/main" xmlns:r="http://schemas.openxmlformats.org/officeDocument/2006/relationships" xmlns:p="http://schemas.openxmlformats.org/presentationml/2006/main">
+  <p:cSld>
+    <p:spTree>
+      <p:nvGrpSpPr>
+        <p:cNvPr id="1" name=""/>
+        <p:cNvGrpSpPr/>
+        <p:nvPr/>
+      </p:nvGrpSpPr>
+      <p:grpSpPr>
+        <a:xfrm>
+          <a:off x="0" y="0"/>
+          <a:ext cx="0" cy="0"/>
+          <a:chOff x="0" y="0"/>
+          <a:chExt cx="0" cy="0"/>
+        </a:xfrm>
+      </p:grpSpPr>
+      <p:sp>
+        <p:nvSpPr>
+          <p:cNvPr id="4" name="Titolo 3">
+            <a:extLst>
+              <a:ext uri="{FF2B5EF4-FFF2-40B4-BE49-F238E27FC236}">
+                <a16:creationId xmlns:a16="http://schemas.microsoft.com/office/drawing/2014/main" id="{A0F17DE4-46E5-4962-89DE-433E8B99C63F}"/>
+              </a:ext>
+            </a:extLst>
+          </p:cNvPr>
+          <p:cNvSpPr>
+            <a:spLocks noGrp="1"/>
+          </p:cNvSpPr>
+          <p:nvPr>
+            <p:ph type="title"/>
+          </p:nvPr>
+        </p:nvSpPr>
+        <p:spPr/>
+        <p:txBody>
+          <a:bodyPr/>
+          <a:lstStyle/>
+          <a:p>
+            <a:r>
+              <a:rPr lang="it-IT" dirty="0"/>
+              <a:t>Attività Impostazioni</a:t>
+            </a:r>
+          </a:p>
+        </p:txBody>
+      </p:sp>
+      <p:sp>
+        <p:nvSpPr>
+          <p:cNvPr id="5" name="Segnaposto testo 4">
+            <a:extLst>
+              <a:ext uri="{FF2B5EF4-FFF2-40B4-BE49-F238E27FC236}">
+                <a16:creationId xmlns:a16="http://schemas.microsoft.com/office/drawing/2014/main" id="{69A271C2-806B-4B85-B009-29C59284EF48}"/>
+              </a:ext>
+            </a:extLst>
+          </p:cNvPr>
+          <p:cNvSpPr>
+            <a:spLocks noGrp="1"/>
+          </p:cNvSpPr>
+          <p:nvPr>
+            <p:ph type="body" idx="1"/>
+          </p:nvPr>
+        </p:nvSpPr>
+        <p:spPr/>
+        <p:txBody>
+          <a:bodyPr/>
+          <a:lstStyle/>
+          <a:p>
+            <a:endParaRPr lang="it-IT"/>
+          </a:p>
+        </p:txBody>
+      </p:sp>
+    </p:spTree>
+    <p:extLst>
+      <p:ext uri="{BB962C8B-B14F-4D97-AF65-F5344CB8AC3E}">
+        <p14:creationId xmlns:p14="http://schemas.microsoft.com/office/powerpoint/2010/main" val="735411771"/>
+      </p:ext>
+    </p:extLst>
+  </p:cSld>
+  <p:clrMapOvr>
+    <a:masterClrMapping/>
+  </p:clrMapOvr>
+  <mc:AlternateContent xmlns:mc="http://schemas.openxmlformats.org/markup-compatibility/2006" xmlns:p14="http://schemas.microsoft.com/office/powerpoint/2010/main">
+    <mc:Choice Requires="p14">
+      <p:transition spd="med" p14:dur="700">
+        <p:fade/>
+      </p:transition>
+    </mc:Choice>
+    <mc:Fallback xmlns="">
+      <p:transition spd="med">
+        <p:fade/>
+      </p:transition>
+    </mc:Fallback>
+  </mc:AlternateContent>
+</p:sld>
+</file>
+
+<file path=ppt/slides/slide26.xml><?xml version="1.0" encoding="utf-8"?>
+<p:sld xmlns:a="http://schemas.openxmlformats.org/drawingml/2006/main" xmlns:r="http://schemas.openxmlformats.org/officeDocument/2006/relationships" xmlns:p="http://schemas.openxmlformats.org/presentationml/2006/main">
+  <p:cSld>
+    <p:spTree>
+      <p:nvGrpSpPr>
+        <p:cNvPr id="1" name=""/>
+        <p:cNvGrpSpPr/>
+        <p:nvPr/>
+      </p:nvGrpSpPr>
+      <p:grpSpPr>
+        <a:xfrm>
+          <a:off x="0" y="0"/>
+          <a:ext cx="0" cy="0"/>
+          <a:chOff x="0" y="0"/>
+          <a:chExt cx="0" cy="0"/>
+        </a:xfrm>
+      </p:grpSpPr>
+      <p:sp>
+        <p:nvSpPr>
+          <p:cNvPr id="2" name="Titolo 1"/>
+          <p:cNvSpPr>
+            <a:spLocks noGrp="1"/>
+          </p:cNvSpPr>
+          <p:nvPr>
+            <p:ph type="title"/>
+          </p:nvPr>
+        </p:nvSpPr>
+        <p:spPr>
+          <a:xfrm>
+            <a:off x="7924800" y="838200"/>
+            <a:ext cx="3657600" cy="2133600"/>
+          </a:xfrm>
+        </p:spPr>
+        <p:txBody>
+          <a:bodyPr rtlCol="0" anchor="b">
+            <a:normAutofit/>
+          </a:bodyPr>
+          <a:lstStyle/>
+          <a:p>
+            <a:pPr rtl="0"/>
+            <a:r>
+              <a:rPr lang="it-IT" dirty="0"/>
+              <a:t>Impostazioni</a:t>
+            </a:r>
+          </a:p>
+        </p:txBody>
+      </p:sp>
+      <p:sp>
+        <p:nvSpPr>
+          <p:cNvPr id="5" name="Segnaposto testo 4">
+            <a:extLst>
+              <a:ext uri="{FF2B5EF4-FFF2-40B4-BE49-F238E27FC236}">
+                <a16:creationId xmlns:a16="http://schemas.microsoft.com/office/drawing/2014/main" id="{A5663156-DFFA-43DB-9B24-AB308709A276}"/>
+              </a:ext>
+            </a:extLst>
+          </p:cNvPr>
+          <p:cNvSpPr>
+            <a:spLocks noGrp="1"/>
+          </p:cNvSpPr>
+          <p:nvPr>
+            <p:ph type="body" sz="half" idx="2"/>
+          </p:nvPr>
+        </p:nvSpPr>
+        <p:spPr/>
+        <p:txBody>
+          <a:bodyPr>
+            <a:normAutofit/>
+          </a:bodyPr>
+          <a:lstStyle/>
+          <a:p>
+            <a:r>
+              <a:rPr lang="it-IT" sz="2000" dirty="0"/>
+              <a:t>Scegliere il tema da applicare</a:t>
+            </a:r>
+          </a:p>
+          <a:p>
+            <a:pPr>
+              <a:spcBef>
+                <a:spcPts val="600"/>
+              </a:spcBef>
+            </a:pPr>
+            <a:r>
+              <a:rPr lang="it-IT" sz="2000" dirty="0"/>
+              <a:t>	</a:t>
+            </a:r>
+            <a:r>
+              <a:rPr lang="it-IT" sz="1400" dirty="0"/>
+              <a:t>dark mode in questa slide</a:t>
+            </a:r>
+            <a:endParaRPr lang="it-IT" sz="2000" dirty="0"/>
+          </a:p>
+          <a:p>
+            <a:endParaRPr lang="it-IT" dirty="0"/>
+          </a:p>
+        </p:txBody>
+      </p:sp>
+      <p:sp>
+        <p:nvSpPr>
+          <p:cNvPr id="7" name="Segnaposto contenuto 2">
+            <a:extLst>
+              <a:ext uri="{FF2B5EF4-FFF2-40B4-BE49-F238E27FC236}">
+                <a16:creationId xmlns:a16="http://schemas.microsoft.com/office/drawing/2014/main" id="{46B552F3-FE44-4A18-83B1-16A46AE2E4EA}"/>
+              </a:ext>
+            </a:extLst>
+          </p:cNvPr>
+          <p:cNvSpPr txBox="1">
+            <a:spLocks/>
+          </p:cNvSpPr>
+          <p:nvPr/>
+        </p:nvSpPr>
+        <p:spPr>
+          <a:xfrm>
+            <a:off x="8077202" y="3276600"/>
+            <a:ext cx="3657600" cy="2895600"/>
+          </a:xfrm>
+          <a:prstGeom prst="rect">
+            <a:avLst/>
+          </a:prstGeom>
+        </p:spPr>
+        <p:txBody>
+          <a:bodyPr vert="horz" lIns="91440" tIns="45720" rIns="91440" bIns="45720" rtlCol="0">
+            <a:normAutofit/>
+          </a:bodyPr>
+          <a:lstStyle>
+            <a:lvl1pPr marL="0" indent="0" algn="l" defTabSz="914400" rtl="0" eaLnBrk="1" latinLnBrk="0" hangingPunct="1">
+              <a:lnSpc>
+                <a:spcPct val="90000"/>
+              </a:lnSpc>
+              <a:spcBef>
+                <a:spcPts val="1200"/>
+              </a:spcBef>
+              <a:buFont typeface="Arial" panose="020B0604020202020204" pitchFamily="34" charset="0"/>
+              <a:buNone/>
+              <a:defRPr sz="2400" kern="1200">
+                <a:solidFill>
+                  <a:schemeClr val="tx1"/>
+                </a:solidFill>
+                <a:latin typeface="+mn-lt"/>
+                <a:ea typeface="+mn-ea"/>
+                <a:cs typeface="+mn-cs"/>
+              </a:defRPr>
+            </a:lvl1pPr>
+            <a:lvl2pPr marL="457200" indent="0" algn="l" defTabSz="914400" rtl="0" eaLnBrk="1" latinLnBrk="0" hangingPunct="1">
+              <a:lnSpc>
+                <a:spcPct val="90000"/>
+              </a:lnSpc>
+              <a:spcBef>
+                <a:spcPts val="1200"/>
+              </a:spcBef>
+              <a:buFont typeface="Arial" panose="020B0604020202020204" pitchFamily="34" charset="0"/>
+              <a:buNone/>
+              <a:defRPr sz="1400" kern="1200">
+                <a:solidFill>
+                  <a:schemeClr val="tx1"/>
+                </a:solidFill>
+                <a:latin typeface="+mn-lt"/>
+                <a:ea typeface="+mn-ea"/>
+                <a:cs typeface="+mn-cs"/>
+              </a:defRPr>
+            </a:lvl2pPr>
+            <a:lvl3pPr marL="914400" indent="0" algn="l" defTabSz="914400" rtl="0" eaLnBrk="1" latinLnBrk="0" hangingPunct="1">
+              <a:lnSpc>
+                <a:spcPct val="90000"/>
+              </a:lnSpc>
+              <a:spcBef>
+                <a:spcPts val="600"/>
+              </a:spcBef>
+              <a:buFont typeface="Arial" panose="020B0604020202020204" pitchFamily="34" charset="0"/>
+              <a:buNone/>
+              <a:defRPr sz="1200" kern="1200">
+                <a:solidFill>
+                  <a:schemeClr val="tx1"/>
+                </a:solidFill>
+                <a:latin typeface="+mn-lt"/>
+                <a:ea typeface="+mn-ea"/>
+                <a:cs typeface="+mn-cs"/>
+              </a:defRPr>
+            </a:lvl3pPr>
+            <a:lvl4pPr marL="1371600" indent="0" algn="l" defTabSz="914400" rtl="0" eaLnBrk="1" latinLnBrk="0" hangingPunct="1">
+              <a:lnSpc>
+                <a:spcPct val="90000"/>
+              </a:lnSpc>
+              <a:spcBef>
+                <a:spcPts val="600"/>
+              </a:spcBef>
+              <a:buFont typeface="Arial" panose="020B0604020202020204" pitchFamily="34" charset="0"/>
+              <a:buNone/>
+              <a:defRPr sz="1000" kern="1200">
+                <a:solidFill>
+                  <a:schemeClr val="tx1"/>
+                </a:solidFill>
+                <a:latin typeface="+mn-lt"/>
+                <a:ea typeface="+mn-ea"/>
+                <a:cs typeface="+mn-cs"/>
+              </a:defRPr>
+            </a:lvl4pPr>
+            <a:lvl5pPr marL="1828800" indent="0" algn="l" defTabSz="914400" rtl="0" eaLnBrk="1" latinLnBrk="0" hangingPunct="1">
+              <a:lnSpc>
+                <a:spcPct val="90000"/>
+              </a:lnSpc>
+              <a:spcBef>
+                <a:spcPts val="600"/>
+              </a:spcBef>
+              <a:buFont typeface="Arial" panose="020B0604020202020204" pitchFamily="34" charset="0"/>
+              <a:buNone/>
+              <a:defRPr sz="1000" kern="1200">
+                <a:solidFill>
+                  <a:schemeClr val="tx1"/>
+                </a:solidFill>
+                <a:latin typeface="+mn-lt"/>
+                <a:ea typeface="+mn-ea"/>
+                <a:cs typeface="+mn-cs"/>
+              </a:defRPr>
+            </a:lvl5pPr>
+            <a:lvl6pPr marL="2286000" indent="0" algn="l" defTabSz="914400" rtl="0" eaLnBrk="1" latinLnBrk="0" hangingPunct="1">
+              <a:lnSpc>
+                <a:spcPct val="90000"/>
+              </a:lnSpc>
+              <a:spcBef>
+                <a:spcPts val="600"/>
+              </a:spcBef>
+              <a:buFont typeface="Arial" panose="020B0604020202020204" pitchFamily="34" charset="0"/>
+              <a:buNone/>
+              <a:defRPr sz="1000" kern="1200">
+                <a:solidFill>
+                  <a:schemeClr val="tx1"/>
+                </a:solidFill>
+                <a:latin typeface="+mn-lt"/>
+                <a:ea typeface="+mn-ea"/>
+                <a:cs typeface="+mn-cs"/>
+              </a:defRPr>
+            </a:lvl6pPr>
+            <a:lvl7pPr marL="2743200" indent="0" algn="l" defTabSz="914400" rtl="0" eaLnBrk="1" latinLnBrk="0" hangingPunct="1">
+              <a:lnSpc>
+                <a:spcPct val="90000"/>
+              </a:lnSpc>
+              <a:spcBef>
+                <a:spcPts val="600"/>
+              </a:spcBef>
+              <a:buFont typeface="Arial" panose="020B0604020202020204" pitchFamily="34" charset="0"/>
+              <a:buNone/>
+              <a:defRPr sz="1000" kern="1200">
+                <a:solidFill>
+                  <a:schemeClr val="tx1"/>
+                </a:solidFill>
+                <a:latin typeface="+mn-lt"/>
+                <a:ea typeface="+mn-ea"/>
+                <a:cs typeface="+mn-cs"/>
+              </a:defRPr>
+            </a:lvl7pPr>
+            <a:lvl8pPr marL="3200400" indent="0" algn="l" defTabSz="914400" rtl="0" eaLnBrk="1" latinLnBrk="0" hangingPunct="1">
+              <a:lnSpc>
+                <a:spcPct val="90000"/>
+              </a:lnSpc>
+              <a:spcBef>
+                <a:spcPts val="600"/>
+              </a:spcBef>
+              <a:buFont typeface="Arial" panose="020B0604020202020204" pitchFamily="34" charset="0"/>
+              <a:buNone/>
+              <a:defRPr sz="1000" kern="1200">
+                <a:solidFill>
+                  <a:schemeClr val="tx1"/>
+                </a:solidFill>
+                <a:latin typeface="+mn-lt"/>
+                <a:ea typeface="+mn-ea"/>
+                <a:cs typeface="+mn-cs"/>
+              </a:defRPr>
+            </a:lvl8pPr>
+            <a:lvl9pPr marL="3657600" indent="0" algn="l" defTabSz="914400" rtl="0" eaLnBrk="1" latinLnBrk="0" hangingPunct="1">
+              <a:lnSpc>
+                <a:spcPct val="90000"/>
+              </a:lnSpc>
+              <a:spcBef>
+                <a:spcPts val="600"/>
+              </a:spcBef>
+              <a:buFont typeface="Arial" panose="020B0604020202020204" pitchFamily="34" charset="0"/>
+              <a:buNone/>
+              <a:defRPr sz="1000" kern="1200">
+                <a:solidFill>
+                  <a:schemeClr val="tx1"/>
+                </a:solidFill>
+                <a:latin typeface="+mn-lt"/>
+                <a:ea typeface="+mn-ea"/>
+                <a:cs typeface="+mn-cs"/>
+              </a:defRPr>
+            </a:lvl9pPr>
+          </a:lstStyle>
+          <a:p>
+            <a:endParaRPr lang="it-IT" sz="2000" dirty="0"/>
+          </a:p>
+        </p:txBody>
+      </p:sp>
+      <p:pic>
+        <p:nvPicPr>
+          <p:cNvPr id="6" name="Immagine 5">
+            <a:extLst>
+              <a:ext uri="{FF2B5EF4-FFF2-40B4-BE49-F238E27FC236}">
+                <a16:creationId xmlns:a16="http://schemas.microsoft.com/office/drawing/2014/main" id="{0F3B0711-630B-4D67-AC86-CB6EED7B818F}"/>
+              </a:ext>
+            </a:extLst>
+          </p:cNvPr>
+          <p:cNvPicPr>
+            <a:picLocks noChangeAspect="1"/>
+          </p:cNvPicPr>
+          <p:nvPr/>
+        </p:nvPicPr>
+        <p:blipFill>
+          <a:blip r:embed="rId3" cstate="print">
+            <a:extLst>
+              <a:ext uri="{28A0092B-C50C-407E-A947-70E740481C1C}">
+                <a14:useLocalDpi xmlns:a14="http://schemas.microsoft.com/office/drawing/2010/main" val="0"/>
+              </a:ext>
+            </a:extLst>
+          </a:blip>
+          <a:stretch>
+            <a:fillRect/>
+          </a:stretch>
+        </p:blipFill>
+        <p:spPr>
+          <a:xfrm>
+            <a:off x="1192775" y="778394"/>
+            <a:ext cx="2509790" cy="5301208"/>
+          </a:xfrm>
+          <a:prstGeom prst="rect">
+            <a:avLst/>
+          </a:prstGeom>
+        </p:spPr>
+      </p:pic>
+      <p:pic>
+        <p:nvPicPr>
+          <p:cNvPr id="9" name="Immagine 8">
+            <a:extLst>
+              <a:ext uri="{FF2B5EF4-FFF2-40B4-BE49-F238E27FC236}">
+                <a16:creationId xmlns:a16="http://schemas.microsoft.com/office/drawing/2014/main" id="{6D35A681-C325-40CE-8336-C4B8673DF6F0}"/>
+              </a:ext>
+            </a:extLst>
+          </p:cNvPr>
+          <p:cNvPicPr>
+            <a:picLocks noChangeAspect="1"/>
+          </p:cNvPicPr>
+          <p:nvPr/>
+        </p:nvPicPr>
+        <p:blipFill>
+          <a:blip r:embed="rId4" cstate="print">
+            <a:extLst>
+              <a:ext uri="{28A0092B-C50C-407E-A947-70E740481C1C}">
+                <a14:useLocalDpi xmlns:a14="http://schemas.microsoft.com/office/drawing/2010/main" val="0"/>
+              </a:ext>
+            </a:extLst>
+          </a:blip>
+          <a:stretch>
+            <a:fillRect/>
+          </a:stretch>
+        </p:blipFill>
+        <p:spPr>
+          <a:xfrm>
+            <a:off x="3864891" y="1428591"/>
+            <a:ext cx="2209450" cy="4666826"/>
+          </a:xfrm>
+          <a:prstGeom prst="rect">
+            <a:avLst/>
+          </a:prstGeom>
+        </p:spPr>
+      </p:pic>
+    </p:spTree>
+    <p:extLst>
+      <p:ext uri="{BB962C8B-B14F-4D97-AF65-F5344CB8AC3E}">
+        <p14:creationId xmlns:p14="http://schemas.microsoft.com/office/powerpoint/2010/main" val="4100607609"/>
+      </p:ext>
+    </p:extLst>
+  </p:cSld>
+  <p:clrMapOvr>
+    <a:masterClrMapping/>
+  </p:clrMapOvr>
+  <mc:AlternateContent xmlns:mc="http://schemas.openxmlformats.org/markup-compatibility/2006">
+    <mc:Choice xmlns:p14="http://schemas.microsoft.com/office/powerpoint/2010/main" Requires="p14">
+      <p:transition spd="med" p14:dur="700">
+        <p:fade/>
+      </p:transition>
+    </mc:Choice>
+    <mc:Fallback>
+      <p:transition spd="med">
+        <p:fade/>
+      </p:transition>
+    </mc:Fallback>
+  </mc:AlternateContent>
+</p:sld>
+</file>
+
+<file path=ppt/slides/slide27.xml><?xml version="1.0" encoding="utf-8"?>
+<p:sld xmlns:a="http://schemas.openxmlformats.org/drawingml/2006/main" xmlns:r="http://schemas.openxmlformats.org/officeDocument/2006/relationships" xmlns:p="http://schemas.openxmlformats.org/presentationml/2006/main">
+  <p:cSld>
+    <p:spTree>
+      <p:nvGrpSpPr>
+        <p:cNvPr id="1" name=""/>
+        <p:cNvGrpSpPr/>
+        <p:nvPr/>
+      </p:nvGrpSpPr>
+      <p:grpSpPr>
+        <a:xfrm>
+          <a:off x="0" y="0"/>
+          <a:ext cx="0" cy="0"/>
+          <a:chOff x="0" y="0"/>
+          <a:chExt cx="0" cy="0"/>
+        </a:xfrm>
+      </p:grpSpPr>
+      <p:sp>
+        <p:nvSpPr>
+          <p:cNvPr id="4" name="Titolo 3">
+            <a:extLst>
+              <a:ext uri="{FF2B5EF4-FFF2-40B4-BE49-F238E27FC236}">
+                <a16:creationId xmlns:a16="http://schemas.microsoft.com/office/drawing/2014/main" id="{A0F17DE4-46E5-4962-89DE-433E8B99C63F}"/>
+              </a:ext>
+            </a:extLst>
+          </p:cNvPr>
+          <p:cNvSpPr>
+            <a:spLocks noGrp="1"/>
+          </p:cNvSpPr>
+          <p:nvPr>
+            <p:ph type="title"/>
+          </p:nvPr>
+        </p:nvSpPr>
+        <p:spPr/>
+        <p:txBody>
+          <a:bodyPr/>
+          <a:lstStyle/>
+          <a:p>
+            <a:r>
+              <a:rPr lang="it-IT" dirty="0"/>
+              <a:t>Attività No connection</a:t>
+            </a:r>
+          </a:p>
+        </p:txBody>
+      </p:sp>
+      <p:sp>
+        <p:nvSpPr>
+          <p:cNvPr id="5" name="Segnaposto testo 4">
+            <a:extLst>
+              <a:ext uri="{FF2B5EF4-FFF2-40B4-BE49-F238E27FC236}">
+                <a16:creationId xmlns:a16="http://schemas.microsoft.com/office/drawing/2014/main" id="{69A271C2-806B-4B85-B009-29C59284EF48}"/>
+              </a:ext>
+            </a:extLst>
+          </p:cNvPr>
+          <p:cNvSpPr>
+            <a:spLocks noGrp="1"/>
+          </p:cNvSpPr>
+          <p:nvPr>
+            <p:ph type="body" idx="1"/>
+          </p:nvPr>
+        </p:nvSpPr>
+        <p:spPr/>
+        <p:txBody>
+          <a:bodyPr/>
+          <a:lstStyle/>
+          <a:p>
+            <a:endParaRPr lang="it-IT"/>
+          </a:p>
+        </p:txBody>
+      </p:sp>
+    </p:spTree>
+    <p:extLst>
+      <p:ext uri="{BB962C8B-B14F-4D97-AF65-F5344CB8AC3E}">
+        <p14:creationId xmlns:p14="http://schemas.microsoft.com/office/powerpoint/2010/main" val="4165826000"/>
+      </p:ext>
+    </p:extLst>
+  </p:cSld>
+  <p:clrMapOvr>
+    <a:masterClrMapping/>
+  </p:clrMapOvr>
+  <mc:AlternateContent xmlns:mc="http://schemas.openxmlformats.org/markup-compatibility/2006" xmlns:p14="http://schemas.microsoft.com/office/powerpoint/2010/main">
+    <mc:Choice Requires="p14">
+      <p:transition spd="med" p14:dur="700">
+        <p:fade/>
+      </p:transition>
+    </mc:Choice>
+    <mc:Fallback xmlns="">
+      <p:transition spd="med">
+        <p:fade/>
+      </p:transition>
+    </mc:Fallback>
+  </mc:AlternateContent>
+</p:sld>
+</file>
+
+<file path=ppt/slides/slide28.xml><?xml version="1.0" encoding="utf-8"?>
+<p:sld xmlns:a="http://schemas.openxmlformats.org/drawingml/2006/main" xmlns:r="http://schemas.openxmlformats.org/officeDocument/2006/relationships" xmlns:p="http://schemas.openxmlformats.org/presentationml/2006/main">
+  <p:cSld>
+    <p:spTree>
+      <p:nvGrpSpPr>
+        <p:cNvPr id="1" name=""/>
+        <p:cNvGrpSpPr/>
+        <p:nvPr/>
+      </p:nvGrpSpPr>
+      <p:grpSpPr>
+        <a:xfrm>
+          <a:off x="0" y="0"/>
+          <a:ext cx="0" cy="0"/>
+          <a:chOff x="0" y="0"/>
+          <a:chExt cx="0" cy="0"/>
+        </a:xfrm>
+      </p:grpSpPr>
+      <p:sp>
+        <p:nvSpPr>
+          <p:cNvPr id="2" name="Titolo 1"/>
+          <p:cNvSpPr>
+            <a:spLocks noGrp="1"/>
+          </p:cNvSpPr>
+          <p:nvPr>
+            <p:ph type="title"/>
+          </p:nvPr>
+        </p:nvSpPr>
+        <p:spPr>
+          <a:xfrm>
+            <a:off x="7924800" y="838200"/>
+            <a:ext cx="3657600" cy="2133600"/>
+          </a:xfrm>
+        </p:spPr>
+        <p:txBody>
+          <a:bodyPr rtlCol="0" anchor="b">
+            <a:normAutofit/>
+          </a:bodyPr>
+          <a:lstStyle/>
+          <a:p>
+            <a:pPr rtl="0"/>
+            <a:r>
+              <a:rPr lang="it-IT" dirty="0"/>
+              <a:t>No connection</a:t>
+            </a:r>
+          </a:p>
+        </p:txBody>
+      </p:sp>
+      <p:sp>
+        <p:nvSpPr>
+          <p:cNvPr id="5" name="Segnaposto testo 4">
+            <a:extLst>
+              <a:ext uri="{FF2B5EF4-FFF2-40B4-BE49-F238E27FC236}">
+                <a16:creationId xmlns:a16="http://schemas.microsoft.com/office/drawing/2014/main" id="{A5663156-DFFA-43DB-9B24-AB308709A276}"/>
+              </a:ext>
+            </a:extLst>
+          </p:cNvPr>
+          <p:cNvSpPr>
+            <a:spLocks noGrp="1"/>
+          </p:cNvSpPr>
+          <p:nvPr>
+            <p:ph type="body" sz="half" idx="2"/>
+          </p:nvPr>
+        </p:nvSpPr>
+        <p:spPr/>
+        <p:txBody>
+          <a:bodyPr>
+            <a:normAutofit fontScale="92500" lnSpcReduction="20000"/>
+          </a:bodyPr>
+          <a:lstStyle/>
+          <a:p>
+            <a:r>
+              <a:rPr lang="it-IT" sz="2000" dirty="0"/>
+              <a:t>Per vari motivi si è preferito evitare che l’utente possa utilizzare l’applicazione senza connessione</a:t>
+            </a:r>
+          </a:p>
+          <a:p>
+            <a:r>
+              <a:rPr lang="it-IT" sz="2000" dirty="0"/>
+              <a:t>Ogni qualvolta si perda la connessione si passerà a questa schermata</a:t>
+            </a:r>
+          </a:p>
+          <a:p>
+            <a:r>
+              <a:rPr lang="it-IT" sz="2000" dirty="0"/>
+              <a:t>Una volta ristabilita la connessione si dovrà premere su </a:t>
+            </a:r>
+            <a:r>
+              <a:rPr lang="it-IT" sz="2000" dirty="0" err="1"/>
+              <a:t>reload</a:t>
+            </a:r>
+            <a:r>
+              <a:rPr lang="it-IT" sz="2000" dirty="0"/>
+              <a:t> per tornare alla schermata in cui si stava lavorando</a:t>
+            </a:r>
+          </a:p>
+          <a:p>
+            <a:endParaRPr lang="it-IT" dirty="0"/>
+          </a:p>
+        </p:txBody>
+      </p:sp>
+      <p:sp>
+        <p:nvSpPr>
+          <p:cNvPr id="7" name="Segnaposto contenuto 2">
+            <a:extLst>
+              <a:ext uri="{FF2B5EF4-FFF2-40B4-BE49-F238E27FC236}">
+                <a16:creationId xmlns:a16="http://schemas.microsoft.com/office/drawing/2014/main" id="{46B552F3-FE44-4A18-83B1-16A46AE2E4EA}"/>
+              </a:ext>
+            </a:extLst>
+          </p:cNvPr>
+          <p:cNvSpPr txBox="1">
+            <a:spLocks/>
+          </p:cNvSpPr>
+          <p:nvPr/>
+        </p:nvSpPr>
+        <p:spPr>
+          <a:xfrm>
+            <a:off x="8077202" y="3276600"/>
+            <a:ext cx="3657600" cy="2895600"/>
+          </a:xfrm>
+          <a:prstGeom prst="rect">
+            <a:avLst/>
+          </a:prstGeom>
+        </p:spPr>
+        <p:txBody>
+          <a:bodyPr vert="horz" lIns="91440" tIns="45720" rIns="91440" bIns="45720" rtlCol="0">
+            <a:normAutofit/>
+          </a:bodyPr>
+          <a:lstStyle>
+            <a:lvl1pPr marL="0" indent="0" algn="l" defTabSz="914400" rtl="0" eaLnBrk="1" latinLnBrk="0" hangingPunct="1">
+              <a:lnSpc>
+                <a:spcPct val="90000"/>
+              </a:lnSpc>
+              <a:spcBef>
+                <a:spcPts val="1200"/>
+              </a:spcBef>
+              <a:buFont typeface="Arial" panose="020B0604020202020204" pitchFamily="34" charset="0"/>
+              <a:buNone/>
+              <a:defRPr sz="2400" kern="1200">
+                <a:solidFill>
+                  <a:schemeClr val="tx1"/>
+                </a:solidFill>
+                <a:latin typeface="+mn-lt"/>
+                <a:ea typeface="+mn-ea"/>
+                <a:cs typeface="+mn-cs"/>
+              </a:defRPr>
+            </a:lvl1pPr>
+            <a:lvl2pPr marL="457200" indent="0" algn="l" defTabSz="914400" rtl="0" eaLnBrk="1" latinLnBrk="0" hangingPunct="1">
+              <a:lnSpc>
+                <a:spcPct val="90000"/>
+              </a:lnSpc>
+              <a:spcBef>
+                <a:spcPts val="1200"/>
+              </a:spcBef>
+              <a:buFont typeface="Arial" panose="020B0604020202020204" pitchFamily="34" charset="0"/>
+              <a:buNone/>
+              <a:defRPr sz="1400" kern="1200">
+                <a:solidFill>
+                  <a:schemeClr val="tx1"/>
+                </a:solidFill>
+                <a:latin typeface="+mn-lt"/>
+                <a:ea typeface="+mn-ea"/>
+                <a:cs typeface="+mn-cs"/>
+              </a:defRPr>
+            </a:lvl2pPr>
+            <a:lvl3pPr marL="914400" indent="0" algn="l" defTabSz="914400" rtl="0" eaLnBrk="1" latinLnBrk="0" hangingPunct="1">
+              <a:lnSpc>
+                <a:spcPct val="90000"/>
+              </a:lnSpc>
+              <a:spcBef>
+                <a:spcPts val="600"/>
+              </a:spcBef>
+              <a:buFont typeface="Arial" panose="020B0604020202020204" pitchFamily="34" charset="0"/>
+              <a:buNone/>
+              <a:defRPr sz="1200" kern="1200">
+                <a:solidFill>
+                  <a:schemeClr val="tx1"/>
+                </a:solidFill>
+                <a:latin typeface="+mn-lt"/>
+                <a:ea typeface="+mn-ea"/>
+                <a:cs typeface="+mn-cs"/>
+              </a:defRPr>
+            </a:lvl3pPr>
+            <a:lvl4pPr marL="1371600" indent="0" algn="l" defTabSz="914400" rtl="0" eaLnBrk="1" latinLnBrk="0" hangingPunct="1">
+              <a:lnSpc>
+                <a:spcPct val="90000"/>
+              </a:lnSpc>
+              <a:spcBef>
+                <a:spcPts val="600"/>
+              </a:spcBef>
+              <a:buFont typeface="Arial" panose="020B0604020202020204" pitchFamily="34" charset="0"/>
+              <a:buNone/>
+              <a:defRPr sz="1000" kern="1200">
+                <a:solidFill>
+                  <a:schemeClr val="tx1"/>
+                </a:solidFill>
+                <a:latin typeface="+mn-lt"/>
+                <a:ea typeface="+mn-ea"/>
+                <a:cs typeface="+mn-cs"/>
+              </a:defRPr>
+            </a:lvl4pPr>
+            <a:lvl5pPr marL="1828800" indent="0" algn="l" defTabSz="914400" rtl="0" eaLnBrk="1" latinLnBrk="0" hangingPunct="1">
+              <a:lnSpc>
+                <a:spcPct val="90000"/>
+              </a:lnSpc>
+              <a:spcBef>
+                <a:spcPts val="600"/>
+              </a:spcBef>
+              <a:buFont typeface="Arial" panose="020B0604020202020204" pitchFamily="34" charset="0"/>
+              <a:buNone/>
+              <a:defRPr sz="1000" kern="1200">
+                <a:solidFill>
+                  <a:schemeClr val="tx1"/>
+                </a:solidFill>
+                <a:latin typeface="+mn-lt"/>
+                <a:ea typeface="+mn-ea"/>
+                <a:cs typeface="+mn-cs"/>
+              </a:defRPr>
+            </a:lvl5pPr>
+            <a:lvl6pPr marL="2286000" indent="0" algn="l" defTabSz="914400" rtl="0" eaLnBrk="1" latinLnBrk="0" hangingPunct="1">
+              <a:lnSpc>
+                <a:spcPct val="90000"/>
+              </a:lnSpc>
+              <a:spcBef>
+                <a:spcPts val="600"/>
+              </a:spcBef>
+              <a:buFont typeface="Arial" panose="020B0604020202020204" pitchFamily="34" charset="0"/>
+              <a:buNone/>
+              <a:defRPr sz="1000" kern="1200">
+                <a:solidFill>
+                  <a:schemeClr val="tx1"/>
+                </a:solidFill>
+                <a:latin typeface="+mn-lt"/>
+                <a:ea typeface="+mn-ea"/>
+                <a:cs typeface="+mn-cs"/>
+              </a:defRPr>
+            </a:lvl6pPr>
+            <a:lvl7pPr marL="2743200" indent="0" algn="l" defTabSz="914400" rtl="0" eaLnBrk="1" latinLnBrk="0" hangingPunct="1">
+              <a:lnSpc>
+                <a:spcPct val="90000"/>
+              </a:lnSpc>
+              <a:spcBef>
+                <a:spcPts val="600"/>
+              </a:spcBef>
+              <a:buFont typeface="Arial" panose="020B0604020202020204" pitchFamily="34" charset="0"/>
+              <a:buNone/>
+              <a:defRPr sz="1000" kern="1200">
+                <a:solidFill>
+                  <a:schemeClr val="tx1"/>
+                </a:solidFill>
+                <a:latin typeface="+mn-lt"/>
+                <a:ea typeface="+mn-ea"/>
+                <a:cs typeface="+mn-cs"/>
+              </a:defRPr>
+            </a:lvl7pPr>
+            <a:lvl8pPr marL="3200400" indent="0" algn="l" defTabSz="914400" rtl="0" eaLnBrk="1" latinLnBrk="0" hangingPunct="1">
+              <a:lnSpc>
+                <a:spcPct val="90000"/>
+              </a:lnSpc>
+              <a:spcBef>
+                <a:spcPts val="600"/>
+              </a:spcBef>
+              <a:buFont typeface="Arial" panose="020B0604020202020204" pitchFamily="34" charset="0"/>
+              <a:buNone/>
+              <a:defRPr sz="1000" kern="1200">
+                <a:solidFill>
+                  <a:schemeClr val="tx1"/>
+                </a:solidFill>
+                <a:latin typeface="+mn-lt"/>
+                <a:ea typeface="+mn-ea"/>
+                <a:cs typeface="+mn-cs"/>
+              </a:defRPr>
+            </a:lvl8pPr>
+            <a:lvl9pPr marL="3657600" indent="0" algn="l" defTabSz="914400" rtl="0" eaLnBrk="1" latinLnBrk="0" hangingPunct="1">
+              <a:lnSpc>
+                <a:spcPct val="90000"/>
+              </a:lnSpc>
+              <a:spcBef>
+                <a:spcPts val="600"/>
+              </a:spcBef>
+              <a:buFont typeface="Arial" panose="020B0604020202020204" pitchFamily="34" charset="0"/>
+              <a:buNone/>
+              <a:defRPr sz="1000" kern="1200">
+                <a:solidFill>
+                  <a:schemeClr val="tx1"/>
+                </a:solidFill>
+                <a:latin typeface="+mn-lt"/>
+                <a:ea typeface="+mn-ea"/>
+                <a:cs typeface="+mn-cs"/>
+              </a:defRPr>
+            </a:lvl9pPr>
+          </a:lstStyle>
+          <a:p>
+            <a:endParaRPr lang="it-IT" sz="2000" dirty="0"/>
+          </a:p>
+        </p:txBody>
+      </p:sp>
+      <p:pic>
+        <p:nvPicPr>
+          <p:cNvPr id="8" name="Immagine 7" descr="Immagine che contiene testo, elettronico, screenshot&#10;&#10;Descrizione generata automaticamente">
+            <a:extLst>
+              <a:ext uri="{FF2B5EF4-FFF2-40B4-BE49-F238E27FC236}">
+                <a16:creationId xmlns:a16="http://schemas.microsoft.com/office/drawing/2014/main" id="{8E1299CA-B248-42BA-BBD4-AE1E252AADFD}"/>
+              </a:ext>
+            </a:extLst>
+          </p:cNvPr>
+          <p:cNvPicPr>
+            <a:picLocks noChangeAspect="1"/>
+          </p:cNvPicPr>
+          <p:nvPr/>
+        </p:nvPicPr>
+        <p:blipFill>
+          <a:blip r:embed="rId3">
+            <a:extLst>
+              <a:ext uri="{28A0092B-C50C-407E-A947-70E740481C1C}">
+                <a14:useLocalDpi xmlns:a14="http://schemas.microsoft.com/office/drawing/2010/main" val="0"/>
+              </a:ext>
+            </a:extLst>
+          </a:blip>
+          <a:stretch>
+            <a:fillRect/>
+          </a:stretch>
+        </p:blipFill>
+        <p:spPr>
+          <a:xfrm>
+            <a:off x="2495600" y="778396"/>
+            <a:ext cx="2548299" cy="5301208"/>
+          </a:xfrm>
+          <a:prstGeom prst="rect">
+            <a:avLst/>
+          </a:prstGeom>
+        </p:spPr>
+      </p:pic>
+    </p:spTree>
+    <p:extLst>
+      <p:ext uri="{BB962C8B-B14F-4D97-AF65-F5344CB8AC3E}">
+        <p14:creationId xmlns:p14="http://schemas.microsoft.com/office/powerpoint/2010/main" val="3257962285"/>
+      </p:ext>
+    </p:extLst>
+  </p:cSld>
+  <p:clrMapOvr>
+    <a:masterClrMapping/>
+  </p:clrMapOvr>
+  <mc:AlternateContent xmlns:mc="http://schemas.openxmlformats.org/markup-compatibility/2006">
+    <mc:Choice xmlns:p14="http://schemas.microsoft.com/office/powerpoint/2010/main" Requires="p14">
+      <p:transition spd="med" p14:dur="700">
+        <p:fade/>
+      </p:transition>
+    </mc:Choice>
+    <mc:Fallback>
+      <p:transition spd="med">
+        <p:fade/>
+      </p:transition>
+    </mc:Fallback>
+  </mc:AlternateContent>
+</p:sld>
+</file>
+
+<file path=ppt/slides/slide29.xml><?xml version="1.0" encoding="utf-8"?>
+<p:sld xmlns:a="http://schemas.openxmlformats.org/drawingml/2006/main" xmlns:r="http://schemas.openxmlformats.org/officeDocument/2006/relationships" xmlns:p="http://schemas.openxmlformats.org/presentationml/2006/main">
+  <p:cSld>
+    <p:spTree>
+      <p:nvGrpSpPr>
+        <p:cNvPr id="1" name=""/>
+        <p:cNvGrpSpPr/>
+        <p:nvPr/>
+      </p:nvGrpSpPr>
+      <p:grpSpPr>
+        <a:xfrm>
+          <a:off x="0" y="0"/>
+          <a:ext cx="0" cy="0"/>
+          <a:chOff x="0" y="0"/>
+          <a:chExt cx="0" cy="0"/>
+        </a:xfrm>
+      </p:grpSpPr>
+      <p:sp>
+        <p:nvSpPr>
+          <p:cNvPr id="4" name="Titolo 3">
+            <a:extLst>
+              <a:ext uri="{FF2B5EF4-FFF2-40B4-BE49-F238E27FC236}">
+                <a16:creationId xmlns:a16="http://schemas.microsoft.com/office/drawing/2014/main" id="{A0F17DE4-46E5-4962-89DE-433E8B99C63F}"/>
+              </a:ext>
+            </a:extLst>
+          </p:cNvPr>
+          <p:cNvSpPr>
+            <a:spLocks noGrp="1"/>
+          </p:cNvSpPr>
+          <p:nvPr>
+            <p:ph type="title"/>
+          </p:nvPr>
+        </p:nvSpPr>
+        <p:spPr/>
+        <p:txBody>
+          <a:bodyPr/>
+          <a:lstStyle/>
+          <a:p>
+            <a:r>
+              <a:rPr lang="it-IT" dirty="0"/>
+              <a:t>Altre informazioni</a:t>
+            </a:r>
+          </a:p>
+        </p:txBody>
+      </p:sp>
+      <p:sp>
+        <p:nvSpPr>
+          <p:cNvPr id="5" name="Segnaposto testo 4">
+            <a:extLst>
+              <a:ext uri="{FF2B5EF4-FFF2-40B4-BE49-F238E27FC236}">
+                <a16:creationId xmlns:a16="http://schemas.microsoft.com/office/drawing/2014/main" id="{69A271C2-806B-4B85-B009-29C59284EF48}"/>
+              </a:ext>
+            </a:extLst>
+          </p:cNvPr>
+          <p:cNvSpPr>
+            <a:spLocks noGrp="1"/>
+          </p:cNvSpPr>
+          <p:nvPr>
+            <p:ph type="body" idx="1"/>
+          </p:nvPr>
+        </p:nvSpPr>
+        <p:spPr/>
+        <p:txBody>
+          <a:bodyPr/>
+          <a:lstStyle/>
+          <a:p>
+            <a:endParaRPr lang="it-IT"/>
+          </a:p>
+        </p:txBody>
+      </p:sp>
+    </p:spTree>
+    <p:extLst>
+      <p:ext uri="{BB962C8B-B14F-4D97-AF65-F5344CB8AC3E}">
+        <p14:creationId xmlns:p14="http://schemas.microsoft.com/office/powerpoint/2010/main" val="283716545"/>
+      </p:ext>
+    </p:extLst>
+  </p:cSld>
+  <p:clrMapOvr>
+    <a:masterClrMapping/>
+  </p:clrMapOvr>
+  <mc:AlternateContent xmlns:mc="http://schemas.openxmlformats.org/markup-compatibility/2006" xmlns:p14="http://schemas.microsoft.com/office/powerpoint/2010/main">
+    <mc:Choice Requires="p14">
+      <p:transition spd="med" p14:dur="700">
+        <p:fade/>
+      </p:transition>
+    </mc:Choice>
+    <mc:Fallback xmlns="">
+      <p:transition spd="med">
+        <p:fade/>
+      </p:transition>
+    </mc:Fallback>
+  </mc:AlternateContent>
+</p:sld>
+</file>
+
+<file path=ppt/slides/slide3.xml><?xml version="1.0" encoding="utf-8"?>
+<p:sld xmlns:a="http://schemas.openxmlformats.org/drawingml/2006/main" xmlns:r="http://schemas.openxmlformats.org/officeDocument/2006/relationships" xmlns:p="http://schemas.openxmlformats.org/presentationml/2006/main">
+  <p:cSld>
+    <p:spTree>
+      <p:nvGrpSpPr>
+        <p:cNvPr id="1" name=""/>
+        <p:cNvGrpSpPr/>
+        <p:nvPr/>
+      </p:nvGrpSpPr>
+      <p:grpSpPr>
+        <a:xfrm>
+          <a:off x="0" y="0"/>
+          <a:ext cx="0" cy="0"/>
+          <a:chOff x="0" y="0"/>
+          <a:chExt cx="0" cy="0"/>
+        </a:xfrm>
+      </p:grpSpPr>
+      <p:sp>
+        <p:nvSpPr>
+          <p:cNvPr id="2" name="Titolo 1"/>
+          <p:cNvSpPr>
+            <a:spLocks noGrp="1"/>
+          </p:cNvSpPr>
+          <p:nvPr>
+            <p:ph type="title"/>
+          </p:nvPr>
+        </p:nvSpPr>
+        <p:spPr/>
+        <p:txBody>
+          <a:bodyPr rtlCol="0"/>
+          <a:lstStyle/>
+          <a:p>
+            <a:pPr rtl="0"/>
+            <a:r>
+              <a:rPr lang="it-IT" dirty="0"/>
+              <a:t>Cominciare a giocare</a:t>
+            </a:r>
+          </a:p>
+        </p:txBody>
+      </p:sp>
+      <p:sp>
+        <p:nvSpPr>
+          <p:cNvPr id="3" name="Segnaposto contenuto 2"/>
+          <p:cNvSpPr>
+            <a:spLocks noGrp="1"/>
+          </p:cNvSpPr>
+          <p:nvPr>
+            <p:ph idx="1"/>
+          </p:nvPr>
+        </p:nvSpPr>
+        <p:spPr/>
+        <p:txBody>
+          <a:bodyPr rtlCol="0"/>
+          <a:lstStyle/>
+          <a:p>
+            <a:pPr rtl="0"/>
+            <a:r>
+              <a:rPr lang="it-IT" dirty="0"/>
+              <a:t>Creare un profilo</a:t>
+            </a:r>
+          </a:p>
+          <a:p>
+            <a:pPr lvl="1"/>
+            <a:r>
+              <a:rPr lang="it-IT" dirty="0"/>
+              <a:t>Creazione squadra</a:t>
+            </a:r>
+          </a:p>
+          <a:p>
+            <a:pPr rtl="0"/>
+            <a:r>
+              <a:rPr lang="it-IT" dirty="0"/>
+              <a:t>Creare o unirsi ad una lega</a:t>
+            </a:r>
+          </a:p>
+          <a:p>
+            <a:pPr lvl="1"/>
+            <a:r>
+              <a:rPr lang="it-IT" dirty="0"/>
+              <a:t>Due tipologie di lega: a calendario o formula 1</a:t>
+            </a:r>
+          </a:p>
+          <a:p>
+            <a:pPr rtl="0"/>
+            <a:r>
+              <a:rPr lang="it-IT" dirty="0"/>
+              <a:t>Creare una propria formazione (per vincere la lega)</a:t>
+            </a:r>
+          </a:p>
+          <a:p>
+            <a:pPr lvl="1"/>
+            <a:r>
+              <a:rPr lang="it-IT" dirty="0"/>
+              <a:t>Formazione unica per tutte le competizioni</a:t>
+            </a:r>
+          </a:p>
+          <a:p>
+            <a:pPr lvl="1"/>
+            <a:r>
+              <a:rPr lang="it-IT" dirty="0"/>
+              <a:t>Può variare di giornata in giornata</a:t>
+            </a:r>
+          </a:p>
+          <a:p>
+            <a:pPr lvl="1"/>
+            <a:r>
+              <a:rPr lang="it-IT" dirty="0"/>
+              <a:t>Non si può modificare durante lo svolgimento della giornata</a:t>
+            </a:r>
+          </a:p>
+        </p:txBody>
+      </p:sp>
+    </p:spTree>
+    <p:extLst>
+      <p:ext uri="{BB962C8B-B14F-4D97-AF65-F5344CB8AC3E}">
+        <p14:creationId xmlns:p14="http://schemas.microsoft.com/office/powerpoint/2010/main" val="3533681801"/>
+      </p:ext>
+    </p:extLst>
+  </p:cSld>
+  <p:clrMapOvr>
+    <a:masterClrMapping/>
+  </p:clrMapOvr>
+  <mc:AlternateContent xmlns:mc="http://schemas.openxmlformats.org/markup-compatibility/2006" xmlns:p14="http://schemas.microsoft.com/office/powerpoint/2010/main">
+    <mc:Choice Requires="p14">
+      <p:transition spd="med" p14:dur="700">
+        <p:fade/>
+      </p:transition>
+    </mc:Choice>
+    <mc:Fallback xmlns="">
+      <p:transition spd="med">
+        <p:fade/>
+      </p:transition>
+    </mc:Fallback>
+  </mc:AlternateContent>
+</p:sld>
+</file>
+
+<file path=ppt/slides/slide30.xml><?xml version="1.0" encoding="utf-8"?>
 <p:sld xmlns:a="http://schemas.openxmlformats.org/drawingml/2006/main" xmlns:r="http://schemas.openxmlformats.org/officeDocument/2006/relationships" xmlns:p="http://schemas.openxmlformats.org/presentationml/2006/main">
   <p:cSld>
     <p:spTree>
@@ -6590,7 +10643,7 @@
 </p:sld>
 </file>
 
-<file path=ppt/slides/slide17.xml><?xml version="1.0" encoding="utf-8"?>
+<file path=ppt/slides/slide31.xml><?xml version="1.0" encoding="utf-8"?>
 <p:sld xmlns:a="http://schemas.openxmlformats.org/drawingml/2006/main" xmlns:r="http://schemas.openxmlformats.org/officeDocument/2006/relationships" xmlns:p="http://schemas.openxmlformats.org/presentationml/2006/main">
   <p:cSld>
     <p:spTree>
@@ -6784,7 +10837,7 @@
 </p:sld>
 </file>
 
-<file path=ppt/slides/slide18.xml><?xml version="1.0" encoding="utf-8"?>
+<file path=ppt/slides/slide32.xml><?xml version="1.0" encoding="utf-8"?>
 <p:sld xmlns:a="http://schemas.openxmlformats.org/drawingml/2006/main" xmlns:r="http://schemas.openxmlformats.org/officeDocument/2006/relationships" xmlns:p="http://schemas.openxmlformats.org/presentationml/2006/main">
   <p:cSld>
     <p:spTree>
@@ -6914,7 +10967,7 @@
 </p:sld>
 </file>
 
-<file path=ppt/slides/slide19.xml><?xml version="1.0" encoding="utf-8"?>
+<file path=ppt/slides/slide33.xml><?xml version="1.0" encoding="utf-8"?>
 <p:sld xmlns:a="http://schemas.openxmlformats.org/drawingml/2006/main" xmlns:r="http://schemas.openxmlformats.org/officeDocument/2006/relationships" xmlns:p="http://schemas.openxmlformats.org/presentationml/2006/main">
   <p:cSld>
     <p:spTree>
@@ -7093,7 +11146,7 @@
 </p:sld>
 </file>
 
-<file path=ppt/slides/slide2.xml><?xml version="1.0" encoding="utf-8"?>
+<file path=ppt/slides/slide34.xml><?xml version="1.0" encoding="utf-8"?>
 <p:sld xmlns:a="http://schemas.openxmlformats.org/drawingml/2006/main" xmlns:r="http://schemas.openxmlformats.org/officeDocument/2006/relationships" xmlns:p="http://schemas.openxmlformats.org/presentationml/2006/main">
   <p:cSld>
     <p:spTree>
@@ -7128,116 +11181,6 @@
             <a:pPr rtl="0"/>
             <a:r>
               <a:rPr lang="it-IT" dirty="0"/>
-              <a:t>Il </a:t>
-            </a:r>
-            <a:r>
-              <a:rPr lang="it-IT" dirty="0" err="1"/>
-              <a:t>fanta</a:t>
-            </a:r>
-            <a:r>
-              <a:rPr lang="it-IT" dirty="0"/>
-              <a:t>-basket</a:t>
-            </a:r>
-          </a:p>
-        </p:txBody>
-      </p:sp>
-      <p:sp>
-        <p:nvSpPr>
-          <p:cNvPr id="3" name="Segnaposto contenuto 2"/>
-          <p:cNvSpPr>
-            <a:spLocks noGrp="1"/>
-          </p:cNvSpPr>
-          <p:nvPr>
-            <p:ph idx="1"/>
-          </p:nvPr>
-        </p:nvSpPr>
-        <p:spPr/>
-        <p:txBody>
-          <a:bodyPr rtlCol="0"/>
-          <a:lstStyle/>
-          <a:p>
-            <a:pPr rtl="0"/>
-            <a:r>
-              <a:rPr lang="it-IT" dirty="0"/>
-              <a:t>Gioco di gruppo a tornei</a:t>
-            </a:r>
-          </a:p>
-          <a:p>
-            <a:pPr rtl="0"/>
-            <a:r>
-              <a:rPr lang="it-IT" dirty="0"/>
-              <a:t>Ogni giocatore è l’allenatore di una squadra</a:t>
-            </a:r>
-          </a:p>
-          <a:p>
-            <a:pPr rtl="0"/>
-            <a:r>
-              <a:rPr lang="it-IT" dirty="0"/>
-              <a:t>I punteggi si basano sulle statistiche reali dei giocatori</a:t>
-            </a:r>
-          </a:p>
-        </p:txBody>
-      </p:sp>
-    </p:spTree>
-    <p:extLst>
-      <p:ext uri="{BB962C8B-B14F-4D97-AF65-F5344CB8AC3E}">
-        <p14:creationId xmlns:p14="http://schemas.microsoft.com/office/powerpoint/2010/main" val="2905083717"/>
-      </p:ext>
-    </p:extLst>
-  </p:cSld>
-  <p:clrMapOvr>
-    <a:masterClrMapping/>
-  </p:clrMapOvr>
-  <mc:AlternateContent xmlns:mc="http://schemas.openxmlformats.org/markup-compatibility/2006" xmlns:p14="http://schemas.microsoft.com/office/powerpoint/2010/main">
-    <mc:Choice Requires="p14">
-      <p:transition spd="med" p14:dur="700">
-        <p:fade/>
-      </p:transition>
-    </mc:Choice>
-    <mc:Fallback xmlns="">
-      <p:transition spd="med">
-        <p:fade/>
-      </p:transition>
-    </mc:Fallback>
-  </mc:AlternateContent>
-</p:sld>
-</file>
-
-<file path=ppt/slides/slide20.xml><?xml version="1.0" encoding="utf-8"?>
-<p:sld xmlns:a="http://schemas.openxmlformats.org/drawingml/2006/main" xmlns:r="http://schemas.openxmlformats.org/officeDocument/2006/relationships" xmlns:p="http://schemas.openxmlformats.org/presentationml/2006/main">
-  <p:cSld>
-    <p:spTree>
-      <p:nvGrpSpPr>
-        <p:cNvPr id="1" name=""/>
-        <p:cNvGrpSpPr/>
-        <p:nvPr/>
-      </p:nvGrpSpPr>
-      <p:grpSpPr>
-        <a:xfrm>
-          <a:off x="0" y="0"/>
-          <a:ext cx="0" cy="0"/>
-          <a:chOff x="0" y="0"/>
-          <a:chExt cx="0" cy="0"/>
-        </a:xfrm>
-      </p:grpSpPr>
-      <p:sp>
-        <p:nvSpPr>
-          <p:cNvPr id="2" name="Titolo 1"/>
-          <p:cNvSpPr>
-            <a:spLocks noGrp="1"/>
-          </p:cNvSpPr>
-          <p:nvPr>
-            <p:ph type="title"/>
-          </p:nvPr>
-        </p:nvSpPr>
-        <p:spPr/>
-        <p:txBody>
-          <a:bodyPr rtlCol="0"/>
-          <a:lstStyle/>
-          <a:p>
-            <a:pPr rtl="0"/>
-            <a:r>
-              <a:rPr lang="it-IT" dirty="0"/>
               <a:t>Problematiche</a:t>
             </a:r>
           </a:p>
@@ -7323,143 +11266,6 @@
     <p:extLst>
       <p:ext uri="{BB962C8B-B14F-4D97-AF65-F5344CB8AC3E}">
         <p14:creationId xmlns:p14="http://schemas.microsoft.com/office/powerpoint/2010/main" val="1908766195"/>
-      </p:ext>
-    </p:extLst>
-  </p:cSld>
-  <p:clrMapOvr>
-    <a:masterClrMapping/>
-  </p:clrMapOvr>
-  <mc:AlternateContent xmlns:mc="http://schemas.openxmlformats.org/markup-compatibility/2006" xmlns:p14="http://schemas.microsoft.com/office/powerpoint/2010/main">
-    <mc:Choice Requires="p14">
-      <p:transition spd="med" p14:dur="700">
-        <p:fade/>
-      </p:transition>
-    </mc:Choice>
-    <mc:Fallback xmlns="">
-      <p:transition spd="med">
-        <p:fade/>
-      </p:transition>
-    </mc:Fallback>
-  </mc:AlternateContent>
-</p:sld>
-</file>
-
-<file path=ppt/slides/slide3.xml><?xml version="1.0" encoding="utf-8"?>
-<p:sld xmlns:a="http://schemas.openxmlformats.org/drawingml/2006/main" xmlns:r="http://schemas.openxmlformats.org/officeDocument/2006/relationships" xmlns:p="http://schemas.openxmlformats.org/presentationml/2006/main">
-  <p:cSld>
-    <p:spTree>
-      <p:nvGrpSpPr>
-        <p:cNvPr id="1" name=""/>
-        <p:cNvGrpSpPr/>
-        <p:nvPr/>
-      </p:nvGrpSpPr>
-      <p:grpSpPr>
-        <a:xfrm>
-          <a:off x="0" y="0"/>
-          <a:ext cx="0" cy="0"/>
-          <a:chOff x="0" y="0"/>
-          <a:chExt cx="0" cy="0"/>
-        </a:xfrm>
-      </p:grpSpPr>
-      <p:sp>
-        <p:nvSpPr>
-          <p:cNvPr id="2" name="Titolo 1"/>
-          <p:cNvSpPr>
-            <a:spLocks noGrp="1"/>
-          </p:cNvSpPr>
-          <p:nvPr>
-            <p:ph type="title"/>
-          </p:nvPr>
-        </p:nvSpPr>
-        <p:spPr/>
-        <p:txBody>
-          <a:bodyPr rtlCol="0"/>
-          <a:lstStyle/>
-          <a:p>
-            <a:pPr rtl="0"/>
-            <a:r>
-              <a:rPr lang="it-IT" dirty="0"/>
-              <a:t>Struttura dell’applicazione</a:t>
-            </a:r>
-          </a:p>
-        </p:txBody>
-      </p:sp>
-      <p:sp>
-        <p:nvSpPr>
-          <p:cNvPr id="3" name="Segnaposto contenuto 2"/>
-          <p:cNvSpPr>
-            <a:spLocks noGrp="1"/>
-          </p:cNvSpPr>
-          <p:nvPr>
-            <p:ph idx="1"/>
-          </p:nvPr>
-        </p:nvSpPr>
-        <p:spPr/>
-        <p:txBody>
-          <a:bodyPr rtlCol="0"/>
-          <a:lstStyle/>
-          <a:p>
-            <a:pPr rtl="0"/>
-            <a:r>
-              <a:rPr lang="it-IT" dirty="0"/>
-              <a:t>Creare un profilo</a:t>
-            </a:r>
-          </a:p>
-          <a:p>
-            <a:pPr lvl="1"/>
-            <a:r>
-              <a:rPr lang="it-IT" dirty="0"/>
-              <a:t>Creazione squadra</a:t>
-            </a:r>
-          </a:p>
-          <a:p>
-            <a:pPr rtl="0"/>
-            <a:r>
-              <a:rPr lang="it-IT" dirty="0"/>
-              <a:t>Creare o unirsi ad una lega</a:t>
-            </a:r>
-          </a:p>
-          <a:p>
-            <a:pPr lvl="1"/>
-            <a:r>
-              <a:rPr lang="it-IT" dirty="0"/>
-              <a:t>Due tipologie di lega: a calendario o formula 1</a:t>
-            </a:r>
-          </a:p>
-          <a:p>
-            <a:pPr rtl="0"/>
-            <a:r>
-              <a:rPr lang="it-IT" dirty="0"/>
-              <a:t>Creare una propria formazione (per vincere la lega)</a:t>
-            </a:r>
-          </a:p>
-          <a:p>
-            <a:pPr lvl="1"/>
-            <a:r>
-              <a:rPr lang="it-IT" dirty="0"/>
-              <a:t>Formazione unica per tutte le competizioni</a:t>
-            </a:r>
-          </a:p>
-          <a:p>
-            <a:pPr lvl="1"/>
-            <a:r>
-              <a:rPr lang="it-IT" dirty="0"/>
-              <a:t>Può variare di giornata in giornata</a:t>
-            </a:r>
-          </a:p>
-          <a:p>
-            <a:pPr lvl="1"/>
-            <a:r>
-              <a:rPr lang="it-IT" dirty="0"/>
-              <a:t>Non si può modificare durante lo svolgimento della giornata</a:t>
-            </a:r>
-          </a:p>
-        </p:txBody>
-      </p:sp>
-    </p:spTree>
-    <p:extLst>
-      <p:ext uri="{BB962C8B-B14F-4D97-AF65-F5344CB8AC3E}">
-        <p14:creationId xmlns:p14="http://schemas.microsoft.com/office/powerpoint/2010/main" val="3533681801"/>
       </p:ext>
     </p:extLst>
   </p:cSld>
@@ -7966,7 +11772,7 @@
           <a:p>
             <a:r>
               <a:rPr lang="it-IT" dirty="0"/>
-              <a:t>Un giocatore in campo può essere schierato solo nel suo ruolo</a:t>
+              <a:t>Un giocatore in campo può essere schierato solo nel suo ruolo (alcuni giocatori possono giocare in più ruoli)</a:t>
             </a:r>
           </a:p>
           <a:p>
@@ -9731,6 +13537,15 @@
 </file>
 
 <file path=customXml/item1.xml><?xml version="1.0" encoding="utf-8"?>
+<?mso-contentType ?>
+<FormTemplates xmlns="http://schemas.microsoft.com/sharepoint/v3/contenttype/forms">
+  <Display>DocumentLibraryForm</Display>
+  <Edit>DocumentLibraryForm</Edit>
+  <New>DocumentLibraryForm</New>
+</FormTemplates>
+</file>
+
+<file path=customXml/item2.xml><?xml version="1.0" encoding="utf-8"?>
 <p:properties xmlns:p="http://schemas.microsoft.com/office/2006/metadata/properties" xmlns:xsi="http://www.w3.org/2001/XMLSchema-instance" xmlns:pc="http://schemas.microsoft.com/office/infopath/2007/PartnerControls">
   <documentManagement>
     <VSO_x0020_item_x0020_id xmlns="40262f94-9f35-4ac3-9a90-690165a166b7" xsi:nil="true"/>
@@ -9739,15 +13554,6 @@
     <Template_x0020_details xmlns="40262f94-9f35-4ac3-9a90-690165a166b7" xsi:nil="true"/>
   </documentManagement>
 </p:properties>
-</file>
-
-<file path=customXml/item2.xml><?xml version="1.0" encoding="utf-8"?>
-<?mso-contentType ?>
-<FormTemplates xmlns="http://schemas.microsoft.com/sharepoint/v3/contenttype/forms">
-  <Display>DocumentLibraryForm</Display>
-  <Edit>DocumentLibraryForm</Edit>
-  <New>DocumentLibraryForm</New>
-</FormTemplates>
 </file>
 
 <file path=customXml/item3.xml><?xml version="1.0" encoding="utf-8"?>
@@ -9932,6 +13738,14 @@
 </file>
 
 <file path=customXml/itemProps1.xml><?xml version="1.0" encoding="utf-8"?>
+<ds:datastoreItem xmlns:ds="http://schemas.openxmlformats.org/officeDocument/2006/customXml" ds:itemID="{48E42578-9CD4-4AFF-AA5E-F33052F6B6A6}">
+  <ds:schemaRefs>
+    <ds:schemaRef ds:uri="http://schemas.microsoft.com/sharepoint/v3/contenttype/forms"/>
+  </ds:schemaRefs>
+</ds:datastoreItem>
+</file>
+
+<file path=customXml/itemProps2.xml><?xml version="1.0" encoding="utf-8"?>
 <ds:datastoreItem xmlns:ds="http://schemas.openxmlformats.org/officeDocument/2006/customXml" ds:itemID="{91DDEFBA-1D7E-4587-9763-EBF5A6740E9A}">
   <ds:schemaRefs>
     <ds:schemaRef ds:uri="http://schemas.microsoft.com/office/2006/documentManagement/types"/>
@@ -9944,14 +13758,6 @@
     <ds:schemaRef ds:uri="a4f35948-e619-41b3-aa29-22878b09cfd2"/>
     <ds:schemaRef ds:uri="http://www.w3.org/XML/1998/namespace"/>
     <ds:schemaRef ds:uri="http://purl.org/dc/elements/1.1/"/>
-  </ds:schemaRefs>
-</ds:datastoreItem>
-</file>
-
-<file path=customXml/itemProps2.xml><?xml version="1.0" encoding="utf-8"?>
-<ds:datastoreItem xmlns:ds="http://schemas.openxmlformats.org/officeDocument/2006/customXml" ds:itemID="{48E42578-9CD4-4AFF-AA5E-F33052F6B6A6}">
-  <ds:schemaRefs>
-    <ds:schemaRef ds:uri="http://schemas.microsoft.com/sharepoint/v3/contenttype/forms"/>
   </ds:schemaRefs>
 </ds:datastoreItem>
 </file>
